--- a/presentacionfinal/Presentacion-Grupo8-V1.pptx
+++ b/presentacionfinal/Presentacion-Grupo8-V1.pptx
@@ -17,6 +17,7 @@
     <p:sldId id="264" r:id="rId12"/>
     <p:sldId id="265" r:id="rId13"/>
     <p:sldId id="266" r:id="rId14"/>
+    <p:sldId id="267" r:id="rId15"/>
   </p:sldIdLst>
   <p:sldSz cx="9144000" cy="6858000"/>
   <p:notesSz cx="7772400" cy="10058400"/>
@@ -64,7 +65,7 @@
       </p:grpSpPr>
       <p:sp>
         <p:nvSpPr>
-          <p:cNvPr id="26" name="PlaceHolder 1"/>
+          <p:cNvPr id="23" name="PlaceHolder 1"/>
           <p:cNvSpPr>
             <a:spLocks noGrp="1"/>
           </p:cNvSpPr>
@@ -74,8 +75,8 @@
         </p:nvSpPr>
         <p:spPr>
           <a:xfrm>
-            <a:off x="457200" y="274680"/>
-            <a:ext cx="8229240" cy="1143000"/>
+            <a:off x="457200" y="273600"/>
+            <a:ext cx="8229240" cy="1145160"/>
           </a:xfrm>
           <a:prstGeom prst="rect">
             <a:avLst/>
@@ -84,13 +85,14 @@
         <p:txBody>
           <a:bodyPr lIns="0" rIns="0" tIns="0" bIns="0" anchor="ctr"/>
           <a:p>
-            <a:endParaRPr/>
-          </a:p>
-        </p:txBody>
-      </p:sp>
-      <p:sp>
-        <p:nvSpPr>
-          <p:cNvPr id="27" name="PlaceHolder 2"/>
+            <a:pPr algn="ctr"/>
+            <a:endParaRPr/>
+          </a:p>
+        </p:txBody>
+      </p:sp>
+      <p:sp>
+        <p:nvSpPr>
+          <p:cNvPr id="24" name="PlaceHolder 2"/>
           <p:cNvSpPr>
             <a:spLocks noGrp="1"/>
           </p:cNvSpPr>
@@ -100,8 +102,8 @@
         </p:nvSpPr>
         <p:spPr>
           <a:xfrm>
-            <a:off x="457200" y="1600200"/>
-            <a:ext cx="8229240" cy="2158560"/>
+            <a:off x="457200" y="1604520"/>
+            <a:ext cx="8229240" cy="1896840"/>
           </a:xfrm>
           <a:prstGeom prst="rect">
             <a:avLst/>
@@ -116,7 +118,7 @@
       </p:sp>
       <p:sp>
         <p:nvSpPr>
-          <p:cNvPr id="28" name="PlaceHolder 3"/>
+          <p:cNvPr id="25" name="PlaceHolder 3"/>
           <p:cNvSpPr>
             <a:spLocks noGrp="1"/>
           </p:cNvSpPr>
@@ -126,8 +128,8 @@
         </p:nvSpPr>
         <p:spPr>
           <a:xfrm>
-            <a:off x="457200" y="3964320"/>
-            <a:ext cx="8229240" cy="2158560"/>
+            <a:off x="457200" y="3682080"/>
+            <a:ext cx="8229240" cy="1896840"/>
           </a:xfrm>
           <a:prstGeom prst="rect">
             <a:avLst/>
@@ -164,7 +166,7 @@
       </p:grpSpPr>
       <p:sp>
         <p:nvSpPr>
-          <p:cNvPr id="29" name="PlaceHolder 1"/>
+          <p:cNvPr id="26" name="PlaceHolder 1"/>
           <p:cNvSpPr>
             <a:spLocks noGrp="1"/>
           </p:cNvSpPr>
@@ -174,8 +176,8 @@
         </p:nvSpPr>
         <p:spPr>
           <a:xfrm>
-            <a:off x="457200" y="274680"/>
-            <a:ext cx="8229240" cy="1143000"/>
+            <a:off x="457200" y="273600"/>
+            <a:ext cx="8229240" cy="1145160"/>
           </a:xfrm>
           <a:prstGeom prst="rect">
             <a:avLst/>
@@ -184,13 +186,14 @@
         <p:txBody>
           <a:bodyPr lIns="0" rIns="0" tIns="0" bIns="0" anchor="ctr"/>
           <a:p>
-            <a:endParaRPr/>
-          </a:p>
-        </p:txBody>
-      </p:sp>
-      <p:sp>
-        <p:nvSpPr>
-          <p:cNvPr id="30" name="PlaceHolder 2"/>
+            <a:pPr algn="ctr"/>
+            <a:endParaRPr/>
+          </a:p>
+        </p:txBody>
+      </p:sp>
+      <p:sp>
+        <p:nvSpPr>
+          <p:cNvPr id="27" name="PlaceHolder 2"/>
           <p:cNvSpPr>
             <a:spLocks noGrp="1"/>
           </p:cNvSpPr>
@@ -200,8 +203,8 @@
         </p:nvSpPr>
         <p:spPr>
           <a:xfrm>
-            <a:off x="457200" y="1600200"/>
-            <a:ext cx="4015800" cy="2158560"/>
+            <a:off x="457200" y="1604520"/>
+            <a:ext cx="4015800" cy="1896840"/>
           </a:xfrm>
           <a:prstGeom prst="rect">
             <a:avLst/>
@@ -216,7 +219,7 @@
       </p:sp>
       <p:sp>
         <p:nvSpPr>
-          <p:cNvPr id="31" name="PlaceHolder 3"/>
+          <p:cNvPr id="28" name="PlaceHolder 3"/>
           <p:cNvSpPr>
             <a:spLocks noGrp="1"/>
           </p:cNvSpPr>
@@ -226,8 +229,8 @@
         </p:nvSpPr>
         <p:spPr>
           <a:xfrm>
-            <a:off x="4674240" y="1600200"/>
-            <a:ext cx="4015800" cy="2158560"/>
+            <a:off x="4674240" y="1604520"/>
+            <a:ext cx="4015800" cy="1896840"/>
           </a:xfrm>
           <a:prstGeom prst="rect">
             <a:avLst/>
@@ -242,7 +245,7 @@
       </p:sp>
       <p:sp>
         <p:nvSpPr>
-          <p:cNvPr id="32" name="PlaceHolder 4"/>
+          <p:cNvPr id="29" name="PlaceHolder 4"/>
           <p:cNvSpPr>
             <a:spLocks noGrp="1"/>
           </p:cNvSpPr>
@@ -252,8 +255,8 @@
         </p:nvSpPr>
         <p:spPr>
           <a:xfrm>
-            <a:off x="4674240" y="3964320"/>
-            <a:ext cx="4015800" cy="2158560"/>
+            <a:off x="4674240" y="3682080"/>
+            <a:ext cx="4015800" cy="1896840"/>
           </a:xfrm>
           <a:prstGeom prst="rect">
             <a:avLst/>
@@ -268,7 +271,7 @@
       </p:sp>
       <p:sp>
         <p:nvSpPr>
-          <p:cNvPr id="33" name="PlaceHolder 5"/>
+          <p:cNvPr id="30" name="PlaceHolder 5"/>
           <p:cNvSpPr>
             <a:spLocks noGrp="1"/>
           </p:cNvSpPr>
@@ -278,8 +281,8 @@
         </p:nvSpPr>
         <p:spPr>
           <a:xfrm>
-            <a:off x="457200" y="3964320"/>
-            <a:ext cx="4015800" cy="2158560"/>
+            <a:off x="457200" y="3682080"/>
+            <a:ext cx="4015800" cy="1896840"/>
           </a:xfrm>
           <a:prstGeom prst="rect">
             <a:avLst/>
@@ -316,7 +319,7 @@
       </p:grpSpPr>
       <p:sp>
         <p:nvSpPr>
-          <p:cNvPr id="34" name="PlaceHolder 1"/>
+          <p:cNvPr id="31" name="PlaceHolder 1"/>
           <p:cNvSpPr>
             <a:spLocks noGrp="1"/>
           </p:cNvSpPr>
@@ -326,8 +329,8 @@
         </p:nvSpPr>
         <p:spPr>
           <a:xfrm>
-            <a:off x="457200" y="274680"/>
-            <a:ext cx="8229240" cy="1143000"/>
+            <a:off x="457200" y="273600"/>
+            <a:ext cx="8229240" cy="1145160"/>
           </a:xfrm>
           <a:prstGeom prst="rect">
             <a:avLst/>
@@ -336,13 +339,14 @@
         <p:txBody>
           <a:bodyPr lIns="0" rIns="0" tIns="0" bIns="0" anchor="ctr"/>
           <a:p>
-            <a:endParaRPr/>
-          </a:p>
-        </p:txBody>
-      </p:sp>
-      <p:sp>
-        <p:nvSpPr>
-          <p:cNvPr id="35" name="PlaceHolder 2"/>
+            <a:pPr algn="ctr"/>
+            <a:endParaRPr/>
+          </a:p>
+        </p:txBody>
+      </p:sp>
+      <p:sp>
+        <p:nvSpPr>
+          <p:cNvPr id="32" name="PlaceHolder 2"/>
           <p:cNvSpPr>
             <a:spLocks noGrp="1"/>
           </p:cNvSpPr>
@@ -352,8 +356,8 @@
         </p:nvSpPr>
         <p:spPr>
           <a:xfrm>
-            <a:off x="457200" y="1600200"/>
-            <a:ext cx="8229240" cy="4525560"/>
+            <a:off x="457200" y="1604520"/>
+            <a:ext cx="8229240" cy="3977280"/>
           </a:xfrm>
           <a:prstGeom prst="rect">
             <a:avLst/>
@@ -368,7 +372,7 @@
       </p:sp>
       <p:sp>
         <p:nvSpPr>
-          <p:cNvPr id="36" name="PlaceHolder 3"/>
+          <p:cNvPr id="33" name="PlaceHolder 3"/>
           <p:cNvSpPr>
             <a:spLocks noGrp="1"/>
           </p:cNvSpPr>
@@ -378,8 +382,8 @@
         </p:nvSpPr>
         <p:spPr>
           <a:xfrm>
-            <a:off x="457200" y="1600200"/>
-            <a:ext cx="8229240" cy="4525560"/>
+            <a:off x="457200" y="1604520"/>
+            <a:ext cx="8229240" cy="3977280"/>
           </a:xfrm>
           <a:prstGeom prst="rect">
             <a:avLst/>
@@ -394,7 +398,7 @@
       </p:sp>
       <p:pic>
         <p:nvPicPr>
-          <p:cNvPr id="37" name="" descr=""/>
+          <p:cNvPr id="34" name="" descr=""/>
           <p:cNvPicPr/>
           <p:nvPr/>
         </p:nvPicPr>
@@ -406,8 +410,8 @@
         </p:blipFill>
         <p:spPr>
           <a:xfrm>
-            <a:off x="1735560" y="1599840"/>
-            <a:ext cx="5671800" cy="4525560"/>
+            <a:off x="2079000" y="1604520"/>
+            <a:ext cx="4984920" cy="3977280"/>
           </a:xfrm>
           <a:prstGeom prst="rect">
             <a:avLst/>
@@ -419,7 +423,7 @@
       </p:pic>
       <p:pic>
         <p:nvPicPr>
-          <p:cNvPr id="38" name="" descr=""/>
+          <p:cNvPr id="35" name="" descr=""/>
           <p:cNvPicPr/>
           <p:nvPr/>
         </p:nvPicPr>
@@ -431,8 +435,8 @@
         </p:blipFill>
         <p:spPr>
           <a:xfrm>
-            <a:off x="1735560" y="1599840"/>
-            <a:ext cx="5671800" cy="4525560"/>
+            <a:off x="2079000" y="1604520"/>
+            <a:ext cx="4984920" cy="3977280"/>
           </a:xfrm>
           <a:prstGeom prst="rect">
             <a:avLst/>
@@ -488,7 +492,7 @@
       </p:grpSpPr>
       <p:sp>
         <p:nvSpPr>
-          <p:cNvPr id="44" name="PlaceHolder 1"/>
+          <p:cNvPr id="38" name="PlaceHolder 1"/>
           <p:cNvSpPr>
             <a:spLocks noGrp="1"/>
           </p:cNvSpPr>
@@ -498,8 +502,8 @@
         </p:nvSpPr>
         <p:spPr>
           <a:xfrm>
-            <a:off x="457200" y="274680"/>
-            <a:ext cx="8229240" cy="1143000"/>
+            <a:off x="457200" y="273600"/>
+            <a:ext cx="8229240" cy="1145160"/>
           </a:xfrm>
           <a:prstGeom prst="rect">
             <a:avLst/>
@@ -508,13 +512,14 @@
         <p:txBody>
           <a:bodyPr lIns="0" rIns="0" tIns="0" bIns="0" anchor="ctr"/>
           <a:p>
-            <a:endParaRPr/>
-          </a:p>
-        </p:txBody>
-      </p:sp>
-      <p:sp>
-        <p:nvSpPr>
-          <p:cNvPr id="45" name="PlaceHolder 2"/>
+            <a:pPr algn="ctr"/>
+            <a:endParaRPr/>
+          </a:p>
+        </p:txBody>
+      </p:sp>
+      <p:sp>
+        <p:nvSpPr>
+          <p:cNvPr id="39" name="PlaceHolder 2"/>
           <p:cNvSpPr>
             <a:spLocks noGrp="1"/>
           </p:cNvSpPr>
@@ -524,8 +529,8 @@
         </p:nvSpPr>
         <p:spPr>
           <a:xfrm>
-            <a:off x="457200" y="1600200"/>
-            <a:ext cx="8229240" cy="4525920"/>
+            <a:off x="457200" y="1604520"/>
+            <a:ext cx="8229240" cy="3977640"/>
           </a:xfrm>
           <a:prstGeom prst="rect">
             <a:avLst/>
@@ -563,7 +568,7 @@
       </p:grpSpPr>
       <p:sp>
         <p:nvSpPr>
-          <p:cNvPr id="46" name="PlaceHolder 1"/>
+          <p:cNvPr id="40" name="PlaceHolder 1"/>
           <p:cNvSpPr>
             <a:spLocks noGrp="1"/>
           </p:cNvSpPr>
@@ -573,8 +578,8 @@
         </p:nvSpPr>
         <p:spPr>
           <a:xfrm>
-            <a:off x="457200" y="274680"/>
-            <a:ext cx="8229240" cy="1143000"/>
+            <a:off x="457200" y="273600"/>
+            <a:ext cx="8229240" cy="1145160"/>
           </a:xfrm>
           <a:prstGeom prst="rect">
             <a:avLst/>
@@ -583,13 +588,14 @@
         <p:txBody>
           <a:bodyPr lIns="0" rIns="0" tIns="0" bIns="0" anchor="ctr"/>
           <a:p>
-            <a:endParaRPr/>
-          </a:p>
-        </p:txBody>
-      </p:sp>
-      <p:sp>
-        <p:nvSpPr>
-          <p:cNvPr id="47" name="PlaceHolder 2"/>
+            <a:pPr algn="ctr"/>
+            <a:endParaRPr/>
+          </a:p>
+        </p:txBody>
+      </p:sp>
+      <p:sp>
+        <p:nvSpPr>
+          <p:cNvPr id="41" name="PlaceHolder 2"/>
           <p:cNvSpPr>
             <a:spLocks noGrp="1"/>
           </p:cNvSpPr>
@@ -599,8 +605,8 @@
         </p:nvSpPr>
         <p:spPr>
           <a:xfrm>
-            <a:off x="457200" y="1600200"/>
-            <a:ext cx="8229240" cy="4525560"/>
+            <a:off x="457200" y="1604520"/>
+            <a:ext cx="8229240" cy="3977280"/>
           </a:xfrm>
           <a:prstGeom prst="rect">
             <a:avLst/>
@@ -637,7 +643,7 @@
       </p:grpSpPr>
       <p:sp>
         <p:nvSpPr>
-          <p:cNvPr id="48" name="PlaceHolder 1"/>
+          <p:cNvPr id="42" name="PlaceHolder 1"/>
           <p:cNvSpPr>
             <a:spLocks noGrp="1"/>
           </p:cNvSpPr>
@@ -647,8 +653,8 @@
         </p:nvSpPr>
         <p:spPr>
           <a:xfrm>
-            <a:off x="457200" y="274680"/>
-            <a:ext cx="8229240" cy="1143000"/>
+            <a:off x="457200" y="273600"/>
+            <a:ext cx="8229240" cy="1145160"/>
           </a:xfrm>
           <a:prstGeom prst="rect">
             <a:avLst/>
@@ -657,13 +663,14 @@
         <p:txBody>
           <a:bodyPr lIns="0" rIns="0" tIns="0" bIns="0" anchor="ctr"/>
           <a:p>
-            <a:endParaRPr/>
-          </a:p>
-        </p:txBody>
-      </p:sp>
-      <p:sp>
-        <p:nvSpPr>
-          <p:cNvPr id="49" name="PlaceHolder 2"/>
+            <a:pPr algn="ctr"/>
+            <a:endParaRPr/>
+          </a:p>
+        </p:txBody>
+      </p:sp>
+      <p:sp>
+        <p:nvSpPr>
+          <p:cNvPr id="43" name="PlaceHolder 2"/>
           <p:cNvSpPr>
             <a:spLocks noGrp="1"/>
           </p:cNvSpPr>
@@ -673,8 +680,8 @@
         </p:nvSpPr>
         <p:spPr>
           <a:xfrm>
-            <a:off x="457200" y="1600200"/>
-            <a:ext cx="4015800" cy="4525560"/>
+            <a:off x="457200" y="1604520"/>
+            <a:ext cx="4015800" cy="3977280"/>
           </a:xfrm>
           <a:prstGeom prst="rect">
             <a:avLst/>
@@ -689,7 +696,7 @@
       </p:sp>
       <p:sp>
         <p:nvSpPr>
-          <p:cNvPr id="50" name="PlaceHolder 3"/>
+          <p:cNvPr id="44" name="PlaceHolder 3"/>
           <p:cNvSpPr>
             <a:spLocks noGrp="1"/>
           </p:cNvSpPr>
@@ -699,8 +706,8 @@
         </p:nvSpPr>
         <p:spPr>
           <a:xfrm>
-            <a:off x="4674240" y="1600200"/>
-            <a:ext cx="4015800" cy="4525560"/>
+            <a:off x="4674240" y="1604520"/>
+            <a:ext cx="4015800" cy="3977280"/>
           </a:xfrm>
           <a:prstGeom prst="rect">
             <a:avLst/>
@@ -737,7 +744,7 @@
       </p:grpSpPr>
       <p:sp>
         <p:nvSpPr>
-          <p:cNvPr id="51" name="PlaceHolder 1"/>
+          <p:cNvPr id="45" name="PlaceHolder 1"/>
           <p:cNvSpPr>
             <a:spLocks noGrp="1"/>
           </p:cNvSpPr>
@@ -747,8 +754,8 @@
         </p:nvSpPr>
         <p:spPr>
           <a:xfrm>
-            <a:off x="457200" y="274680"/>
-            <a:ext cx="8229240" cy="1143000"/>
+            <a:off x="457200" y="273600"/>
+            <a:ext cx="8229240" cy="1145160"/>
           </a:xfrm>
           <a:prstGeom prst="rect">
             <a:avLst/>
@@ -757,6 +764,7 @@
         <p:txBody>
           <a:bodyPr lIns="0" rIns="0" tIns="0" bIns="0" anchor="ctr"/>
           <a:p>
+            <a:pPr algn="ctr"/>
             <a:endParaRPr/>
           </a:p>
         </p:txBody>
@@ -785,7 +793,7 @@
       </p:grpSpPr>
       <p:sp>
         <p:nvSpPr>
-          <p:cNvPr id="52" name="PlaceHolder 1"/>
+          <p:cNvPr id="46" name="PlaceHolder 1"/>
           <p:cNvSpPr>
             <a:spLocks noGrp="1"/>
           </p:cNvSpPr>
@@ -795,8 +803,8 @@
         </p:nvSpPr>
         <p:spPr>
           <a:xfrm>
-            <a:off x="457200" y="274680"/>
-            <a:ext cx="8229240" cy="5298120"/>
+            <a:off x="457200" y="273600"/>
+            <a:ext cx="8229240" cy="5308200"/>
           </a:xfrm>
           <a:prstGeom prst="rect">
             <a:avLst/>
@@ -834,7 +842,7 @@
       </p:grpSpPr>
       <p:sp>
         <p:nvSpPr>
-          <p:cNvPr id="53" name="PlaceHolder 1"/>
+          <p:cNvPr id="47" name="PlaceHolder 1"/>
           <p:cNvSpPr>
             <a:spLocks noGrp="1"/>
           </p:cNvSpPr>
@@ -844,8 +852,8 @@
         </p:nvSpPr>
         <p:spPr>
           <a:xfrm>
-            <a:off x="457200" y="274680"/>
-            <a:ext cx="8229240" cy="1143000"/>
+            <a:off x="457200" y="273600"/>
+            <a:ext cx="8229240" cy="1145160"/>
           </a:xfrm>
           <a:prstGeom prst="rect">
             <a:avLst/>
@@ -854,13 +862,14 @@
         <p:txBody>
           <a:bodyPr lIns="0" rIns="0" tIns="0" bIns="0" anchor="ctr"/>
           <a:p>
-            <a:endParaRPr/>
-          </a:p>
-        </p:txBody>
-      </p:sp>
-      <p:sp>
-        <p:nvSpPr>
-          <p:cNvPr id="54" name="PlaceHolder 2"/>
+            <a:pPr algn="ctr"/>
+            <a:endParaRPr/>
+          </a:p>
+        </p:txBody>
+      </p:sp>
+      <p:sp>
+        <p:nvSpPr>
+          <p:cNvPr id="48" name="PlaceHolder 2"/>
           <p:cNvSpPr>
             <a:spLocks noGrp="1"/>
           </p:cNvSpPr>
@@ -870,8 +879,8 @@
         </p:nvSpPr>
         <p:spPr>
           <a:xfrm>
-            <a:off x="457200" y="1600200"/>
-            <a:ext cx="4015800" cy="2158560"/>
+            <a:off x="457200" y="1604520"/>
+            <a:ext cx="4015800" cy="1896840"/>
           </a:xfrm>
           <a:prstGeom prst="rect">
             <a:avLst/>
@@ -886,7 +895,7 @@
       </p:sp>
       <p:sp>
         <p:nvSpPr>
-          <p:cNvPr id="55" name="PlaceHolder 3"/>
+          <p:cNvPr id="49" name="PlaceHolder 3"/>
           <p:cNvSpPr>
             <a:spLocks noGrp="1"/>
           </p:cNvSpPr>
@@ -896,8 +905,8 @@
         </p:nvSpPr>
         <p:spPr>
           <a:xfrm>
-            <a:off x="457200" y="3964320"/>
-            <a:ext cx="4015800" cy="2158560"/>
+            <a:off x="457200" y="3682080"/>
+            <a:ext cx="4015800" cy="1896840"/>
           </a:xfrm>
           <a:prstGeom prst="rect">
             <a:avLst/>
@@ -912,7 +921,7 @@
       </p:sp>
       <p:sp>
         <p:nvSpPr>
-          <p:cNvPr id="56" name="PlaceHolder 4"/>
+          <p:cNvPr id="50" name="PlaceHolder 4"/>
           <p:cNvSpPr>
             <a:spLocks noGrp="1"/>
           </p:cNvSpPr>
@@ -922,8 +931,8 @@
         </p:nvSpPr>
         <p:spPr>
           <a:xfrm>
-            <a:off x="4674240" y="1600200"/>
-            <a:ext cx="4015800" cy="4525560"/>
+            <a:off x="4674240" y="1604520"/>
+            <a:ext cx="4015800" cy="3977280"/>
           </a:xfrm>
           <a:prstGeom prst="rect">
             <a:avLst/>
@@ -960,7 +969,7 @@
       </p:grpSpPr>
       <p:sp>
         <p:nvSpPr>
-          <p:cNvPr id="5" name="PlaceHolder 1"/>
+          <p:cNvPr id="2" name="PlaceHolder 1"/>
           <p:cNvSpPr>
             <a:spLocks noGrp="1"/>
           </p:cNvSpPr>
@@ -970,8 +979,8 @@
         </p:nvSpPr>
         <p:spPr>
           <a:xfrm>
-            <a:off x="457200" y="274680"/>
-            <a:ext cx="8229240" cy="1143000"/>
+            <a:off x="457200" y="273600"/>
+            <a:ext cx="8229240" cy="1145160"/>
           </a:xfrm>
           <a:prstGeom prst="rect">
             <a:avLst/>
@@ -980,13 +989,14 @@
         <p:txBody>
           <a:bodyPr lIns="0" rIns="0" tIns="0" bIns="0" anchor="ctr"/>
           <a:p>
-            <a:endParaRPr/>
-          </a:p>
-        </p:txBody>
-      </p:sp>
-      <p:sp>
-        <p:nvSpPr>
-          <p:cNvPr id="6" name="PlaceHolder 2"/>
+            <a:pPr algn="ctr"/>
+            <a:endParaRPr/>
+          </a:p>
+        </p:txBody>
+      </p:sp>
+      <p:sp>
+        <p:nvSpPr>
+          <p:cNvPr id="3" name="PlaceHolder 2"/>
           <p:cNvSpPr>
             <a:spLocks noGrp="1"/>
           </p:cNvSpPr>
@@ -996,8 +1006,8 @@
         </p:nvSpPr>
         <p:spPr>
           <a:xfrm>
-            <a:off x="457200" y="1600200"/>
-            <a:ext cx="8229240" cy="4525920"/>
+            <a:off x="457200" y="1604520"/>
+            <a:ext cx="8229240" cy="3977640"/>
           </a:xfrm>
           <a:prstGeom prst="rect">
             <a:avLst/>
@@ -1035,7 +1045,7 @@
       </p:grpSpPr>
       <p:sp>
         <p:nvSpPr>
-          <p:cNvPr id="57" name="PlaceHolder 1"/>
+          <p:cNvPr id="51" name="PlaceHolder 1"/>
           <p:cNvSpPr>
             <a:spLocks noGrp="1"/>
           </p:cNvSpPr>
@@ -1045,8 +1055,8 @@
         </p:nvSpPr>
         <p:spPr>
           <a:xfrm>
-            <a:off x="457200" y="274680"/>
-            <a:ext cx="8229240" cy="1143000"/>
+            <a:off x="457200" y="273600"/>
+            <a:ext cx="8229240" cy="1145160"/>
           </a:xfrm>
           <a:prstGeom prst="rect">
             <a:avLst/>
@@ -1055,13 +1065,14 @@
         <p:txBody>
           <a:bodyPr lIns="0" rIns="0" tIns="0" bIns="0" anchor="ctr"/>
           <a:p>
-            <a:endParaRPr/>
-          </a:p>
-        </p:txBody>
-      </p:sp>
-      <p:sp>
-        <p:nvSpPr>
-          <p:cNvPr id="58" name="PlaceHolder 2"/>
+            <a:pPr algn="ctr"/>
+            <a:endParaRPr/>
+          </a:p>
+        </p:txBody>
+      </p:sp>
+      <p:sp>
+        <p:nvSpPr>
+          <p:cNvPr id="52" name="PlaceHolder 2"/>
           <p:cNvSpPr>
             <a:spLocks noGrp="1"/>
           </p:cNvSpPr>
@@ -1071,8 +1082,8 @@
         </p:nvSpPr>
         <p:spPr>
           <a:xfrm>
-            <a:off x="457200" y="1600200"/>
-            <a:ext cx="4015800" cy="4525560"/>
+            <a:off x="457200" y="1604520"/>
+            <a:ext cx="4015800" cy="3977280"/>
           </a:xfrm>
           <a:prstGeom prst="rect">
             <a:avLst/>
@@ -1087,7 +1098,7 @@
       </p:sp>
       <p:sp>
         <p:nvSpPr>
-          <p:cNvPr id="59" name="PlaceHolder 3"/>
+          <p:cNvPr id="53" name="PlaceHolder 3"/>
           <p:cNvSpPr>
             <a:spLocks noGrp="1"/>
           </p:cNvSpPr>
@@ -1097,8 +1108,8 @@
         </p:nvSpPr>
         <p:spPr>
           <a:xfrm>
-            <a:off x="4674240" y="1600200"/>
-            <a:ext cx="4015800" cy="2158560"/>
+            <a:off x="4674240" y="1604520"/>
+            <a:ext cx="4015800" cy="1896840"/>
           </a:xfrm>
           <a:prstGeom prst="rect">
             <a:avLst/>
@@ -1113,7 +1124,7 @@
       </p:sp>
       <p:sp>
         <p:nvSpPr>
-          <p:cNvPr id="60" name="PlaceHolder 4"/>
+          <p:cNvPr id="54" name="PlaceHolder 4"/>
           <p:cNvSpPr>
             <a:spLocks noGrp="1"/>
           </p:cNvSpPr>
@@ -1123,8 +1134,8 @@
         </p:nvSpPr>
         <p:spPr>
           <a:xfrm>
-            <a:off x="4674240" y="3964320"/>
-            <a:ext cx="4015800" cy="2158560"/>
+            <a:off x="4674240" y="3682080"/>
+            <a:ext cx="4015800" cy="1896840"/>
           </a:xfrm>
           <a:prstGeom prst="rect">
             <a:avLst/>
@@ -1161,7 +1172,7 @@
       </p:grpSpPr>
       <p:sp>
         <p:nvSpPr>
-          <p:cNvPr id="61" name="PlaceHolder 1"/>
+          <p:cNvPr id="55" name="PlaceHolder 1"/>
           <p:cNvSpPr>
             <a:spLocks noGrp="1"/>
           </p:cNvSpPr>
@@ -1171,8 +1182,8 @@
         </p:nvSpPr>
         <p:spPr>
           <a:xfrm>
-            <a:off x="457200" y="274680"/>
-            <a:ext cx="8229240" cy="1143000"/>
+            <a:off x="457200" y="273600"/>
+            <a:ext cx="8229240" cy="1145160"/>
           </a:xfrm>
           <a:prstGeom prst="rect">
             <a:avLst/>
@@ -1181,13 +1192,14 @@
         <p:txBody>
           <a:bodyPr lIns="0" rIns="0" tIns="0" bIns="0" anchor="ctr"/>
           <a:p>
-            <a:endParaRPr/>
-          </a:p>
-        </p:txBody>
-      </p:sp>
-      <p:sp>
-        <p:nvSpPr>
-          <p:cNvPr id="62" name="PlaceHolder 2"/>
+            <a:pPr algn="ctr"/>
+            <a:endParaRPr/>
+          </a:p>
+        </p:txBody>
+      </p:sp>
+      <p:sp>
+        <p:nvSpPr>
+          <p:cNvPr id="56" name="PlaceHolder 2"/>
           <p:cNvSpPr>
             <a:spLocks noGrp="1"/>
           </p:cNvSpPr>
@@ -1197,8 +1209,8 @@
         </p:nvSpPr>
         <p:spPr>
           <a:xfrm>
-            <a:off x="457200" y="1600200"/>
-            <a:ext cx="4015800" cy="2158560"/>
+            <a:off x="457200" y="1604520"/>
+            <a:ext cx="4015800" cy="1896840"/>
           </a:xfrm>
           <a:prstGeom prst="rect">
             <a:avLst/>
@@ -1213,7 +1225,7 @@
       </p:sp>
       <p:sp>
         <p:nvSpPr>
-          <p:cNvPr id="63" name="PlaceHolder 3"/>
+          <p:cNvPr id="57" name="PlaceHolder 3"/>
           <p:cNvSpPr>
             <a:spLocks noGrp="1"/>
           </p:cNvSpPr>
@@ -1223,8 +1235,8 @@
         </p:nvSpPr>
         <p:spPr>
           <a:xfrm>
-            <a:off x="4674240" y="1600200"/>
-            <a:ext cx="4015800" cy="2158560"/>
+            <a:off x="4674240" y="1604520"/>
+            <a:ext cx="4015800" cy="1896840"/>
           </a:xfrm>
           <a:prstGeom prst="rect">
             <a:avLst/>
@@ -1239,7 +1251,7 @@
       </p:sp>
       <p:sp>
         <p:nvSpPr>
-          <p:cNvPr id="64" name="PlaceHolder 4"/>
+          <p:cNvPr id="58" name="PlaceHolder 4"/>
           <p:cNvSpPr>
             <a:spLocks noGrp="1"/>
           </p:cNvSpPr>
@@ -1249,8 +1261,8 @@
         </p:nvSpPr>
         <p:spPr>
           <a:xfrm>
-            <a:off x="457200" y="3964320"/>
-            <a:ext cx="8229240" cy="2158560"/>
+            <a:off x="457200" y="3682080"/>
+            <a:ext cx="8229240" cy="1896840"/>
           </a:xfrm>
           <a:prstGeom prst="rect">
             <a:avLst/>
@@ -1287,7 +1299,7 @@
       </p:grpSpPr>
       <p:sp>
         <p:nvSpPr>
-          <p:cNvPr id="65" name="PlaceHolder 1"/>
+          <p:cNvPr id="59" name="PlaceHolder 1"/>
           <p:cNvSpPr>
             <a:spLocks noGrp="1"/>
           </p:cNvSpPr>
@@ -1297,8 +1309,8 @@
         </p:nvSpPr>
         <p:spPr>
           <a:xfrm>
-            <a:off x="457200" y="274680"/>
-            <a:ext cx="8229240" cy="1143000"/>
+            <a:off x="457200" y="273600"/>
+            <a:ext cx="8229240" cy="1145160"/>
           </a:xfrm>
           <a:prstGeom prst="rect">
             <a:avLst/>
@@ -1307,13 +1319,14 @@
         <p:txBody>
           <a:bodyPr lIns="0" rIns="0" tIns="0" bIns="0" anchor="ctr"/>
           <a:p>
-            <a:endParaRPr/>
-          </a:p>
-        </p:txBody>
-      </p:sp>
-      <p:sp>
-        <p:nvSpPr>
-          <p:cNvPr id="66" name="PlaceHolder 2"/>
+            <a:pPr algn="ctr"/>
+            <a:endParaRPr/>
+          </a:p>
+        </p:txBody>
+      </p:sp>
+      <p:sp>
+        <p:nvSpPr>
+          <p:cNvPr id="60" name="PlaceHolder 2"/>
           <p:cNvSpPr>
             <a:spLocks noGrp="1"/>
           </p:cNvSpPr>
@@ -1323,8 +1336,8 @@
         </p:nvSpPr>
         <p:spPr>
           <a:xfrm>
-            <a:off x="457200" y="1600200"/>
-            <a:ext cx="8229240" cy="2158560"/>
+            <a:off x="457200" y="1604520"/>
+            <a:ext cx="8229240" cy="1896840"/>
           </a:xfrm>
           <a:prstGeom prst="rect">
             <a:avLst/>
@@ -1339,7 +1352,7 @@
       </p:sp>
       <p:sp>
         <p:nvSpPr>
-          <p:cNvPr id="67" name="PlaceHolder 3"/>
+          <p:cNvPr id="61" name="PlaceHolder 3"/>
           <p:cNvSpPr>
             <a:spLocks noGrp="1"/>
           </p:cNvSpPr>
@@ -1349,8 +1362,8 @@
         </p:nvSpPr>
         <p:spPr>
           <a:xfrm>
-            <a:off x="457200" y="3964320"/>
-            <a:ext cx="8229240" cy="2158560"/>
+            <a:off x="457200" y="3682080"/>
+            <a:ext cx="8229240" cy="1896840"/>
           </a:xfrm>
           <a:prstGeom prst="rect">
             <a:avLst/>
@@ -1387,7 +1400,7 @@
       </p:grpSpPr>
       <p:sp>
         <p:nvSpPr>
-          <p:cNvPr id="68" name="PlaceHolder 1"/>
+          <p:cNvPr id="62" name="PlaceHolder 1"/>
           <p:cNvSpPr>
             <a:spLocks noGrp="1"/>
           </p:cNvSpPr>
@@ -1397,8 +1410,8 @@
         </p:nvSpPr>
         <p:spPr>
           <a:xfrm>
-            <a:off x="457200" y="274680"/>
-            <a:ext cx="8229240" cy="1143000"/>
+            <a:off x="457200" y="273600"/>
+            <a:ext cx="8229240" cy="1145160"/>
           </a:xfrm>
           <a:prstGeom prst="rect">
             <a:avLst/>
@@ -1407,13 +1420,14 @@
         <p:txBody>
           <a:bodyPr lIns="0" rIns="0" tIns="0" bIns="0" anchor="ctr"/>
           <a:p>
-            <a:endParaRPr/>
-          </a:p>
-        </p:txBody>
-      </p:sp>
-      <p:sp>
-        <p:nvSpPr>
-          <p:cNvPr id="69" name="PlaceHolder 2"/>
+            <a:pPr algn="ctr"/>
+            <a:endParaRPr/>
+          </a:p>
+        </p:txBody>
+      </p:sp>
+      <p:sp>
+        <p:nvSpPr>
+          <p:cNvPr id="63" name="PlaceHolder 2"/>
           <p:cNvSpPr>
             <a:spLocks noGrp="1"/>
           </p:cNvSpPr>
@@ -1423,8 +1437,8 @@
         </p:nvSpPr>
         <p:spPr>
           <a:xfrm>
-            <a:off x="457200" y="1600200"/>
-            <a:ext cx="4015800" cy="2158560"/>
+            <a:off x="457200" y="1604520"/>
+            <a:ext cx="4015800" cy="1896840"/>
           </a:xfrm>
           <a:prstGeom prst="rect">
             <a:avLst/>
@@ -1439,7 +1453,7 @@
       </p:sp>
       <p:sp>
         <p:nvSpPr>
-          <p:cNvPr id="70" name="PlaceHolder 3"/>
+          <p:cNvPr id="64" name="PlaceHolder 3"/>
           <p:cNvSpPr>
             <a:spLocks noGrp="1"/>
           </p:cNvSpPr>
@@ -1449,8 +1463,8 @@
         </p:nvSpPr>
         <p:spPr>
           <a:xfrm>
-            <a:off x="4674240" y="1600200"/>
-            <a:ext cx="4015800" cy="2158560"/>
+            <a:off x="4674240" y="1604520"/>
+            <a:ext cx="4015800" cy="1896840"/>
           </a:xfrm>
           <a:prstGeom prst="rect">
             <a:avLst/>
@@ -1465,7 +1479,7 @@
       </p:sp>
       <p:sp>
         <p:nvSpPr>
-          <p:cNvPr id="71" name="PlaceHolder 4"/>
+          <p:cNvPr id="65" name="PlaceHolder 4"/>
           <p:cNvSpPr>
             <a:spLocks noGrp="1"/>
           </p:cNvSpPr>
@@ -1475,8 +1489,8 @@
         </p:nvSpPr>
         <p:spPr>
           <a:xfrm>
-            <a:off x="4674240" y="3964320"/>
-            <a:ext cx="4015800" cy="2158560"/>
+            <a:off x="4674240" y="3682080"/>
+            <a:ext cx="4015800" cy="1896840"/>
           </a:xfrm>
           <a:prstGeom prst="rect">
             <a:avLst/>
@@ -1491,7 +1505,7 @@
       </p:sp>
       <p:sp>
         <p:nvSpPr>
-          <p:cNvPr id="72" name="PlaceHolder 5"/>
+          <p:cNvPr id="66" name="PlaceHolder 5"/>
           <p:cNvSpPr>
             <a:spLocks noGrp="1"/>
           </p:cNvSpPr>
@@ -1501,8 +1515,8 @@
         </p:nvSpPr>
         <p:spPr>
           <a:xfrm>
-            <a:off x="457200" y="3964320"/>
-            <a:ext cx="4015800" cy="2158560"/>
+            <a:off x="457200" y="3682080"/>
+            <a:ext cx="4015800" cy="1896840"/>
           </a:xfrm>
           <a:prstGeom prst="rect">
             <a:avLst/>
@@ -1539,7 +1553,7 @@
       </p:grpSpPr>
       <p:sp>
         <p:nvSpPr>
-          <p:cNvPr id="73" name="PlaceHolder 1"/>
+          <p:cNvPr id="67" name="PlaceHolder 1"/>
           <p:cNvSpPr>
             <a:spLocks noGrp="1"/>
           </p:cNvSpPr>
@@ -1549,8 +1563,8 @@
         </p:nvSpPr>
         <p:spPr>
           <a:xfrm>
-            <a:off x="457200" y="274680"/>
-            <a:ext cx="8229240" cy="1143000"/>
+            <a:off x="457200" y="273600"/>
+            <a:ext cx="8229240" cy="1145160"/>
           </a:xfrm>
           <a:prstGeom prst="rect">
             <a:avLst/>
@@ -1559,13 +1573,14 @@
         <p:txBody>
           <a:bodyPr lIns="0" rIns="0" tIns="0" bIns="0" anchor="ctr"/>
           <a:p>
-            <a:endParaRPr/>
-          </a:p>
-        </p:txBody>
-      </p:sp>
-      <p:sp>
-        <p:nvSpPr>
-          <p:cNvPr id="74" name="PlaceHolder 2"/>
+            <a:pPr algn="ctr"/>
+            <a:endParaRPr/>
+          </a:p>
+        </p:txBody>
+      </p:sp>
+      <p:sp>
+        <p:nvSpPr>
+          <p:cNvPr id="68" name="PlaceHolder 2"/>
           <p:cNvSpPr>
             <a:spLocks noGrp="1"/>
           </p:cNvSpPr>
@@ -1575,8 +1590,8 @@
         </p:nvSpPr>
         <p:spPr>
           <a:xfrm>
-            <a:off x="457200" y="1600200"/>
-            <a:ext cx="8229240" cy="4525560"/>
+            <a:off x="457200" y="1604520"/>
+            <a:ext cx="8229240" cy="3977280"/>
           </a:xfrm>
           <a:prstGeom prst="rect">
             <a:avLst/>
@@ -1591,7 +1606,7 @@
       </p:sp>
       <p:sp>
         <p:nvSpPr>
-          <p:cNvPr id="75" name="PlaceHolder 3"/>
+          <p:cNvPr id="69" name="PlaceHolder 3"/>
           <p:cNvSpPr>
             <a:spLocks noGrp="1"/>
           </p:cNvSpPr>
@@ -1601,8 +1616,8 @@
         </p:nvSpPr>
         <p:spPr>
           <a:xfrm>
-            <a:off x="457200" y="1600200"/>
-            <a:ext cx="8229240" cy="4525560"/>
+            <a:off x="457200" y="1604520"/>
+            <a:ext cx="8229240" cy="3977280"/>
           </a:xfrm>
           <a:prstGeom prst="rect">
             <a:avLst/>
@@ -1617,7 +1632,7 @@
       </p:sp>
       <p:pic>
         <p:nvPicPr>
-          <p:cNvPr id="76" name="" descr=""/>
+          <p:cNvPr id="70" name="" descr=""/>
           <p:cNvPicPr/>
           <p:nvPr/>
         </p:nvPicPr>
@@ -1629,8 +1644,8 @@
         </p:blipFill>
         <p:spPr>
           <a:xfrm>
-            <a:off x="1735560" y="1599840"/>
-            <a:ext cx="5671800" cy="4525560"/>
+            <a:off x="2079000" y="1604520"/>
+            <a:ext cx="4984920" cy="3977280"/>
           </a:xfrm>
           <a:prstGeom prst="rect">
             <a:avLst/>
@@ -1642,7 +1657,7 @@
       </p:pic>
       <p:pic>
         <p:nvPicPr>
-          <p:cNvPr id="77" name="" descr=""/>
+          <p:cNvPr id="71" name="" descr=""/>
           <p:cNvPicPr/>
           <p:nvPr/>
         </p:nvPicPr>
@@ -1654,8 +1669,8 @@
         </p:blipFill>
         <p:spPr>
           <a:xfrm>
-            <a:off x="1735560" y="1599840"/>
-            <a:ext cx="5671800" cy="4525560"/>
+            <a:off x="2079000" y="1604520"/>
+            <a:ext cx="4984920" cy="3977280"/>
           </a:xfrm>
           <a:prstGeom prst="rect">
             <a:avLst/>
@@ -1689,7 +1704,7 @@
       </p:grpSpPr>
       <p:sp>
         <p:nvSpPr>
-          <p:cNvPr id="7" name="PlaceHolder 1"/>
+          <p:cNvPr id="4" name="PlaceHolder 1"/>
           <p:cNvSpPr>
             <a:spLocks noGrp="1"/>
           </p:cNvSpPr>
@@ -1699,8 +1714,8 @@
         </p:nvSpPr>
         <p:spPr>
           <a:xfrm>
-            <a:off x="457200" y="274680"/>
-            <a:ext cx="8229240" cy="1143000"/>
+            <a:off x="457200" y="273600"/>
+            <a:ext cx="8229240" cy="1145160"/>
           </a:xfrm>
           <a:prstGeom prst="rect">
             <a:avLst/>
@@ -1709,13 +1724,14 @@
         <p:txBody>
           <a:bodyPr lIns="0" rIns="0" tIns="0" bIns="0" anchor="ctr"/>
           <a:p>
-            <a:endParaRPr/>
-          </a:p>
-        </p:txBody>
-      </p:sp>
-      <p:sp>
-        <p:nvSpPr>
-          <p:cNvPr id="8" name="PlaceHolder 2"/>
+            <a:pPr algn="ctr"/>
+            <a:endParaRPr/>
+          </a:p>
+        </p:txBody>
+      </p:sp>
+      <p:sp>
+        <p:nvSpPr>
+          <p:cNvPr id="5" name="PlaceHolder 2"/>
           <p:cNvSpPr>
             <a:spLocks noGrp="1"/>
           </p:cNvSpPr>
@@ -1725,8 +1741,8 @@
         </p:nvSpPr>
         <p:spPr>
           <a:xfrm>
-            <a:off x="457200" y="1600200"/>
-            <a:ext cx="8229240" cy="4525560"/>
+            <a:off x="457200" y="1604520"/>
+            <a:ext cx="8229240" cy="3977280"/>
           </a:xfrm>
           <a:prstGeom prst="rect">
             <a:avLst/>
@@ -1763,7 +1779,7 @@
       </p:grpSpPr>
       <p:sp>
         <p:nvSpPr>
-          <p:cNvPr id="9" name="PlaceHolder 1"/>
+          <p:cNvPr id="6" name="PlaceHolder 1"/>
           <p:cNvSpPr>
             <a:spLocks noGrp="1"/>
           </p:cNvSpPr>
@@ -1773,8 +1789,8 @@
         </p:nvSpPr>
         <p:spPr>
           <a:xfrm>
-            <a:off x="457200" y="274680"/>
-            <a:ext cx="8229240" cy="1143000"/>
+            <a:off x="457200" y="273600"/>
+            <a:ext cx="8229240" cy="1145160"/>
           </a:xfrm>
           <a:prstGeom prst="rect">
             <a:avLst/>
@@ -1783,13 +1799,14 @@
         <p:txBody>
           <a:bodyPr lIns="0" rIns="0" tIns="0" bIns="0" anchor="ctr"/>
           <a:p>
-            <a:endParaRPr/>
-          </a:p>
-        </p:txBody>
-      </p:sp>
-      <p:sp>
-        <p:nvSpPr>
-          <p:cNvPr id="10" name="PlaceHolder 2"/>
+            <a:pPr algn="ctr"/>
+            <a:endParaRPr/>
+          </a:p>
+        </p:txBody>
+      </p:sp>
+      <p:sp>
+        <p:nvSpPr>
+          <p:cNvPr id="7" name="PlaceHolder 2"/>
           <p:cNvSpPr>
             <a:spLocks noGrp="1"/>
           </p:cNvSpPr>
@@ -1799,8 +1816,8 @@
         </p:nvSpPr>
         <p:spPr>
           <a:xfrm>
-            <a:off x="457200" y="1600200"/>
-            <a:ext cx="4015800" cy="4525560"/>
+            <a:off x="457200" y="1604520"/>
+            <a:ext cx="4015800" cy="3977280"/>
           </a:xfrm>
           <a:prstGeom prst="rect">
             <a:avLst/>
@@ -1815,7 +1832,7 @@
       </p:sp>
       <p:sp>
         <p:nvSpPr>
-          <p:cNvPr id="11" name="PlaceHolder 3"/>
+          <p:cNvPr id="8" name="PlaceHolder 3"/>
           <p:cNvSpPr>
             <a:spLocks noGrp="1"/>
           </p:cNvSpPr>
@@ -1825,8 +1842,8 @@
         </p:nvSpPr>
         <p:spPr>
           <a:xfrm>
-            <a:off x="4674240" y="1600200"/>
-            <a:ext cx="4015800" cy="4525560"/>
+            <a:off x="4674240" y="1604520"/>
+            <a:ext cx="4015800" cy="3977280"/>
           </a:xfrm>
           <a:prstGeom prst="rect">
             <a:avLst/>
@@ -1863,7 +1880,7 @@
       </p:grpSpPr>
       <p:sp>
         <p:nvSpPr>
-          <p:cNvPr id="12" name="PlaceHolder 1"/>
+          <p:cNvPr id="9" name="PlaceHolder 1"/>
           <p:cNvSpPr>
             <a:spLocks noGrp="1"/>
           </p:cNvSpPr>
@@ -1873,8 +1890,8 @@
         </p:nvSpPr>
         <p:spPr>
           <a:xfrm>
-            <a:off x="457200" y="274680"/>
-            <a:ext cx="8229240" cy="1143000"/>
+            <a:off x="457200" y="273600"/>
+            <a:ext cx="8229240" cy="1145160"/>
           </a:xfrm>
           <a:prstGeom prst="rect">
             <a:avLst/>
@@ -1883,6 +1900,7 @@
         <p:txBody>
           <a:bodyPr lIns="0" rIns="0" tIns="0" bIns="0" anchor="ctr"/>
           <a:p>
+            <a:pPr algn="ctr"/>
             <a:endParaRPr/>
           </a:p>
         </p:txBody>
@@ -1911,7 +1929,7 @@
       </p:grpSpPr>
       <p:sp>
         <p:nvSpPr>
-          <p:cNvPr id="13" name="PlaceHolder 1"/>
+          <p:cNvPr id="10" name="PlaceHolder 1"/>
           <p:cNvSpPr>
             <a:spLocks noGrp="1"/>
           </p:cNvSpPr>
@@ -1921,8 +1939,8 @@
         </p:nvSpPr>
         <p:spPr>
           <a:xfrm>
-            <a:off x="457200" y="274680"/>
-            <a:ext cx="8229240" cy="5298120"/>
+            <a:off x="457200" y="273600"/>
+            <a:ext cx="8229240" cy="5308200"/>
           </a:xfrm>
           <a:prstGeom prst="rect">
             <a:avLst/>
@@ -1960,7 +1978,7 @@
       </p:grpSpPr>
       <p:sp>
         <p:nvSpPr>
-          <p:cNvPr id="14" name="PlaceHolder 1"/>
+          <p:cNvPr id="11" name="PlaceHolder 1"/>
           <p:cNvSpPr>
             <a:spLocks noGrp="1"/>
           </p:cNvSpPr>
@@ -1970,8 +1988,8 @@
         </p:nvSpPr>
         <p:spPr>
           <a:xfrm>
-            <a:off x="457200" y="274680"/>
-            <a:ext cx="8229240" cy="1143000"/>
+            <a:off x="457200" y="273600"/>
+            <a:ext cx="8229240" cy="1145160"/>
           </a:xfrm>
           <a:prstGeom prst="rect">
             <a:avLst/>
@@ -1980,13 +1998,14 @@
         <p:txBody>
           <a:bodyPr lIns="0" rIns="0" tIns="0" bIns="0" anchor="ctr"/>
           <a:p>
-            <a:endParaRPr/>
-          </a:p>
-        </p:txBody>
-      </p:sp>
-      <p:sp>
-        <p:nvSpPr>
-          <p:cNvPr id="15" name="PlaceHolder 2"/>
+            <a:pPr algn="ctr"/>
+            <a:endParaRPr/>
+          </a:p>
+        </p:txBody>
+      </p:sp>
+      <p:sp>
+        <p:nvSpPr>
+          <p:cNvPr id="12" name="PlaceHolder 2"/>
           <p:cNvSpPr>
             <a:spLocks noGrp="1"/>
           </p:cNvSpPr>
@@ -1996,8 +2015,8 @@
         </p:nvSpPr>
         <p:spPr>
           <a:xfrm>
-            <a:off x="457200" y="1600200"/>
-            <a:ext cx="4015800" cy="2158560"/>
+            <a:off x="457200" y="1604520"/>
+            <a:ext cx="4015800" cy="1896840"/>
           </a:xfrm>
           <a:prstGeom prst="rect">
             <a:avLst/>
@@ -2012,7 +2031,7 @@
       </p:sp>
       <p:sp>
         <p:nvSpPr>
-          <p:cNvPr id="16" name="PlaceHolder 3"/>
+          <p:cNvPr id="13" name="PlaceHolder 3"/>
           <p:cNvSpPr>
             <a:spLocks noGrp="1"/>
           </p:cNvSpPr>
@@ -2022,8 +2041,8 @@
         </p:nvSpPr>
         <p:spPr>
           <a:xfrm>
-            <a:off x="457200" y="3964320"/>
-            <a:ext cx="4015800" cy="2158560"/>
+            <a:off x="457200" y="3682080"/>
+            <a:ext cx="4015800" cy="1896840"/>
           </a:xfrm>
           <a:prstGeom prst="rect">
             <a:avLst/>
@@ -2038,7 +2057,7 @@
       </p:sp>
       <p:sp>
         <p:nvSpPr>
-          <p:cNvPr id="17" name="PlaceHolder 4"/>
+          <p:cNvPr id="14" name="PlaceHolder 4"/>
           <p:cNvSpPr>
             <a:spLocks noGrp="1"/>
           </p:cNvSpPr>
@@ -2048,8 +2067,8 @@
         </p:nvSpPr>
         <p:spPr>
           <a:xfrm>
-            <a:off x="4674240" y="1600200"/>
-            <a:ext cx="4015800" cy="4525560"/>
+            <a:off x="4674240" y="1604520"/>
+            <a:ext cx="4015800" cy="3977280"/>
           </a:xfrm>
           <a:prstGeom prst="rect">
             <a:avLst/>
@@ -2086,7 +2105,7 @@
       </p:grpSpPr>
       <p:sp>
         <p:nvSpPr>
-          <p:cNvPr id="18" name="PlaceHolder 1"/>
+          <p:cNvPr id="15" name="PlaceHolder 1"/>
           <p:cNvSpPr>
             <a:spLocks noGrp="1"/>
           </p:cNvSpPr>
@@ -2096,8 +2115,8 @@
         </p:nvSpPr>
         <p:spPr>
           <a:xfrm>
-            <a:off x="457200" y="274680"/>
-            <a:ext cx="8229240" cy="1143000"/>
+            <a:off x="457200" y="273600"/>
+            <a:ext cx="8229240" cy="1145160"/>
           </a:xfrm>
           <a:prstGeom prst="rect">
             <a:avLst/>
@@ -2106,13 +2125,14 @@
         <p:txBody>
           <a:bodyPr lIns="0" rIns="0" tIns="0" bIns="0" anchor="ctr"/>
           <a:p>
-            <a:endParaRPr/>
-          </a:p>
-        </p:txBody>
-      </p:sp>
-      <p:sp>
-        <p:nvSpPr>
-          <p:cNvPr id="19" name="PlaceHolder 2"/>
+            <a:pPr algn="ctr"/>
+            <a:endParaRPr/>
+          </a:p>
+        </p:txBody>
+      </p:sp>
+      <p:sp>
+        <p:nvSpPr>
+          <p:cNvPr id="16" name="PlaceHolder 2"/>
           <p:cNvSpPr>
             <a:spLocks noGrp="1"/>
           </p:cNvSpPr>
@@ -2122,8 +2142,8 @@
         </p:nvSpPr>
         <p:spPr>
           <a:xfrm>
-            <a:off x="457200" y="1600200"/>
-            <a:ext cx="4015800" cy="4525560"/>
+            <a:off x="457200" y="1604520"/>
+            <a:ext cx="4015800" cy="3977280"/>
           </a:xfrm>
           <a:prstGeom prst="rect">
             <a:avLst/>
@@ -2138,7 +2158,7 @@
       </p:sp>
       <p:sp>
         <p:nvSpPr>
-          <p:cNvPr id="20" name="PlaceHolder 3"/>
+          <p:cNvPr id="17" name="PlaceHolder 3"/>
           <p:cNvSpPr>
             <a:spLocks noGrp="1"/>
           </p:cNvSpPr>
@@ -2148,8 +2168,8 @@
         </p:nvSpPr>
         <p:spPr>
           <a:xfrm>
-            <a:off x="4674240" y="1600200"/>
-            <a:ext cx="4015800" cy="2158560"/>
+            <a:off x="4674240" y="1604520"/>
+            <a:ext cx="4015800" cy="1896840"/>
           </a:xfrm>
           <a:prstGeom prst="rect">
             <a:avLst/>
@@ -2164,7 +2184,7 @@
       </p:sp>
       <p:sp>
         <p:nvSpPr>
-          <p:cNvPr id="21" name="PlaceHolder 4"/>
+          <p:cNvPr id="18" name="PlaceHolder 4"/>
           <p:cNvSpPr>
             <a:spLocks noGrp="1"/>
           </p:cNvSpPr>
@@ -2174,8 +2194,8 @@
         </p:nvSpPr>
         <p:spPr>
           <a:xfrm>
-            <a:off x="4674240" y="3964320"/>
-            <a:ext cx="4015800" cy="2158560"/>
+            <a:off x="4674240" y="3682080"/>
+            <a:ext cx="4015800" cy="1896840"/>
           </a:xfrm>
           <a:prstGeom prst="rect">
             <a:avLst/>
@@ -2212,7 +2232,7 @@
       </p:grpSpPr>
       <p:sp>
         <p:nvSpPr>
-          <p:cNvPr id="22" name="PlaceHolder 1"/>
+          <p:cNvPr id="19" name="PlaceHolder 1"/>
           <p:cNvSpPr>
             <a:spLocks noGrp="1"/>
           </p:cNvSpPr>
@@ -2222,8 +2242,8 @@
         </p:nvSpPr>
         <p:spPr>
           <a:xfrm>
-            <a:off x="457200" y="274680"/>
-            <a:ext cx="8229240" cy="1143000"/>
+            <a:off x="457200" y="273600"/>
+            <a:ext cx="8229240" cy="1145160"/>
           </a:xfrm>
           <a:prstGeom prst="rect">
             <a:avLst/>
@@ -2232,13 +2252,14 @@
         <p:txBody>
           <a:bodyPr lIns="0" rIns="0" tIns="0" bIns="0" anchor="ctr"/>
           <a:p>
-            <a:endParaRPr/>
-          </a:p>
-        </p:txBody>
-      </p:sp>
-      <p:sp>
-        <p:nvSpPr>
-          <p:cNvPr id="23" name="PlaceHolder 2"/>
+            <a:pPr algn="ctr"/>
+            <a:endParaRPr/>
+          </a:p>
+        </p:txBody>
+      </p:sp>
+      <p:sp>
+        <p:nvSpPr>
+          <p:cNvPr id="20" name="PlaceHolder 2"/>
           <p:cNvSpPr>
             <a:spLocks noGrp="1"/>
           </p:cNvSpPr>
@@ -2248,8 +2269,8 @@
         </p:nvSpPr>
         <p:spPr>
           <a:xfrm>
-            <a:off x="457200" y="1600200"/>
-            <a:ext cx="4015800" cy="2158560"/>
+            <a:off x="457200" y="1604520"/>
+            <a:ext cx="4015800" cy="1896840"/>
           </a:xfrm>
           <a:prstGeom prst="rect">
             <a:avLst/>
@@ -2264,7 +2285,7 @@
       </p:sp>
       <p:sp>
         <p:nvSpPr>
-          <p:cNvPr id="24" name="PlaceHolder 3"/>
+          <p:cNvPr id="21" name="PlaceHolder 3"/>
           <p:cNvSpPr>
             <a:spLocks noGrp="1"/>
           </p:cNvSpPr>
@@ -2274,8 +2295,8 @@
         </p:nvSpPr>
         <p:spPr>
           <a:xfrm>
-            <a:off x="4674240" y="1600200"/>
-            <a:ext cx="4015800" cy="2158560"/>
+            <a:off x="4674240" y="1604520"/>
+            <a:ext cx="4015800" cy="1896840"/>
           </a:xfrm>
           <a:prstGeom prst="rect">
             <a:avLst/>
@@ -2290,7 +2311,7 @@
       </p:sp>
       <p:sp>
         <p:nvSpPr>
-          <p:cNvPr id="25" name="PlaceHolder 4"/>
+          <p:cNvPr id="22" name="PlaceHolder 4"/>
           <p:cNvSpPr>
             <a:spLocks noGrp="1"/>
           </p:cNvSpPr>
@@ -2300,8 +2321,8 @@
         </p:nvSpPr>
         <p:spPr>
           <a:xfrm>
-            <a:off x="457200" y="3964320"/>
-            <a:ext cx="8229240" cy="2158560"/>
+            <a:off x="457200" y="3682080"/>
+            <a:ext cx="8229240" cy="1896840"/>
           </a:xfrm>
           <a:prstGeom prst="rect">
             <a:avLst/>
@@ -2355,29 +2376,21 @@
         </p:nvSpPr>
         <p:spPr>
           <a:xfrm>
-            <a:off x="685800" y="2130480"/>
-            <a:ext cx="7772040" cy="1469520"/>
-          </a:xfrm>
-          <a:prstGeom prst="rect">
-            <a:avLst/>
-          </a:prstGeom>
-        </p:spPr>
-        <p:txBody>
-          <a:bodyPr anchor="ctr"/>
-          <a:p>
-            <a:pPr algn="ctr">
-              <a:lnSpc>
-                <a:spcPct val="100000"/>
-              </a:lnSpc>
-            </a:pPr>
+            <a:off x="457200" y="274680"/>
+            <a:ext cx="8228880" cy="1142640"/>
+          </a:xfrm>
+          <a:prstGeom prst="rect">
+            <a:avLst/>
+          </a:prstGeom>
+        </p:spPr>
+        <p:txBody>
+          <a:bodyPr lIns="0" rIns="0" tIns="0" bIns="0" anchor="ctr"/>
+          <a:p>
             <a:r>
-              <a:rPr lang="es-ES" sz="4400">
-                <a:solidFill>
-                  <a:srgbClr val="000000"/>
-                </a:solidFill>
-                <a:latin typeface="Calibri"/>
+              <a:rPr lang="es-AR">
+                <a:latin typeface="Arial"/>
               </a:rPr>
-              <a:t>Pulse para editar el formato del texto de títuloHaga clic para modificar el estilo de título del patrón</a:t>
+              <a:t>Pulse para editar el formato del texto de título</a:t>
             </a:r>
             <a:endParaRPr/>
           </a:p>
@@ -2386,112 +2399,6 @@
       <p:sp>
         <p:nvSpPr>
           <p:cNvPr id="1" name="PlaceHolder 2"/>
-          <p:cNvSpPr>
-            <a:spLocks noGrp="1"/>
-          </p:cNvSpPr>
-          <p:nvPr>
-            <p:ph type="dt"/>
-          </p:nvPr>
-        </p:nvSpPr>
-        <p:spPr>
-          <a:xfrm>
-            <a:off x="457200" y="6356520"/>
-            <a:ext cx="2133360" cy="364680"/>
-          </a:xfrm>
-          <a:prstGeom prst="rect">
-            <a:avLst/>
-          </a:prstGeom>
-        </p:spPr>
-        <p:txBody>
-          <a:bodyPr anchor="ctr"/>
-          <a:p>
-            <a:pPr>
-              <a:lnSpc>
-                <a:spcPct val="100000"/>
-              </a:lnSpc>
-            </a:pPr>
-            <a:r>
-              <a:rPr lang="es-AR" sz="1200">
-                <a:solidFill>
-                  <a:srgbClr val="8b8b8b"/>
-                </a:solidFill>
-                <a:latin typeface="Calibri"/>
-              </a:rPr>
-              <a:t>4/07/19</a:t>
-            </a:r>
-            <a:endParaRPr/>
-          </a:p>
-        </p:txBody>
-      </p:sp>
-      <p:sp>
-        <p:nvSpPr>
-          <p:cNvPr id="2" name="PlaceHolder 3"/>
-          <p:cNvSpPr>
-            <a:spLocks noGrp="1"/>
-          </p:cNvSpPr>
-          <p:nvPr>
-            <p:ph type="ftr"/>
-          </p:nvPr>
-        </p:nvSpPr>
-        <p:spPr>
-          <a:xfrm>
-            <a:off x="3124080" y="6356520"/>
-            <a:ext cx="2895120" cy="364680"/>
-          </a:xfrm>
-          <a:prstGeom prst="rect">
-            <a:avLst/>
-          </a:prstGeom>
-        </p:spPr>
-        <p:txBody>
-          <a:bodyPr anchor="ctr"/>
-          <a:p>
-            <a:endParaRPr/>
-          </a:p>
-        </p:txBody>
-      </p:sp>
-      <p:sp>
-        <p:nvSpPr>
-          <p:cNvPr id="3" name="PlaceHolder 4"/>
-          <p:cNvSpPr>
-            <a:spLocks noGrp="1"/>
-          </p:cNvSpPr>
-          <p:nvPr>
-            <p:ph type="sldNum"/>
-          </p:nvPr>
-        </p:nvSpPr>
-        <p:spPr>
-          <a:xfrm>
-            <a:off x="6553080" y="6356520"/>
-            <a:ext cx="2133360" cy="364680"/>
-          </a:xfrm>
-          <a:prstGeom prst="rect">
-            <a:avLst/>
-          </a:prstGeom>
-        </p:spPr>
-        <p:txBody>
-          <a:bodyPr anchor="ctr"/>
-          <a:p>
-            <a:pPr algn="r">
-              <a:lnSpc>
-                <a:spcPct val="100000"/>
-              </a:lnSpc>
-            </a:pPr>
-            <a:fld id="{60F60005-ED59-4446-9041-8299CA06BB17}" type="slidenum">
-              <a:rPr lang="es-AR" sz="1200">
-                <a:solidFill>
-                  <a:srgbClr val="8b8b8b"/>
-                </a:solidFill>
-                <a:latin typeface="Calibri"/>
-              </a:rPr>
-              <a:t>&lt;número&gt;</a:t>
-            </a:fld>
-            <a:endParaRPr/>
-          </a:p>
-        </p:txBody>
-      </p:sp>
-      <p:sp>
-        <p:nvSpPr>
-          <p:cNvPr id="4" name="PlaceHolder 5"/>
           <p:cNvSpPr>
             <a:spLocks noGrp="1"/>
           </p:cNvSpPr>
@@ -2517,8 +2424,8 @@
               <a:buChar char=""/>
             </a:pPr>
             <a:r>
-              <a:rPr lang="es-ES" sz="3200">
-                <a:latin typeface="Calibri"/>
+              <a:rPr lang="es-AR" sz="3200">
+                <a:latin typeface="Arial"/>
               </a:rPr>
               <a:t>Pulse para editar el formato de esquema del texto</a:t>
             </a:r>
@@ -2531,8 +2438,8 @@
               <a:buChar char=""/>
             </a:pPr>
             <a:r>
-              <a:rPr lang="es-ES" sz="2400">
-                <a:latin typeface="Calibri"/>
+              <a:rPr lang="es-AR" sz="2800">
+                <a:latin typeface="Arial"/>
               </a:rPr>
               <a:t>Segundo nivel del esquema</a:t>
             </a:r>
@@ -2545,8 +2452,8 @@
               <a:buChar char=""/>
             </a:pPr>
             <a:r>
-              <a:rPr lang="es-ES" sz="2000">
-                <a:latin typeface="Calibri"/>
+              <a:rPr lang="es-AR" sz="2400">
+                <a:latin typeface="Arial"/>
               </a:rPr>
               <a:t>Tercer nivel del esquema</a:t>
             </a:r>
@@ -2559,8 +2466,8 @@
               <a:buChar char=""/>
             </a:pPr>
             <a:r>
-              <a:rPr lang="es-ES" sz="2000">
-                <a:latin typeface="Calibri"/>
+              <a:rPr lang="es-AR" sz="2000">
+                <a:latin typeface="Arial"/>
               </a:rPr>
               <a:t>Cuarto nivel del esquema</a:t>
             </a:r>
@@ -2573,8 +2480,8 @@
               <a:buChar char=""/>
             </a:pPr>
             <a:r>
-              <a:rPr lang="es-ES" sz="2000">
-                <a:latin typeface="Calibri"/>
+              <a:rPr lang="es-AR" sz="2000">
+                <a:latin typeface="Arial"/>
               </a:rPr>
               <a:t>Quinto nivel del esquema</a:t>
             </a:r>
@@ -2587,8 +2494,8 @@
               <a:buChar char=""/>
             </a:pPr>
             <a:r>
-              <a:rPr lang="es-ES" sz="2000">
-                <a:latin typeface="Calibri"/>
+              <a:rPr lang="es-AR" sz="2000">
+                <a:latin typeface="Arial"/>
               </a:rPr>
               <a:t>Sexto nivel del esquema</a:t>
             </a:r>
@@ -2601,8 +2508,8 @@
               <a:buChar char=""/>
             </a:pPr>
             <a:r>
-              <a:rPr lang="es-ES" sz="2000">
-                <a:latin typeface="Calibri"/>
+              <a:rPr lang="es-AR" sz="2000">
+                <a:latin typeface="Arial"/>
               </a:rPr>
               <a:t>Séptimo nivel del esquema</a:t>
             </a:r>
@@ -2656,7 +2563,7 @@
       </p:grpSpPr>
       <p:sp>
         <p:nvSpPr>
-          <p:cNvPr id="39" name="PlaceHolder 1"/>
+          <p:cNvPr id="36" name="PlaceHolder 1"/>
           <p:cNvSpPr>
             <a:spLocks noGrp="1"/>
           </p:cNvSpPr>
@@ -2666,29 +2573,22 @@
         </p:nvSpPr>
         <p:spPr>
           <a:xfrm>
-            <a:off x="457200" y="274680"/>
-            <a:ext cx="8229240" cy="1142640"/>
-          </a:xfrm>
-          <a:prstGeom prst="rect">
-            <a:avLst/>
-          </a:prstGeom>
-        </p:spPr>
-        <p:txBody>
-          <a:bodyPr anchor="ctr"/>
-          <a:p>
-            <a:pPr algn="ctr">
-              <a:lnSpc>
-                <a:spcPct val="100000"/>
-              </a:lnSpc>
-            </a:pPr>
+            <a:off x="457200" y="273600"/>
+            <a:ext cx="8229240" cy="1144800"/>
+          </a:xfrm>
+          <a:prstGeom prst="rect">
+            <a:avLst/>
+          </a:prstGeom>
+        </p:spPr>
+        <p:txBody>
+          <a:bodyPr lIns="0" rIns="0" tIns="0" bIns="0" anchor="ctr"/>
+          <a:p>
+            <a:pPr algn="ctr"/>
             <a:r>
-              <a:rPr lang="es-ES" sz="4400">
-                <a:solidFill>
-                  <a:srgbClr val="000000"/>
-                </a:solidFill>
-                <a:latin typeface="Calibri"/>
+              <a:rPr lang="es-AR" sz="4400">
+                <a:latin typeface="Arial"/>
               </a:rPr>
-              <a:t>Pulse para editar el formato del texto de títuloHaga clic para modificar el estilo de título del patrón</a:t>
+              <a:t>Pulse para editar el formato del texto de título</a:t>
             </a:r>
             <a:endParaRPr/>
           </a:p>
@@ -2696,7 +2596,7 @@
       </p:sp>
       <p:sp>
         <p:nvSpPr>
-          <p:cNvPr id="40" name="PlaceHolder 2"/>
+          <p:cNvPr id="37" name="PlaceHolder 2"/>
           <p:cNvSpPr>
             <a:spLocks noGrp="1"/>
           </p:cNvSpPr>
@@ -2706,15 +2606,15 @@
         </p:nvSpPr>
         <p:spPr>
           <a:xfrm>
-            <a:off x="457200" y="1600200"/>
-            <a:ext cx="8229240" cy="4525560"/>
-          </a:xfrm>
-          <a:prstGeom prst="rect">
-            <a:avLst/>
-          </a:prstGeom>
-        </p:spPr>
-        <p:txBody>
-          <a:bodyPr/>
+            <a:off x="457200" y="1604520"/>
+            <a:ext cx="8229240" cy="3977280"/>
+          </a:xfrm>
+          <a:prstGeom prst="rect">
+            <a:avLst/>
+          </a:prstGeom>
+        </p:spPr>
+        <p:txBody>
+          <a:bodyPr lIns="0" rIns="0" tIns="0" bIns="0"/>
           <a:p>
             <a:pPr>
               <a:buSzPct val="45000"/>
@@ -2722,11 +2622,8 @@
               <a:buChar char=""/>
             </a:pPr>
             <a:r>
-              <a:rPr lang="es-ES" sz="3200">
-                <a:solidFill>
-                  <a:srgbClr val="000000"/>
-                </a:solidFill>
-                <a:latin typeface="Calibri"/>
+              <a:rPr lang="es-AR" sz="3200">
+                <a:latin typeface="Arial"/>
               </a:rPr>
               <a:t>Pulse para editar el formato de esquema del texto</a:t>
             </a:r>
@@ -2739,11 +2636,8 @@
               <a:buChar char=""/>
             </a:pPr>
             <a:r>
-              <a:rPr lang="es-ES" sz="3200">
-                <a:solidFill>
-                  <a:srgbClr val="000000"/>
-                </a:solidFill>
-                <a:latin typeface="Calibri"/>
+              <a:rPr lang="es-AR" sz="2800">
+                <a:latin typeface="Arial"/>
               </a:rPr>
               <a:t>Segundo nivel del esquema</a:t>
             </a:r>
@@ -2756,11 +2650,8 @@
               <a:buChar char=""/>
             </a:pPr>
             <a:r>
-              <a:rPr lang="es-ES" sz="3200">
-                <a:solidFill>
-                  <a:srgbClr val="000000"/>
-                </a:solidFill>
-                <a:latin typeface="Calibri"/>
+              <a:rPr lang="es-AR" sz="2400">
+                <a:latin typeface="Arial"/>
               </a:rPr>
               <a:t>Tercer nivel del esquema</a:t>
             </a:r>
@@ -2773,11 +2664,8 @@
               <a:buChar char=""/>
             </a:pPr>
             <a:r>
-              <a:rPr lang="es-ES" sz="3200">
-                <a:solidFill>
-                  <a:srgbClr val="000000"/>
-                </a:solidFill>
-                <a:latin typeface="Calibri"/>
+              <a:rPr lang="es-AR" sz="2000">
+                <a:latin typeface="Arial"/>
               </a:rPr>
               <a:t>Cuarto nivel del esquema</a:t>
             </a:r>
@@ -2790,11 +2678,8 @@
               <a:buChar char=""/>
             </a:pPr>
             <a:r>
-              <a:rPr lang="es-ES" sz="3200">
-                <a:solidFill>
-                  <a:srgbClr val="000000"/>
-                </a:solidFill>
-                <a:latin typeface="Calibri"/>
+              <a:rPr lang="es-AR" sz="2000">
+                <a:latin typeface="Arial"/>
               </a:rPr>
               <a:t>Quinto nivel del esquema</a:t>
             </a:r>
@@ -2807,215 +2692,25 @@
               <a:buChar char=""/>
             </a:pPr>
             <a:r>
-              <a:rPr lang="es-ES" sz="3200">
-                <a:solidFill>
-                  <a:srgbClr val="000000"/>
-                </a:solidFill>
-                <a:latin typeface="Calibri"/>
+              <a:rPr lang="es-AR" sz="2000">
+                <a:latin typeface="Arial"/>
               </a:rPr>
               <a:t>Sexto nivel del esquema</a:t>
             </a:r>
             <a:endParaRPr/>
           </a:p>
           <a:p>
-            <a:pPr>
-              <a:lnSpc>
-                <a:spcPct val="100000"/>
-              </a:lnSpc>
-              <a:buFont typeface="Arial"/>
-              <a:buChar char="•"/>
+            <a:pPr lvl="6">
+              <a:buSzPct val="45000"/>
+              <a:buFont typeface="StarSymbol"/>
+              <a:buChar char=""/>
             </a:pPr>
             <a:r>
-              <a:rPr lang="es-ES" sz="3200">
-                <a:solidFill>
-                  <a:srgbClr val="000000"/>
-                </a:solidFill>
-                <a:latin typeface="Calibri"/>
+              <a:rPr lang="es-AR" sz="2000">
+                <a:latin typeface="Arial"/>
               </a:rPr>
-              <a:t>Séptimo nivel del esquemaHaga clic para modificar el estilo de texto del patrón</a:t>
+              <a:t>Séptimo nivel del esquema</a:t>
             </a:r>
-            <a:endParaRPr/>
-          </a:p>
-          <a:p>
-            <a:pPr lvl="1">
-              <a:lnSpc>
-                <a:spcPct val="100000"/>
-              </a:lnSpc>
-              <a:buFont typeface="Arial"/>
-              <a:buChar char="–"/>
-            </a:pPr>
-            <a:r>
-              <a:rPr lang="es-ES" sz="2800">
-                <a:solidFill>
-                  <a:srgbClr val="000000"/>
-                </a:solidFill>
-                <a:latin typeface="Calibri"/>
-              </a:rPr>
-              <a:t>Segundo nivel</a:t>
-            </a:r>
-            <a:endParaRPr/>
-          </a:p>
-          <a:p>
-            <a:pPr lvl="2">
-              <a:lnSpc>
-                <a:spcPct val="100000"/>
-              </a:lnSpc>
-              <a:buFont typeface="Arial"/>
-              <a:buChar char="•"/>
-            </a:pPr>
-            <a:r>
-              <a:rPr lang="es-ES" sz="2400">
-                <a:solidFill>
-                  <a:srgbClr val="000000"/>
-                </a:solidFill>
-                <a:latin typeface="Calibri"/>
-              </a:rPr>
-              <a:t>Tercer nivel</a:t>
-            </a:r>
-            <a:endParaRPr/>
-          </a:p>
-          <a:p>
-            <a:pPr lvl="3">
-              <a:lnSpc>
-                <a:spcPct val="100000"/>
-              </a:lnSpc>
-              <a:buFont typeface="Arial"/>
-              <a:buChar char="–"/>
-            </a:pPr>
-            <a:r>
-              <a:rPr lang="es-ES" sz="2000">
-                <a:solidFill>
-                  <a:srgbClr val="000000"/>
-                </a:solidFill>
-                <a:latin typeface="Calibri"/>
-              </a:rPr>
-              <a:t>Cuarto nivel</a:t>
-            </a:r>
-            <a:endParaRPr/>
-          </a:p>
-          <a:p>
-            <a:pPr lvl="4">
-              <a:lnSpc>
-                <a:spcPct val="100000"/>
-              </a:lnSpc>
-              <a:buFont typeface="Arial"/>
-              <a:buChar char="»"/>
-            </a:pPr>
-            <a:r>
-              <a:rPr lang="es-ES" sz="2000">
-                <a:solidFill>
-                  <a:srgbClr val="000000"/>
-                </a:solidFill>
-                <a:latin typeface="Calibri"/>
-              </a:rPr>
-              <a:t>Quinto nivel</a:t>
-            </a:r>
-            <a:endParaRPr/>
-          </a:p>
-        </p:txBody>
-      </p:sp>
-      <p:sp>
-        <p:nvSpPr>
-          <p:cNvPr id="41" name="PlaceHolder 3"/>
-          <p:cNvSpPr>
-            <a:spLocks noGrp="1"/>
-          </p:cNvSpPr>
-          <p:nvPr>
-            <p:ph type="dt"/>
-          </p:nvPr>
-        </p:nvSpPr>
-        <p:spPr>
-          <a:xfrm>
-            <a:off x="457200" y="6356520"/>
-            <a:ext cx="2133360" cy="364680"/>
-          </a:xfrm>
-          <a:prstGeom prst="rect">
-            <a:avLst/>
-          </a:prstGeom>
-        </p:spPr>
-        <p:txBody>
-          <a:bodyPr anchor="ctr"/>
-          <a:p>
-            <a:pPr>
-              <a:lnSpc>
-                <a:spcPct val="100000"/>
-              </a:lnSpc>
-            </a:pPr>
-            <a:r>
-              <a:rPr lang="es-AR" sz="1200">
-                <a:solidFill>
-                  <a:srgbClr val="8b8b8b"/>
-                </a:solidFill>
-                <a:latin typeface="Calibri"/>
-              </a:rPr>
-              <a:t>4/07/19</a:t>
-            </a:r>
-            <a:endParaRPr/>
-          </a:p>
-        </p:txBody>
-      </p:sp>
-      <p:sp>
-        <p:nvSpPr>
-          <p:cNvPr id="42" name="PlaceHolder 4"/>
-          <p:cNvSpPr>
-            <a:spLocks noGrp="1"/>
-          </p:cNvSpPr>
-          <p:nvPr>
-            <p:ph type="ftr"/>
-          </p:nvPr>
-        </p:nvSpPr>
-        <p:spPr>
-          <a:xfrm>
-            <a:off x="3124080" y="6356520"/>
-            <a:ext cx="2895120" cy="364680"/>
-          </a:xfrm>
-          <a:prstGeom prst="rect">
-            <a:avLst/>
-          </a:prstGeom>
-        </p:spPr>
-        <p:txBody>
-          <a:bodyPr anchor="ctr"/>
-          <a:p>
-            <a:endParaRPr/>
-          </a:p>
-        </p:txBody>
-      </p:sp>
-      <p:sp>
-        <p:nvSpPr>
-          <p:cNvPr id="43" name="PlaceHolder 5"/>
-          <p:cNvSpPr>
-            <a:spLocks noGrp="1"/>
-          </p:cNvSpPr>
-          <p:nvPr>
-            <p:ph type="sldNum"/>
-          </p:nvPr>
-        </p:nvSpPr>
-        <p:spPr>
-          <a:xfrm>
-            <a:off x="6553080" y="6356520"/>
-            <a:ext cx="2133360" cy="364680"/>
-          </a:xfrm>
-          <a:prstGeom prst="rect">
-            <a:avLst/>
-          </a:prstGeom>
-        </p:spPr>
-        <p:txBody>
-          <a:bodyPr anchor="ctr"/>
-          <a:p>
-            <a:pPr algn="r">
-              <a:lnSpc>
-                <a:spcPct val="100000"/>
-              </a:lnSpc>
-            </a:pPr>
-            <a:fld id="{45E44F0F-585E-4AE8-BCF9-6125A7384299}" type="slidenum">
-              <a:rPr lang="es-AR" sz="1200">
-                <a:solidFill>
-                  <a:srgbClr val="8b8b8b"/>
-                </a:solidFill>
-                <a:latin typeface="Calibri"/>
-              </a:rPr>
-              <a:t>&lt;número&gt;</a:t>
-            </a:fld>
             <a:endParaRPr/>
           </a:p>
         </p:txBody>
@@ -3059,21 +2754,25 @@
       </p:grpSpPr>
       <p:sp>
         <p:nvSpPr>
-          <p:cNvPr id="78" name="TextShape 1"/>
-          <p:cNvSpPr txBox="1"/>
+          <p:cNvPr id="72" name="CustomShape 1"/>
+          <p:cNvSpPr/>
           <p:nvPr/>
         </p:nvSpPr>
         <p:spPr>
           <a:xfrm>
             <a:off x="936000" y="576000"/>
-            <a:ext cx="7452360" cy="2448000"/>
-          </a:xfrm>
-          <a:prstGeom prst="rect">
-            <a:avLst/>
-          </a:prstGeom>
-        </p:spPr>
-        <p:txBody>
-          <a:bodyPr anchor="ctr"/>
+            <a:ext cx="7452000" cy="2447640"/>
+          </a:xfrm>
+          <a:prstGeom prst="rect">
+            <a:avLst/>
+          </a:prstGeom>
+          <a:noFill/>
+          <a:ln>
+            <a:noFill/>
+          </a:ln>
+        </p:spPr>
+        <p:txBody>
+          <a:bodyPr lIns="90000" rIns="90000" tIns="45000" bIns="45000" anchor="ctr"/>
           <a:p>
             <a:pPr algn="ctr">
               <a:lnSpc>
@@ -3081,7 +2780,7 @@
               </a:lnSpc>
             </a:pPr>
             <a:r>
-              <a:rPr lang="es-ES" sz="5300">
+              <a:rPr lang="es-AR" sz="4000">
                 <a:solidFill>
                   <a:srgbClr val="000000"/>
                 </a:solidFill>
@@ -3095,21 +2794,25 @@
       </p:sp>
       <p:sp>
         <p:nvSpPr>
-          <p:cNvPr id="79" name="TextShape 2"/>
-          <p:cNvSpPr txBox="1"/>
+          <p:cNvPr id="73" name="CustomShape 2"/>
+          <p:cNvSpPr/>
           <p:nvPr/>
         </p:nvSpPr>
         <p:spPr>
           <a:xfrm>
             <a:off x="1447560" y="5546880"/>
-            <a:ext cx="6400440" cy="645120"/>
-          </a:xfrm>
-          <a:prstGeom prst="rect">
-            <a:avLst/>
-          </a:prstGeom>
-        </p:spPr>
-        <p:txBody>
-          <a:bodyPr/>
+            <a:ext cx="6400080" cy="644760"/>
+          </a:xfrm>
+          <a:prstGeom prst="rect">
+            <a:avLst/>
+          </a:prstGeom>
+          <a:noFill/>
+          <a:ln>
+            <a:noFill/>
+          </a:ln>
+        </p:spPr>
+        <p:txBody>
+          <a:bodyPr lIns="90000" rIns="90000" tIns="45000" bIns="45000"/>
           <a:p>
             <a:pPr algn="ctr">
               <a:lnSpc>
@@ -3131,23 +2834,31 @@
       </p:sp>
       <p:sp>
         <p:nvSpPr>
-          <p:cNvPr id="80" name="TextShape 3"/>
-          <p:cNvSpPr txBox="1"/>
+          <p:cNvPr id="74" name="CustomShape 3"/>
+          <p:cNvSpPr/>
           <p:nvPr/>
         </p:nvSpPr>
         <p:spPr>
           <a:xfrm>
             <a:off x="2232000" y="3168000"/>
-            <a:ext cx="4896000" cy="742680"/>
-          </a:xfrm>
-          <a:prstGeom prst="rect">
-            <a:avLst/>
-          </a:prstGeom>
+            <a:ext cx="4895640" cy="742320"/>
+          </a:xfrm>
+          <a:prstGeom prst="rect">
+            <a:avLst/>
+          </a:prstGeom>
+          <a:noFill/>
+          <a:ln>
+            <a:noFill/>
+          </a:ln>
         </p:spPr>
         <p:txBody>
           <a:bodyPr lIns="90000" rIns="90000" tIns="45000" bIns="45000"/>
           <a:p>
-            <a:pPr algn="ctr"/>
+            <a:pPr algn="ctr">
+              <a:lnSpc>
+                <a:spcPct val="100000"/>
+              </a:lnSpc>
+            </a:pPr>
             <a:r>
               <a:rPr lang="es-AR" sz="2200">
                 <a:solidFill>
@@ -3160,7 +2871,11 @@
             <a:endParaRPr/>
           </a:p>
           <a:p>
-            <a:pPr algn="ctr"/>
+            <a:pPr algn="ctr">
+              <a:lnSpc>
+                <a:spcPct val="100000"/>
+              </a:lnSpc>
+            </a:pPr>
             <a:r>
               <a:rPr lang="es-AR" sz="2200">
                 <a:solidFill>
@@ -3225,14 +2940,14 @@
       </p:grpSpPr>
       <p:sp>
         <p:nvSpPr>
-          <p:cNvPr id="164" name="CustomShape 1"/>
+          <p:cNvPr id="166" name="CustomShape 1"/>
           <p:cNvSpPr/>
           <p:nvPr/>
         </p:nvSpPr>
         <p:spPr>
           <a:xfrm>
             <a:off x="683640" y="332640"/>
-            <a:ext cx="6696360" cy="2558520"/>
+            <a:ext cx="6696000" cy="1186560"/>
           </a:xfrm>
           <a:prstGeom prst="rect">
             <a:avLst/>
@@ -3257,7 +2972,7 @@
                 </a:solidFill>
                 <a:latin typeface="Calibri"/>
               </a:rPr>
-              <a:t>Conclusiones:</a:t>
+              <a:t>Mediciones</a:t>
             </a:r>
             <a:endParaRPr/>
           </a:p>
@@ -3282,97 +2997,7 @@
                 </a:solidFill>
                 <a:latin typeface="Calibri"/>
               </a:rPr>
-              <a:t>Se pudo realizar el control del motor paso a paso</a:t>
-            </a:r>
-            <a:endParaRPr/>
-          </a:p>
-          <a:p>
-            <a:pPr>
-              <a:lnSpc>
-                <a:spcPct val="100000"/>
-              </a:lnSpc>
-            </a:pPr>
-            <a:endParaRPr/>
-          </a:p>
-          <a:p>
-            <a:pPr>
-              <a:lnSpc>
-                <a:spcPct val="100000"/>
-              </a:lnSpc>
-            </a:pPr>
-            <a:r>
-              <a:rPr lang="es-AR">
-                <a:solidFill>
-                  <a:srgbClr val="000000"/>
-                </a:solidFill>
-                <a:latin typeface="Calibri"/>
-              </a:rPr>
-              <a:t>Se logró estabilizar la señal mediante un ciclo PID</a:t>
-            </a:r>
-            <a:endParaRPr/>
-          </a:p>
-          <a:p>
-            <a:pPr>
-              <a:lnSpc>
-                <a:spcPct val="100000"/>
-              </a:lnSpc>
-            </a:pPr>
-            <a:endParaRPr/>
-          </a:p>
-          <a:p>
-            <a:pPr>
-              <a:lnSpc>
-                <a:spcPct val="100000"/>
-              </a:lnSpc>
-            </a:pPr>
-            <a:r>
-              <a:rPr lang="es-AR">
-                <a:solidFill>
-                  <a:srgbClr val="000000"/>
-                </a:solidFill>
-                <a:latin typeface="Calibri"/>
-              </a:rPr>
-              <a:t>Pudo verse para un papel y otra cosa que se nos va a ocurrir la disprsión del material? Lo veremos en el proximo capítulo</a:t>
-            </a:r>
-            <a:endParaRPr/>
-          </a:p>
-        </p:txBody>
-      </p:sp>
-      <p:sp>
-        <p:nvSpPr>
-          <p:cNvPr id="165" name="CustomShape 2"/>
-          <p:cNvSpPr/>
-          <p:nvPr/>
-        </p:nvSpPr>
-        <p:spPr>
-          <a:xfrm>
-            <a:off x="689400" y="4293000"/>
-            <a:ext cx="7772040" cy="1469520"/>
-          </a:xfrm>
-          <a:prstGeom prst="rect">
-            <a:avLst/>
-          </a:prstGeom>
-          <a:noFill/>
-          <a:ln>
-            <a:noFill/>
-          </a:ln>
-        </p:spPr>
-        <p:txBody>
-          <a:bodyPr anchor="ctr"/>
-          <a:p>
-            <a:pPr algn="ctr">
-              <a:lnSpc>
-                <a:spcPct val="100000"/>
-              </a:lnSpc>
-            </a:pPr>
-            <a:r>
-              <a:rPr lang="es-AR" sz="4400">
-                <a:solidFill>
-                  <a:srgbClr val="000000"/>
-                </a:solidFill>
-                <a:latin typeface="Calibri"/>
-              </a:rPr>
-              <a:t>Somo altos guaches, eso concluimos</a:t>
+              <a:t>No se que nos va a dar, pero seguro que se ajusta con una gausiana</a:t>
             </a:r>
             <a:endParaRPr/>
           </a:p>
@@ -3429,14 +3054,14 @@
       </p:grpSpPr>
       <p:sp>
         <p:nvSpPr>
-          <p:cNvPr id="166" name="CustomShape 1"/>
-          <p:cNvSpPr/>
-          <p:nvPr/>
-        </p:nvSpPr>
-        <p:spPr>
-          <a:xfrm>
-            <a:off x="685800" y="1196640"/>
-            <a:ext cx="7772040" cy="1469520"/>
+          <p:cNvPr id="167" name="CustomShape 1"/>
+          <p:cNvSpPr/>
+          <p:nvPr/>
+        </p:nvSpPr>
+        <p:spPr>
+          <a:xfrm>
+            <a:off x="683640" y="332640"/>
+            <a:ext cx="6696000" cy="2558160"/>
           </a:xfrm>
           <a:prstGeom prst="rect">
             <a:avLst/>
@@ -3447,7 +3072,211 @@
           </a:ln>
         </p:spPr>
         <p:txBody>
-          <a:bodyPr anchor="ctr"/>
+          <a:bodyPr lIns="90000" rIns="90000" tIns="45000" bIns="45000"/>
+          <a:p>
+            <a:pPr>
+              <a:lnSpc>
+                <a:spcPct val="100000"/>
+              </a:lnSpc>
+            </a:pPr>
+            <a:r>
+              <a:rPr lang="es-AR">
+                <a:solidFill>
+                  <a:srgbClr val="000000"/>
+                </a:solidFill>
+                <a:latin typeface="Calibri"/>
+              </a:rPr>
+              <a:t>Conclusiones:</a:t>
+            </a:r>
+            <a:endParaRPr/>
+          </a:p>
+          <a:p>
+            <a:pPr>
+              <a:lnSpc>
+                <a:spcPct val="100000"/>
+              </a:lnSpc>
+            </a:pPr>
+            <a:endParaRPr/>
+          </a:p>
+          <a:p>
+            <a:pPr>
+              <a:lnSpc>
+                <a:spcPct val="100000"/>
+              </a:lnSpc>
+            </a:pPr>
+            <a:r>
+              <a:rPr lang="es-AR">
+                <a:solidFill>
+                  <a:srgbClr val="000000"/>
+                </a:solidFill>
+                <a:latin typeface="Calibri"/>
+              </a:rPr>
+              <a:t>Se pudo realizar el control del motor paso a paso</a:t>
+            </a:r>
+            <a:endParaRPr/>
+          </a:p>
+          <a:p>
+            <a:pPr>
+              <a:lnSpc>
+                <a:spcPct val="100000"/>
+              </a:lnSpc>
+            </a:pPr>
+            <a:endParaRPr/>
+          </a:p>
+          <a:p>
+            <a:pPr>
+              <a:lnSpc>
+                <a:spcPct val="100000"/>
+              </a:lnSpc>
+            </a:pPr>
+            <a:r>
+              <a:rPr lang="es-AR">
+                <a:solidFill>
+                  <a:srgbClr val="000000"/>
+                </a:solidFill>
+                <a:latin typeface="Calibri"/>
+              </a:rPr>
+              <a:t>Se logró estabilizar la señal mediante un ciclo PID</a:t>
+            </a:r>
+            <a:endParaRPr/>
+          </a:p>
+          <a:p>
+            <a:pPr>
+              <a:lnSpc>
+                <a:spcPct val="100000"/>
+              </a:lnSpc>
+            </a:pPr>
+            <a:endParaRPr/>
+          </a:p>
+          <a:p>
+            <a:pPr>
+              <a:lnSpc>
+                <a:spcPct val="100000"/>
+              </a:lnSpc>
+            </a:pPr>
+            <a:r>
+              <a:rPr lang="es-AR">
+                <a:solidFill>
+                  <a:srgbClr val="000000"/>
+                </a:solidFill>
+                <a:latin typeface="Calibri"/>
+              </a:rPr>
+              <a:t>Pudo verse para un papel y otra cosa que se nos va a ocurrir la disprsión del material? Lo veremos en el proximo capítulo</a:t>
+            </a:r>
+            <a:endParaRPr/>
+          </a:p>
+        </p:txBody>
+      </p:sp>
+      <p:sp>
+        <p:nvSpPr>
+          <p:cNvPr id="168" name="CustomShape 2"/>
+          <p:cNvSpPr/>
+          <p:nvPr/>
+        </p:nvSpPr>
+        <p:spPr>
+          <a:xfrm>
+            <a:off x="689400" y="4293000"/>
+            <a:ext cx="7771680" cy="1469160"/>
+          </a:xfrm>
+          <a:prstGeom prst="rect">
+            <a:avLst/>
+          </a:prstGeom>
+          <a:noFill/>
+          <a:ln>
+            <a:noFill/>
+          </a:ln>
+        </p:spPr>
+        <p:txBody>
+          <a:bodyPr lIns="90000" rIns="90000" tIns="45000" bIns="45000" anchor="ctr"/>
+          <a:p>
+            <a:pPr algn="ctr">
+              <a:lnSpc>
+                <a:spcPct val="100000"/>
+              </a:lnSpc>
+            </a:pPr>
+            <a:r>
+              <a:rPr lang="es-AR" sz="4400">
+                <a:solidFill>
+                  <a:srgbClr val="000000"/>
+                </a:solidFill>
+                <a:latin typeface="Calibri"/>
+              </a:rPr>
+              <a:t>Somo altos guaches, eso concluimos</a:t>
+            </a:r>
+            <a:endParaRPr/>
+          </a:p>
+        </p:txBody>
+      </p:sp>
+    </p:spTree>
+  </p:cSld>
+  <p:timing>
+    <p:tnLst>
+      <p:par>
+        <p:cTn id="21" dur="indefinite" restart="never" nodeType="tmRoot">
+          <p:childTnLst>
+            <p:seq>
+              <p:cTn id="22" nodeType="mainSeq"/>
+              <p:prevCondLst>
+                <p:cond delay="0" evt="onPrev">
+                  <p:tgtEl>
+                    <p:sldTgt/>
+                  </p:tgtEl>
+                </p:cond>
+              </p:prevCondLst>
+              <p:nextCondLst>
+                <p:cond delay="0" evt="onNext">
+                  <p:tgtEl>
+                    <p:sldTgt/>
+                  </p:tgtEl>
+                </p:cond>
+              </p:nextCondLst>
+            </p:seq>
+          </p:childTnLst>
+        </p:cTn>
+      </p:par>
+    </p:tnLst>
+  </p:timing>
+</p:sld>
+</file>
+
+<file path=ppt/slides/slide12.xml><?xml version="1.0" encoding="utf-8"?>
+<p:sld xmlns:a="http://schemas.openxmlformats.org/drawingml/2006/main" xmlns:p="http://schemas.openxmlformats.org/presentationml/2006/main" xmlns:r="http://schemas.openxmlformats.org/officeDocument/2006/relationships">
+  <p:cSld>
+    <p:spTree>
+      <p:nvGrpSpPr>
+        <p:cNvPr id="1" name=""/>
+        <p:cNvGrpSpPr/>
+        <p:nvPr/>
+      </p:nvGrpSpPr>
+      <p:grpSpPr>
+        <a:xfrm>
+          <a:off x="0" y="0"/>
+          <a:ext cx="0" cy="0"/>
+          <a:chOff x="0" y="0"/>
+          <a:chExt cx="0" cy="0"/>
+        </a:xfrm>
+      </p:grpSpPr>
+      <p:sp>
+        <p:nvSpPr>
+          <p:cNvPr id="169" name="CustomShape 1"/>
+          <p:cNvSpPr/>
+          <p:nvPr/>
+        </p:nvSpPr>
+        <p:spPr>
+          <a:xfrm>
+            <a:off x="685800" y="1196640"/>
+            <a:ext cx="7771680" cy="1469160"/>
+          </a:xfrm>
+          <a:prstGeom prst="rect">
+            <a:avLst/>
+          </a:prstGeom>
+          <a:noFill/>
+          <a:ln>
+            <a:noFill/>
+          </a:ln>
+        </p:spPr>
+        <p:txBody>
+          <a:bodyPr lIns="90000" rIns="90000" tIns="45000" bIns="45000" anchor="ctr"/>
           <a:p>
             <a:pPr algn="ctr">
               <a:lnSpc>
@@ -3472,10 +3301,10 @@
   <p:timing>
     <p:tnLst>
       <p:par>
-        <p:cTn id="21" dur="indefinite" restart="never" nodeType="tmRoot">
+        <p:cTn id="23" dur="indefinite" restart="never" nodeType="tmRoot">
           <p:childTnLst>
             <p:seq>
-              <p:cTn id="22" nodeType="mainSeq"/>
+              <p:cTn id="24" nodeType="mainSeq"/>
               <p:prevCondLst>
                 <p:cond delay="0" evt="onPrev">
                   <p:tgtEl>
@@ -3518,14 +3347,14 @@
       </p:grpSpPr>
       <p:sp>
         <p:nvSpPr>
-          <p:cNvPr id="81" name="CustomShape 1"/>
+          <p:cNvPr id="75" name="CustomShape 1"/>
           <p:cNvSpPr/>
           <p:nvPr/>
         </p:nvSpPr>
         <p:spPr>
           <a:xfrm>
             <a:off x="971640" y="908640"/>
-            <a:ext cx="2988360" cy="531360"/>
+            <a:ext cx="2988000" cy="531000"/>
           </a:xfrm>
           <a:prstGeom prst="rect">
             <a:avLst/>
@@ -3558,23 +3387,31 @@
       </p:sp>
       <p:sp>
         <p:nvSpPr>
-          <p:cNvPr id="82" name="TextShape 2"/>
-          <p:cNvSpPr txBox="1"/>
+          <p:cNvPr id="76" name="CustomShape 2"/>
+          <p:cNvSpPr/>
           <p:nvPr/>
         </p:nvSpPr>
         <p:spPr>
           <a:xfrm>
             <a:off x="1152000" y="1627200"/>
-            <a:ext cx="7128000" cy="460800"/>
-          </a:xfrm>
-          <a:prstGeom prst="rect">
-            <a:avLst/>
-          </a:prstGeom>
+            <a:ext cx="7127640" cy="460440"/>
+          </a:xfrm>
+          <a:prstGeom prst="rect">
+            <a:avLst/>
+          </a:prstGeom>
+          <a:noFill/>
+          <a:ln>
+            <a:noFill/>
+          </a:ln>
         </p:spPr>
         <p:txBody>
           <a:bodyPr lIns="90000" rIns="90000" tIns="45000" bIns="45000"/>
           <a:p>
-            <a:pPr algn="ctr"/>
+            <a:pPr algn="ctr">
+              <a:lnSpc>
+                <a:spcPct val="100000"/>
+              </a:lnSpc>
+            </a:pPr>
             <a:r>
               <a:rPr lang="es-AR" sz="2600">
                 <a:latin typeface="Arial"/>
@@ -3587,23 +3424,31 @@
       </p:sp>
       <p:sp>
         <p:nvSpPr>
-          <p:cNvPr id="83" name="TextShape 3"/>
-          <p:cNvSpPr txBox="1"/>
+          <p:cNvPr id="77" name="CustomShape 3"/>
+          <p:cNvSpPr/>
           <p:nvPr/>
         </p:nvSpPr>
         <p:spPr>
           <a:xfrm>
             <a:off x="1368000" y="2165760"/>
-            <a:ext cx="6912000" cy="858240"/>
-          </a:xfrm>
-          <a:prstGeom prst="rect">
-            <a:avLst/>
-          </a:prstGeom>
+            <a:ext cx="6911640" cy="857880"/>
+          </a:xfrm>
+          <a:prstGeom prst="rect">
+            <a:avLst/>
+          </a:prstGeom>
+          <a:noFill/>
+          <a:ln>
+            <a:noFill/>
+          </a:ln>
         </p:spPr>
         <p:txBody>
           <a:bodyPr lIns="90000" rIns="90000" tIns="45000" bIns="45000"/>
           <a:p>
-            <a:pPr algn="just"/>
+            <a:pPr algn="just">
+              <a:lnSpc>
+                <a:spcPct val="100000"/>
+              </a:lnSpc>
+            </a:pPr>
             <a:r>
               <a:rPr lang="es-AR">
                 <a:latin typeface="Arial"/>
@@ -3614,6 +3459,125 @@
           </a:p>
         </p:txBody>
       </p:sp>
+      <p:pic>
+        <p:nvPicPr>
+          <p:cNvPr id="78" name="" descr=""/>
+          <p:cNvPicPr/>
+          <p:nvPr/>
+        </p:nvPicPr>
+        <p:blipFill>
+          <a:blip r:embed="rId1"/>
+          <a:stretch>
+            <a:fillRect/>
+          </a:stretch>
+        </p:blipFill>
+        <p:spPr>
+          <a:xfrm rot="4800">
+            <a:off x="575280" y="3197160"/>
+            <a:ext cx="8157600" cy="828720"/>
+          </a:xfrm>
+          <a:prstGeom prst="rect">
+            <a:avLst/>
+          </a:prstGeom>
+          <a:ln>
+            <a:noFill/>
+          </a:ln>
+        </p:spPr>
+      </p:pic>
+      <p:pic>
+        <p:nvPicPr>
+          <p:cNvPr id="79" name="" descr=""/>
+          <p:cNvPicPr/>
+          <p:nvPr/>
+        </p:nvPicPr>
+        <p:blipFill>
+          <a:blip r:embed="rId2"/>
+          <a:stretch>
+            <a:fillRect/>
+          </a:stretch>
+        </p:blipFill>
+        <p:spPr>
+          <a:xfrm>
+            <a:off x="1152000" y="4680000"/>
+            <a:ext cx="2592000" cy="720000"/>
+          </a:xfrm>
+          <a:prstGeom prst="rect">
+            <a:avLst/>
+          </a:prstGeom>
+          <a:ln>
+            <a:noFill/>
+          </a:ln>
+        </p:spPr>
+      </p:pic>
+      <p:pic>
+        <p:nvPicPr>
+          <p:cNvPr id="80" name="" descr=""/>
+          <p:cNvPicPr/>
+          <p:nvPr/>
+        </p:nvPicPr>
+        <p:blipFill>
+          <a:blip r:embed="rId3"/>
+          <a:stretch>
+            <a:fillRect/>
+          </a:stretch>
+        </p:blipFill>
+        <p:spPr>
+          <a:xfrm>
+            <a:off x="5268240" y="4896000"/>
+            <a:ext cx="3515760" cy="789480"/>
+          </a:xfrm>
+          <a:prstGeom prst="rect">
+            <a:avLst/>
+          </a:prstGeom>
+          <a:ln>
+            <a:noFill/>
+          </a:ln>
+        </p:spPr>
+      </p:pic>
+      <p:cxnSp>
+        <p:nvCxnSpPr>
+          <p:cNvPr id="81" name="Line 4"/>
+          <p:cNvCxnSpPr/>
+          <p:nvPr/>
+        </p:nvCxnSpPr>
+        <p:spPr>
+          <a:xfrm>
+            <a:off x="0" y="0"/>
+            <a:ext cx="360" cy="360"/>
+          </a:xfrm>
+          <a:prstGeom prst="line">
+            <a:avLst/>
+          </a:prstGeom>
+          <a:ln>
+            <a:solidFill>
+              <a:srgbClr val="3465a4"/>
+            </a:solidFill>
+            <a:headEnd len="med" type="triangle" w="med"/>
+          </a:ln>
+        </p:spPr>
+      </p:cxnSp>
+      <p:cxnSp>
+        <p:nvCxnSpPr>
+          <p:cNvPr id="82" name="Line 5"/>
+          <p:cNvCxnSpPr/>
+          <p:nvPr/>
+        </p:nvCxnSpPr>
+        <p:spPr>
+          <a:xfrm>
+            <a:off x="0" y="0"/>
+            <a:ext cx="360" cy="360"/>
+          </a:xfrm>
+          <a:prstGeom prst="line">
+            <a:avLst/>
+          </a:prstGeom>
+          <a:ln>
+            <a:solidFill>
+              <a:srgbClr val="3465a4"/>
+            </a:solidFill>
+            <a:headEnd len="med" type="triangle" w="med"/>
+          </a:ln>
+        </p:spPr>
+      </p:cxnSp>
     </p:spTree>
   </p:cSld>
   <p:timing>
@@ -3663,164 +3627,110 @@
           <a:chExt cx="0" cy="0"/>
         </a:xfrm>
       </p:grpSpPr>
-      <p:sp>
-        <p:nvSpPr>
-          <p:cNvPr id="84" name="CustomShape 1"/>
-          <p:cNvSpPr/>
-          <p:nvPr/>
-        </p:nvSpPr>
-        <p:spPr>
-          <a:xfrm>
-            <a:off x="1296000" y="1944000"/>
-            <a:ext cx="7128000" cy="2833200"/>
-          </a:xfrm>
-          <a:prstGeom prst="rect">
-            <a:avLst/>
-          </a:prstGeom>
-          <a:noFill/>
+      <p:pic>
+        <p:nvPicPr>
+          <p:cNvPr id="83" name="" descr=""/>
+          <p:cNvPicPr/>
+          <p:nvPr/>
+        </p:nvPicPr>
+        <p:blipFill>
+          <a:blip r:embed="rId1"/>
+          <a:stretch>
+            <a:fillRect/>
+          </a:stretch>
+        </p:blipFill>
+        <p:spPr>
+          <a:xfrm>
+            <a:off x="2131560" y="576000"/>
+            <a:ext cx="4780440" cy="2400840"/>
+          </a:xfrm>
+          <a:prstGeom prst="rect">
+            <a:avLst/>
+          </a:prstGeom>
           <a:ln>
             <a:noFill/>
           </a:ln>
         </p:spPr>
+      </p:pic>
+      <p:pic>
+        <p:nvPicPr>
+          <p:cNvPr id="84" name="" descr=""/>
+          <p:cNvPicPr/>
+          <p:nvPr/>
+        </p:nvPicPr>
+        <p:blipFill>
+          <a:blip r:embed="rId2"/>
+          <a:stretch>
+            <a:fillRect/>
+          </a:stretch>
+        </p:blipFill>
+        <p:spPr>
+          <a:xfrm>
+            <a:off x="4752000" y="3456000"/>
+            <a:ext cx="4104000" cy="2808000"/>
+          </a:xfrm>
+          <a:prstGeom prst="rect">
+            <a:avLst/>
+          </a:prstGeom>
+          <a:ln>
+            <a:noFill/>
+          </a:ln>
+        </p:spPr>
+      </p:pic>
+      <p:sp>
+        <p:nvSpPr>
+          <p:cNvPr id="85" name="TextShape 1"/>
+          <p:cNvSpPr txBox="1"/>
+          <p:nvPr/>
+        </p:nvSpPr>
+        <p:spPr>
+          <a:xfrm>
+            <a:off x="216000" y="6336000"/>
+            <a:ext cx="5256000" cy="455760"/>
+          </a:xfrm>
+          <a:prstGeom prst="rect">
+            <a:avLst/>
+          </a:prstGeom>
+        </p:spPr>
         <p:txBody>
           <a:bodyPr lIns="90000" rIns="90000" tIns="45000" bIns="45000"/>
           <a:p>
-            <a:pPr algn="just">
-              <a:lnSpc>
-                <a:spcPct val="100000"/>
-              </a:lnSpc>
-              <a:buSzPct val="45000"/>
-              <a:buFont typeface="StarSymbol"/>
-              <a:buChar char=""/>
-            </a:pPr>
+            <a:pPr algn="ctr"/>
             <a:r>
-              <a:rPr lang="es-AR">
-                <a:solidFill>
-                  <a:srgbClr val="000000"/>
-                </a:solidFill>
-                <a:latin typeface="Calibri"/>
-              </a:rPr>
-              <a:t>Realizar un ciclo de control para un motor paso a paso con el fin de implementar un barrido angular</a:t>
-            </a:r>
-            <a:endParaRPr/>
-          </a:p>
-          <a:p>
-            <a:pPr algn="just">
-              <a:lnSpc>
-                <a:spcPct val="100000"/>
-              </a:lnSpc>
-              <a:buSzPct val="45000"/>
-              <a:buFont typeface="StarSymbol"/>
-              <a:buChar char=""/>
-            </a:pPr>
-            <a:endParaRPr/>
-          </a:p>
-          <a:p>
-            <a:pPr algn="just">
-              <a:lnSpc>
-                <a:spcPct val="100000"/>
-              </a:lnSpc>
-              <a:buSzPct val="45000"/>
-              <a:buFont typeface="StarSymbol"/>
-              <a:buChar char=""/>
-            </a:pPr>
-            <a:r>
-              <a:rPr lang="es-AR">
-                <a:solidFill>
-                  <a:srgbClr val="000000"/>
-                </a:solidFill>
-                <a:latin typeface="Calibri"/>
-              </a:rPr>
-              <a:t>Realizar un lazo de control con PID para un láser y un fotodiodo</a:t>
-            </a:r>
-            <a:endParaRPr/>
-          </a:p>
-          <a:p>
-            <a:pPr algn="just">
-              <a:lnSpc>
-                <a:spcPct val="100000"/>
-              </a:lnSpc>
-              <a:buSzPct val="45000"/>
-              <a:buFont typeface="StarSymbol"/>
-              <a:buChar char=""/>
-            </a:pPr>
-            <a:endParaRPr/>
-          </a:p>
-          <a:p>
-            <a:pPr algn="just">
-              <a:lnSpc>
-                <a:spcPct val="100000"/>
-              </a:lnSpc>
-              <a:buSzPct val="45000"/>
-              <a:buFont typeface="StarSymbol"/>
-              <a:buChar char=""/>
-            </a:pPr>
-            <a:r>
-              <a:rPr lang="es-AR">
-                <a:solidFill>
-                  <a:srgbClr val="000000"/>
-                </a:solidFill>
-                <a:latin typeface="Calibri"/>
-              </a:rPr>
-              <a:t>Diseñar un sistema automatizado que permita medir la dispersión de un haz de luz en distintos materiales</a:t>
-            </a:r>
-            <a:endParaRPr/>
-          </a:p>
-          <a:p>
-            <a:pPr>
-              <a:lnSpc>
-                <a:spcPct val="100000"/>
-              </a:lnSpc>
-            </a:pPr>
-            <a:endParaRPr/>
-          </a:p>
-          <a:p>
-            <a:pPr algn="r">
-              <a:lnSpc>
-                <a:spcPct val="100000"/>
-              </a:lnSpc>
-            </a:pPr>
-            <a:r>
-              <a:rPr lang="es-AR" u="sng">
-                <a:solidFill>
-                  <a:srgbClr val="ff0000"/>
-                </a:solidFill>
-                <a:latin typeface="Calibri"/>
-              </a:rPr>
-              <a:t>No morir en el intento</a:t>
-            </a:r>
-            <a:endParaRPr/>
-          </a:p>
-        </p:txBody>
-      </p:sp>
-      <p:sp>
-        <p:nvSpPr>
-          <p:cNvPr id="85" name="TextShape 2"/>
-          <p:cNvSpPr txBox="1"/>
-          <p:nvPr/>
-        </p:nvSpPr>
-        <p:spPr>
-          <a:xfrm>
-            <a:off x="1080000" y="1296000"/>
-            <a:ext cx="2016000" cy="504000"/>
-          </a:xfrm>
-          <a:prstGeom prst="rect">
-            <a:avLst/>
-          </a:prstGeom>
-        </p:spPr>
-        <p:txBody>
-          <a:bodyPr lIns="90000" rIns="90000" tIns="45000" bIns="45000"/>
-          <a:p>
-            <a:r>
-              <a:rPr b="1" lang="es-AR" sz="2800">
+              <a:rPr lang="es-AR" sz="1100">
                 <a:latin typeface="Arial"/>
               </a:rPr>
-              <a:t>Objetivos:</a:t>
+              <a:t>Klose et al. 2002 J Quant Spectrosc Radiat Transf 72 691–713 (2002)</a:t>
             </a:r>
             <a:endParaRPr/>
           </a:p>
         </p:txBody>
       </p:sp>
+      <p:pic>
+        <p:nvPicPr>
+          <p:cNvPr id="86" name="" descr=""/>
+          <p:cNvPicPr/>
+          <p:nvPr/>
+        </p:nvPicPr>
+        <p:blipFill>
+          <a:blip r:embed="rId3"/>
+          <a:stretch>
+            <a:fillRect/>
+          </a:stretch>
+        </p:blipFill>
+        <p:spPr>
+          <a:xfrm>
+            <a:off x="288000" y="3024000"/>
+            <a:ext cx="4363200" cy="2736000"/>
+          </a:xfrm>
+          <a:prstGeom prst="rect">
+            <a:avLst/>
+          </a:prstGeom>
+          <a:ln>
+            <a:noFill/>
+          </a:ln>
+        </p:spPr>
+      </p:pic>
     </p:spTree>
   </p:cSld>
   <p:timing>
@@ -3872,14 +3782,14 @@
       </p:grpSpPr>
       <p:sp>
         <p:nvSpPr>
-          <p:cNvPr id="86" name="CustomShape 1"/>
-          <p:cNvSpPr/>
-          <p:nvPr/>
-        </p:nvSpPr>
-        <p:spPr>
-          <a:xfrm>
-            <a:off x="683640" y="360000"/>
-            <a:ext cx="3852360" cy="516240"/>
+          <p:cNvPr id="87" name="CustomShape 1"/>
+          <p:cNvSpPr/>
+          <p:nvPr/>
+        </p:nvSpPr>
+        <p:spPr>
+          <a:xfrm>
+            <a:off x="1296000" y="1944000"/>
+            <a:ext cx="7127640" cy="2832840"/>
           </a:xfrm>
           <a:prstGeom prst="rect">
             <a:avLst/>
@@ -3891,618 +3801,104 @@
         </p:spPr>
         <p:txBody>
           <a:bodyPr lIns="90000" rIns="90000" tIns="45000" bIns="45000"/>
+          <a:p>
+            <a:pPr algn="just">
+              <a:lnSpc>
+                <a:spcPct val="100000"/>
+              </a:lnSpc>
+              <a:buSzPct val="45000"/>
+              <a:buFont typeface="StarSymbol"/>
+              <a:buChar char="l"/>
+            </a:pPr>
+            <a:r>
+              <a:rPr lang="es-AR">
+                <a:solidFill>
+                  <a:srgbClr val="000000"/>
+                </a:solidFill>
+                <a:latin typeface="Calibri"/>
+              </a:rPr>
+              <a:t>Realizar un ciclo de control para un motor paso a paso con el fin de implementar un barrido angular</a:t>
+            </a:r>
+            <a:endParaRPr/>
+          </a:p>
+          <a:p>
+            <a:pPr algn="just">
+              <a:lnSpc>
+                <a:spcPct val="100000"/>
+              </a:lnSpc>
+            </a:pPr>
+            <a:endParaRPr/>
+          </a:p>
+          <a:p>
+            <a:pPr algn="just">
+              <a:lnSpc>
+                <a:spcPct val="100000"/>
+              </a:lnSpc>
+              <a:buSzPct val="45000"/>
+              <a:buFont typeface="StarSymbol"/>
+              <a:buChar char="l"/>
+            </a:pPr>
+            <a:r>
+              <a:rPr lang="es-AR">
+                <a:solidFill>
+                  <a:srgbClr val="000000"/>
+                </a:solidFill>
+                <a:latin typeface="Calibri"/>
+              </a:rPr>
+              <a:t>Realizar un lazo de control con PID para un láser y un fotodiodo</a:t>
+            </a:r>
+            <a:endParaRPr/>
+          </a:p>
+          <a:p>
+            <a:pPr algn="just">
+              <a:lnSpc>
+                <a:spcPct val="100000"/>
+              </a:lnSpc>
+            </a:pPr>
+            <a:endParaRPr/>
+          </a:p>
+          <a:p>
+            <a:pPr algn="just">
+              <a:lnSpc>
+                <a:spcPct val="100000"/>
+              </a:lnSpc>
+              <a:buSzPct val="45000"/>
+              <a:buFont typeface="StarSymbol"/>
+              <a:buChar char="l"/>
+            </a:pPr>
+            <a:r>
+              <a:rPr lang="es-AR">
+                <a:solidFill>
+                  <a:srgbClr val="000000"/>
+                </a:solidFill>
+                <a:latin typeface="Calibri"/>
+              </a:rPr>
+              <a:t>Diseñar un sistema automatizado que permita medir la dispersión de un haz de luz en distintos materiales</a:t>
+            </a:r>
+            <a:endParaRPr/>
+          </a:p>
           <a:p>
             <a:pPr>
               <a:lnSpc>
                 <a:spcPct val="100000"/>
               </a:lnSpc>
             </a:pPr>
-            <a:r>
-              <a:rPr b="1" lang="es-AR" sz="2800">
-                <a:solidFill>
-                  <a:srgbClr val="000000"/>
-                </a:solidFill>
-                <a:latin typeface="Arial"/>
-              </a:rPr>
-              <a:t>Montaje del sistema:</a:t>
-            </a:r>
-            <a:endParaRPr/>
-          </a:p>
-        </p:txBody>
-      </p:sp>
-      <p:sp>
-        <p:nvSpPr>
-          <p:cNvPr id="87" name="CustomShape 2"/>
-          <p:cNvSpPr/>
-          <p:nvPr/>
-        </p:nvSpPr>
-        <p:spPr>
-          <a:xfrm rot="5400000">
-            <a:off x="1243800" y="849600"/>
-            <a:ext cx="359640" cy="1439640"/>
-          </a:xfrm>
-          <a:prstGeom prst="can">
-            <a:avLst>
-              <a:gd name="adj" fmla="val 25000"/>
-            </a:avLst>
-          </a:prstGeom>
-          <a:solidFill>
-            <a:srgbClr val="595959"/>
-          </a:solidFill>
-          <a:ln w="25560">
-            <a:solidFill>
-              <a:srgbClr val="000000"/>
-            </a:solidFill>
-            <a:round/>
-          </a:ln>
-        </p:spPr>
-      </p:sp>
-      <p:sp>
-        <p:nvSpPr>
-          <p:cNvPr id="88" name="CustomShape 3"/>
-          <p:cNvSpPr/>
-          <p:nvPr/>
-        </p:nvSpPr>
-        <p:spPr>
-          <a:xfrm>
-            <a:off x="1423440" y="1965960"/>
-            <a:ext cx="1728000" cy="1007640"/>
-          </a:xfrm>
-          <a:prstGeom prst="can">
-            <a:avLst>
-              <a:gd name="adj" fmla="val 50000"/>
-            </a:avLst>
-          </a:prstGeom>
-          <a:solidFill>
-            <a:srgbClr val="bfbfbf"/>
-          </a:solidFill>
-          <a:ln w="25560">
-            <a:solidFill>
-              <a:srgbClr val="000000"/>
-            </a:solidFill>
-            <a:round/>
-          </a:ln>
-        </p:spPr>
-      </p:sp>
-      <p:sp>
-        <p:nvSpPr>
-          <p:cNvPr id="89" name="CustomShape 4"/>
-          <p:cNvSpPr/>
-          <p:nvPr/>
-        </p:nvSpPr>
-        <p:spPr>
-          <a:xfrm>
-            <a:off x="1951200" y="1887840"/>
-            <a:ext cx="6120360" cy="359640"/>
-          </a:xfrm>
-          <a:prstGeom prst="cube">
-            <a:avLst>
-              <a:gd name="adj" fmla="val 50039"/>
-            </a:avLst>
-          </a:prstGeom>
-          <a:solidFill>
-            <a:srgbClr val="bfbfbf"/>
-          </a:solidFill>
-          <a:ln w="25560">
-            <a:solidFill>
-              <a:srgbClr val="000000"/>
-            </a:solidFill>
-            <a:round/>
-          </a:ln>
-        </p:spPr>
-      </p:sp>
-      <p:sp>
-        <p:nvSpPr>
-          <p:cNvPr id="90" name="CustomShape 5"/>
-          <p:cNvSpPr/>
-          <p:nvPr/>
-        </p:nvSpPr>
-        <p:spPr>
-          <a:xfrm>
-            <a:off x="7399800" y="852840"/>
-            <a:ext cx="1043640" cy="1433880"/>
-          </a:xfrm>
-          <a:prstGeom prst="cube">
-            <a:avLst>
-              <a:gd name="adj" fmla="val 43879"/>
-            </a:avLst>
-          </a:prstGeom>
-          <a:solidFill>
-            <a:srgbClr val="262626"/>
-          </a:solidFill>
-          <a:ln w="25560">
-            <a:solidFill>
-              <a:srgbClr val="000000"/>
-            </a:solidFill>
-            <a:round/>
-          </a:ln>
-        </p:spPr>
-      </p:sp>
-      <p:sp>
-        <p:nvSpPr>
-          <p:cNvPr id="91" name="Line 6"/>
-          <p:cNvSpPr/>
-          <p:nvPr/>
-        </p:nvSpPr>
-        <p:spPr>
-          <a:xfrm>
-            <a:off x="2143080" y="1569600"/>
-            <a:ext cx="5256720" cy="0"/>
-          </a:xfrm>
-          <a:prstGeom prst="line">
-            <a:avLst/>
-          </a:prstGeom>
-          <a:ln w="44280">
-            <a:solidFill>
-              <a:srgbClr val="ff0000"/>
-            </a:solidFill>
-            <a:round/>
-          </a:ln>
-        </p:spPr>
-      </p:sp>
-      <p:sp>
-        <p:nvSpPr>
-          <p:cNvPr id="92" name="CustomShape 7"/>
-          <p:cNvSpPr/>
-          <p:nvPr/>
-        </p:nvSpPr>
-        <p:spPr>
-          <a:xfrm>
-            <a:off x="5322240" y="3939120"/>
-            <a:ext cx="1002240" cy="1872000"/>
-          </a:xfrm>
-          <a:prstGeom prst="cube">
-            <a:avLst>
-              <a:gd name="adj" fmla="val 37418"/>
-            </a:avLst>
-          </a:prstGeom>
-          <a:solidFill>
-            <a:srgbClr val="bfbfbf"/>
-          </a:solidFill>
-          <a:ln w="25560">
-            <a:solidFill>
-              <a:srgbClr val="000000"/>
-            </a:solidFill>
-            <a:round/>
-          </a:ln>
-        </p:spPr>
-      </p:sp>
-      <p:sp>
-        <p:nvSpPr>
-          <p:cNvPr id="93" name="CustomShape 8"/>
-          <p:cNvSpPr/>
-          <p:nvPr/>
-        </p:nvSpPr>
-        <p:spPr>
-          <a:xfrm>
-            <a:off x="5322240" y="6050880"/>
-            <a:ext cx="2304000" cy="582120"/>
-          </a:xfrm>
-          <a:prstGeom prst="cube">
-            <a:avLst>
-              <a:gd name="adj" fmla="val 93001"/>
-            </a:avLst>
-          </a:prstGeom>
-          <a:solidFill>
-            <a:srgbClr val="bfbfbf"/>
-          </a:solidFill>
-          <a:ln w="25560">
-            <a:solidFill>
-              <a:srgbClr val="000000"/>
-            </a:solidFill>
-            <a:round/>
-          </a:ln>
-        </p:spPr>
-      </p:sp>
-      <p:sp>
-        <p:nvSpPr>
-          <p:cNvPr id="94" name="CustomShape 9"/>
-          <p:cNvSpPr/>
-          <p:nvPr/>
-        </p:nvSpPr>
-        <p:spPr>
-          <a:xfrm>
-            <a:off x="7048800" y="4178520"/>
-            <a:ext cx="1775520" cy="1557360"/>
-          </a:xfrm>
-          <a:prstGeom prst="cube">
-            <a:avLst>
-              <a:gd name="adj" fmla="val 15731"/>
-            </a:avLst>
-          </a:prstGeom>
-          <a:solidFill>
-            <a:srgbClr val="d9d9d9"/>
-          </a:solidFill>
-          <a:ln w="25560">
-            <a:solidFill>
-              <a:srgbClr val="000000"/>
-            </a:solidFill>
-            <a:round/>
-          </a:ln>
-        </p:spPr>
-      </p:sp>
-      <p:sp>
-        <p:nvSpPr>
-          <p:cNvPr id="95" name="CustomShape 10"/>
-          <p:cNvSpPr/>
-          <p:nvPr/>
-        </p:nvSpPr>
-        <p:spPr>
-          <a:xfrm>
-            <a:off x="7051320" y="4406400"/>
-            <a:ext cx="1581480" cy="1322640"/>
-          </a:xfrm>
-          <a:prstGeom prst="bevel">
-            <a:avLst>
-              <a:gd name="adj" fmla="val 12500"/>
-            </a:avLst>
-          </a:prstGeom>
-          <a:solidFill>
-            <a:srgbClr val="d9d9d9"/>
-          </a:solidFill>
-          <a:ln w="25560">
-            <a:solidFill>
-              <a:srgbClr val="000000"/>
-            </a:solidFill>
-            <a:round/>
-          </a:ln>
-        </p:spPr>
-      </p:sp>
-      <p:sp>
-        <p:nvSpPr>
-          <p:cNvPr id="96" name="CustomShape 11"/>
-          <p:cNvSpPr/>
-          <p:nvPr/>
-        </p:nvSpPr>
-        <p:spPr>
-          <a:xfrm>
-            <a:off x="7252560" y="4590720"/>
-            <a:ext cx="1163880" cy="954000"/>
-          </a:xfrm>
-          <a:prstGeom prst="rect">
-            <a:avLst/>
-          </a:prstGeom>
-          <a:solidFill>
-            <a:srgbClr val="000000"/>
-          </a:solidFill>
-          <a:ln w="25560">
-            <a:solidFill>
-              <a:srgbClr val="000000"/>
-            </a:solidFill>
-            <a:round/>
-          </a:ln>
-        </p:spPr>
-      </p:sp>
-      <p:sp>
-        <p:nvSpPr>
-          <p:cNvPr id="97" name="CustomShape 12"/>
-          <p:cNvSpPr/>
-          <p:nvPr/>
-        </p:nvSpPr>
-        <p:spPr>
-          <a:xfrm>
-            <a:off x="5468760" y="6095160"/>
-            <a:ext cx="1989720" cy="459720"/>
-          </a:xfrm>
-          <a:prstGeom prst="cube">
-            <a:avLst>
-              <a:gd name="adj" fmla="val 100000"/>
-            </a:avLst>
-          </a:prstGeom>
-          <a:ln w="25560">
-            <a:solidFill>
-              <a:srgbClr val="000000"/>
-            </a:solidFill>
-            <a:round/>
-          </a:ln>
-        </p:spPr>
-      </p:sp>
-      <p:sp>
-        <p:nvSpPr>
-          <p:cNvPr id="98" name="CustomShape 13"/>
-          <p:cNvSpPr/>
-          <p:nvPr/>
-        </p:nvSpPr>
-        <p:spPr>
-          <a:xfrm>
-            <a:off x="5468760" y="4566240"/>
-            <a:ext cx="293400" cy="277560"/>
-          </a:xfrm>
-          <a:prstGeom prst="ellipse">
-            <a:avLst/>
-          </a:prstGeom>
-          <a:solidFill>
-            <a:srgbClr val="4f81bd"/>
-          </a:solidFill>
-          <a:ln w="25560">
-            <a:solidFill>
-              <a:srgbClr val="3a5f8b"/>
-            </a:solidFill>
-            <a:round/>
-          </a:ln>
-        </p:spPr>
-      </p:sp>
-      <p:sp>
-        <p:nvSpPr>
-          <p:cNvPr id="99" name="CustomShape 14"/>
-          <p:cNvSpPr/>
-          <p:nvPr/>
-        </p:nvSpPr>
-        <p:spPr>
-          <a:xfrm>
-            <a:off x="5468760" y="5084280"/>
-            <a:ext cx="293400" cy="286920"/>
-          </a:xfrm>
-          <a:prstGeom prst="smileyFace">
-            <a:avLst>
-              <a:gd name="adj" fmla="val 4653"/>
-            </a:avLst>
-          </a:prstGeom>
-          <a:solidFill>
-            <a:srgbClr val="4f81bd"/>
-          </a:solidFill>
-          <a:ln w="25560">
-            <a:solidFill>
-              <a:srgbClr val="3a5f8b"/>
-            </a:solidFill>
-            <a:round/>
-          </a:ln>
-        </p:spPr>
-      </p:sp>
-      <p:sp>
-        <p:nvSpPr>
-          <p:cNvPr id="100" name="CustomShape 15"/>
-          <p:cNvSpPr/>
-          <p:nvPr/>
-        </p:nvSpPr>
-        <p:spPr>
-          <a:xfrm rot="5400000">
-            <a:off x="7133040" y="5341320"/>
-            <a:ext cx="321120" cy="1096920"/>
-          </a:xfrm>
-          <a:prstGeom prst="curvedConnector3">
-            <a:avLst>
-              <a:gd name="adj1" fmla="val 50000"/>
-            </a:avLst>
-          </a:prstGeom>
-          <a:noFill/>
-          <a:ln w="25560">
-            <a:solidFill>
-              <a:srgbClr val="000000"/>
-            </a:solidFill>
-            <a:round/>
-          </a:ln>
-        </p:spPr>
-      </p:sp>
-      <p:sp>
-        <p:nvSpPr>
-          <p:cNvPr id="101" name="CustomShape 16"/>
-          <p:cNvSpPr/>
-          <p:nvPr/>
-        </p:nvSpPr>
-        <p:spPr>
-          <a:xfrm flipH="1" flipV="1">
-            <a:off x="6324120" y="4687200"/>
-            <a:ext cx="2499480" cy="146520"/>
-          </a:xfrm>
-          <a:prstGeom prst="curvedConnector5">
-            <a:avLst>
-              <a:gd name="adj1" fmla="val -9145"/>
-              <a:gd name="adj2" fmla="val -768425"/>
-              <a:gd name="adj3" fmla="val 85520"/>
-            </a:avLst>
-          </a:prstGeom>
-          <a:noFill/>
-          <a:ln w="25560">
-            <a:solidFill>
-              <a:srgbClr val="000000"/>
-            </a:solidFill>
-            <a:round/>
-          </a:ln>
-        </p:spPr>
-      </p:sp>
-      <p:sp>
-        <p:nvSpPr>
-          <p:cNvPr id="102" name="CustomShape 17"/>
-          <p:cNvSpPr/>
-          <p:nvPr/>
-        </p:nvSpPr>
-        <p:spPr>
-          <a:xfrm>
-            <a:off x="316800" y="5811480"/>
-            <a:ext cx="2916720" cy="879840"/>
-          </a:xfrm>
-          <a:prstGeom prst="cube">
-            <a:avLst>
-              <a:gd name="adj" fmla="val 83534"/>
-            </a:avLst>
-          </a:prstGeom>
-          <a:solidFill>
-            <a:srgbClr val="4f81bd"/>
-          </a:solidFill>
-          <a:ln w="25560">
-            <a:solidFill>
-              <a:srgbClr val="3a5f8b"/>
-            </a:solidFill>
-            <a:round/>
-          </a:ln>
-        </p:spPr>
-      </p:sp>
-      <p:sp>
-        <p:nvSpPr>
-          <p:cNvPr id="103" name="CustomShape 18"/>
-          <p:cNvSpPr/>
-          <p:nvPr/>
-        </p:nvSpPr>
-        <p:spPr>
-          <a:xfrm>
-            <a:off x="1119960" y="5571360"/>
-            <a:ext cx="1944360" cy="324360"/>
-          </a:xfrm>
-          <a:prstGeom prst="cube">
-            <a:avLst>
-              <a:gd name="adj" fmla="val 19629"/>
-            </a:avLst>
-          </a:prstGeom>
-          <a:solidFill>
-            <a:srgbClr val="262626"/>
-          </a:solidFill>
-          <a:ln w="25560">
-            <a:solidFill>
-              <a:srgbClr val="000000"/>
-            </a:solidFill>
-            <a:round/>
-          </a:ln>
-        </p:spPr>
-      </p:sp>
-      <p:sp>
-        <p:nvSpPr>
-          <p:cNvPr id="104" name="CustomShape 19"/>
-          <p:cNvSpPr/>
-          <p:nvPr/>
-        </p:nvSpPr>
-        <p:spPr>
-          <a:xfrm>
-            <a:off x="1222560" y="5926680"/>
-            <a:ext cx="816840" cy="324360"/>
-          </a:xfrm>
-          <a:prstGeom prst="cube">
-            <a:avLst>
-              <a:gd name="adj" fmla="val 88982"/>
-            </a:avLst>
-          </a:prstGeom>
-          <a:solidFill>
-            <a:srgbClr val="404040"/>
-          </a:solidFill>
-          <a:ln w="25560">
-            <a:solidFill>
-              <a:srgbClr val="000000"/>
-            </a:solidFill>
-            <a:round/>
-          </a:ln>
-        </p:spPr>
-      </p:sp>
-      <p:sp>
-        <p:nvSpPr>
-          <p:cNvPr id="105" name="CustomShape 20"/>
-          <p:cNvSpPr/>
-          <p:nvPr/>
-        </p:nvSpPr>
-        <p:spPr>
-          <a:xfrm>
-            <a:off x="443520" y="6166800"/>
-            <a:ext cx="1009440" cy="324360"/>
-          </a:xfrm>
-          <a:prstGeom prst="cube">
-            <a:avLst>
-              <a:gd name="adj" fmla="val 19629"/>
-            </a:avLst>
-          </a:prstGeom>
-          <a:solidFill>
-            <a:srgbClr val="262626"/>
-          </a:solidFill>
-          <a:ln w="25560">
-            <a:solidFill>
-              <a:srgbClr val="000000"/>
-            </a:solidFill>
-            <a:round/>
-          </a:ln>
-        </p:spPr>
-      </p:sp>
-      <p:sp>
-        <p:nvSpPr>
-          <p:cNvPr id="106" name="CustomShape 21"/>
-          <p:cNvSpPr/>
-          <p:nvPr/>
-        </p:nvSpPr>
-        <p:spPr>
-          <a:xfrm>
-            <a:off x="1542600" y="6166800"/>
-            <a:ext cx="816840" cy="324360"/>
-          </a:xfrm>
-          <a:prstGeom prst="cube">
-            <a:avLst>
-              <a:gd name="adj" fmla="val 19629"/>
-            </a:avLst>
-          </a:prstGeom>
-          <a:solidFill>
-            <a:srgbClr val="262626"/>
-          </a:solidFill>
-          <a:ln w="25560">
-            <a:solidFill>
-              <a:srgbClr val="000000"/>
-            </a:solidFill>
-            <a:round/>
-          </a:ln>
-        </p:spPr>
-      </p:sp>
-      <p:sp>
-        <p:nvSpPr>
-          <p:cNvPr id="107" name="CustomShape 22"/>
-          <p:cNvSpPr/>
-          <p:nvPr/>
-        </p:nvSpPr>
-        <p:spPr>
-          <a:xfrm>
-            <a:off x="2446200" y="5748120"/>
-            <a:ext cx="503640" cy="383400"/>
-          </a:xfrm>
-          <a:prstGeom prst="cube">
-            <a:avLst>
-              <a:gd name="adj" fmla="val 47345"/>
-            </a:avLst>
-          </a:prstGeom>
-          <a:solidFill>
-            <a:srgbClr val="808080"/>
-          </a:solidFill>
-          <a:ln w="6480">
-            <a:solidFill>
-              <a:srgbClr val="000000"/>
-            </a:solidFill>
-            <a:round/>
-          </a:ln>
-        </p:spPr>
-      </p:sp>
-      <p:sp>
-        <p:nvSpPr>
-          <p:cNvPr id="108" name="CustomShape 23"/>
-          <p:cNvSpPr/>
-          <p:nvPr/>
-        </p:nvSpPr>
-        <p:spPr>
-          <a:xfrm>
-            <a:off x="3064680" y="3538440"/>
-            <a:ext cx="1475280" cy="801360"/>
-          </a:xfrm>
-          <a:prstGeom prst="rect">
-            <a:avLst/>
-          </a:prstGeom>
-          <a:solidFill>
-            <a:srgbClr val="4f81bd"/>
-          </a:solidFill>
-          <a:ln w="25560">
-            <a:solidFill>
-              <a:srgbClr val="3a5f8b"/>
-            </a:solidFill>
-            <a:round/>
-          </a:ln>
-        </p:spPr>
-        <p:txBody>
-          <a:bodyPr lIns="90000" rIns="90000" tIns="45000" bIns="45000" anchor="ctr"/>
-          <a:p>
-            <a:pPr algn="ctr">
+            <a:endParaRPr/>
+          </a:p>
+          <a:p>
+            <a:pPr algn="r">
               <a:lnSpc>
                 <a:spcPct val="100000"/>
               </a:lnSpc>
             </a:pPr>
             <a:r>
-              <a:rPr lang="es-AR">
+              <a:rPr lang="es-AR" u="sng">
                 <a:solidFill>
-                  <a:srgbClr val="ffffff"/>
+                  <a:srgbClr val="ff0000"/>
                 </a:solidFill>
                 <a:latin typeface="Calibri"/>
               </a:rPr>
-              <a:t>Filtro pasa bajos</a:t>
+              <a:t>No morir en el intento</a:t>
             </a:r>
             <a:endParaRPr/>
           </a:p>
@@ -4510,173 +3906,35 @@
       </p:sp>
       <p:sp>
         <p:nvSpPr>
-          <p:cNvPr id="109" name="CustomShape 24"/>
-          <p:cNvSpPr/>
-          <p:nvPr/>
-        </p:nvSpPr>
-        <p:spPr>
-          <a:xfrm>
-            <a:off x="1354680" y="3281040"/>
-            <a:ext cx="1475280" cy="1656720"/>
-          </a:xfrm>
-          <a:prstGeom prst="rect">
-            <a:avLst/>
-          </a:prstGeom>
-          <a:solidFill>
-            <a:srgbClr val="4f81bd"/>
-          </a:solidFill>
-          <a:ln w="25560">
-            <a:solidFill>
-              <a:srgbClr val="3a5f8b"/>
-            </a:solidFill>
-            <a:round/>
-          </a:ln>
-        </p:spPr>
-        <p:txBody>
-          <a:bodyPr lIns="90000" rIns="90000" tIns="45000" bIns="45000" anchor="ctr"/>
-          <a:p>
-            <a:pPr algn="ctr">
-              <a:lnSpc>
-                <a:spcPct val="100000"/>
-              </a:lnSpc>
-            </a:pPr>
+          <p:cNvPr id="88" name="CustomShape 2"/>
+          <p:cNvSpPr/>
+          <p:nvPr/>
+        </p:nvSpPr>
+        <p:spPr>
+          <a:xfrm>
+            <a:off x="1080000" y="1296000"/>
+            <a:ext cx="2015640" cy="503640"/>
+          </a:xfrm>
+          <a:prstGeom prst="rect">
+            <a:avLst/>
+          </a:prstGeom>
+          <a:noFill/>
+          <a:ln>
+            <a:noFill/>
+          </a:ln>
+        </p:spPr>
+        <p:txBody>
+          <a:bodyPr lIns="90000" rIns="90000" tIns="45000" bIns="45000"/>
+          <a:p>
             <a:r>
-              <a:rPr lang="es-AR">
-                <a:solidFill>
-                  <a:srgbClr val="ffffff"/>
-                </a:solidFill>
-                <a:latin typeface="Calibri"/>
+              <a:rPr b="1" lang="es-AR" sz="2800">
+                <a:latin typeface="Arial"/>
               </a:rPr>
-              <a:t>Control Motor (no me acuerdo como se llama el circuito)</a:t>
+              <a:t>Objetivos:</a:t>
             </a:r>
             <a:endParaRPr/>
           </a:p>
         </p:txBody>
-      </p:sp>
-      <p:sp>
-        <p:nvSpPr>
-          <p:cNvPr id="110" name="CustomShape 25"/>
-          <p:cNvSpPr/>
-          <p:nvPr/>
-        </p:nvSpPr>
-        <p:spPr>
-          <a:xfrm flipH="1" flipV="1" rot="10800000">
-            <a:off x="703800" y="1570320"/>
-            <a:ext cx="650880" cy="4001040"/>
-          </a:xfrm>
-          <a:prstGeom prst="curvedConnector4">
-            <a:avLst>
-              <a:gd name="adj1" fmla="val -35098"/>
-              <a:gd name="adj2" fmla="val 87879"/>
-            </a:avLst>
-          </a:prstGeom>
-          <a:noFill/>
-          <a:ln w="38160">
-            <a:solidFill>
-              <a:srgbClr val="953735"/>
-            </a:solidFill>
-            <a:round/>
-          </a:ln>
-        </p:spPr>
-      </p:sp>
-      <p:sp>
-        <p:nvSpPr>
-          <p:cNvPr id="111" name="CustomShape 26"/>
-          <p:cNvSpPr/>
-          <p:nvPr/>
-        </p:nvSpPr>
-        <p:spPr>
-          <a:xfrm flipH="1" flipV="1" rot="10800000">
-            <a:off x="1423440" y="2470320"/>
-            <a:ext cx="668880" cy="810720"/>
-          </a:xfrm>
-          <a:prstGeom prst="curvedConnector4">
-            <a:avLst>
-              <a:gd name="adj1" fmla="val -34167"/>
-              <a:gd name="adj2" fmla="val 81075"/>
-            </a:avLst>
-          </a:prstGeom>
-          <a:noFill/>
-          <a:ln w="38160">
-            <a:solidFill>
-              <a:srgbClr val="00b0f0"/>
-            </a:solidFill>
-            <a:round/>
-          </a:ln>
-        </p:spPr>
-      </p:sp>
-      <p:sp>
-        <p:nvSpPr>
-          <p:cNvPr id="112" name="CustomShape 27"/>
-          <p:cNvSpPr/>
-          <p:nvPr/>
-        </p:nvSpPr>
-        <p:spPr>
-          <a:xfrm rot="5400000">
-            <a:off x="1630440" y="5082840"/>
-            <a:ext cx="606960" cy="316800"/>
-          </a:xfrm>
-          <a:prstGeom prst="curvedConnector3">
-            <a:avLst>
-              <a:gd name="adj1" fmla="val 50000"/>
-            </a:avLst>
-          </a:prstGeom>
-          <a:noFill/>
-          <a:ln w="38160">
-            <a:solidFill>
-              <a:srgbClr val="00b0f0"/>
-            </a:solidFill>
-            <a:round/>
-          </a:ln>
-        </p:spPr>
-      </p:sp>
-      <p:sp>
-        <p:nvSpPr>
-          <p:cNvPr id="113" name="CustomShape 28"/>
-          <p:cNvSpPr/>
-          <p:nvPr/>
-        </p:nvSpPr>
-        <p:spPr>
-          <a:xfrm flipV="1" rot="10800000">
-            <a:off x="3803040" y="2287080"/>
-            <a:ext cx="3823560" cy="1251360"/>
-          </a:xfrm>
-          <a:prstGeom prst="curvedConnector2">
-            <a:avLst/>
-          </a:prstGeom>
-          <a:noFill/>
-          <a:ln w="44280">
-            <a:solidFill>
-              <a:srgbClr val="00b050"/>
-            </a:solidFill>
-            <a:round/>
-          </a:ln>
-        </p:spPr>
-      </p:sp>
-      <p:sp>
-        <p:nvSpPr>
-          <p:cNvPr id="114" name="CustomShape 29"/>
-          <p:cNvSpPr/>
-          <p:nvPr/>
-        </p:nvSpPr>
-        <p:spPr>
-          <a:xfrm rot="5400000">
-            <a:off x="1915920" y="4343760"/>
-            <a:ext cx="1890360" cy="1882800"/>
-          </a:xfrm>
-          <a:prstGeom prst="curvedConnector3">
-            <a:avLst>
-              <a:gd name="adj1" fmla="val 50000"/>
-            </a:avLst>
-          </a:prstGeom>
-          <a:noFill/>
-          <a:ln w="44280">
-            <a:solidFill>
-              <a:srgbClr val="00b050"/>
-            </a:solidFill>
-            <a:round/>
-          </a:ln>
-        </p:spPr>
       </p:sp>
     </p:spTree>
   </p:cSld>
@@ -4729,14 +3987,14 @@
       </p:grpSpPr>
       <p:sp>
         <p:nvSpPr>
-          <p:cNvPr id="115" name="CustomShape 1"/>
-          <p:cNvSpPr/>
-          <p:nvPr/>
-        </p:nvSpPr>
-        <p:spPr>
-          <a:xfrm>
-            <a:off x="683640" y="332640"/>
-            <a:ext cx="6696360" cy="364680"/>
+          <p:cNvPr id="89" name="CustomShape 1"/>
+          <p:cNvSpPr/>
+          <p:nvPr/>
+        </p:nvSpPr>
+        <p:spPr>
+          <a:xfrm>
+            <a:off x="683640" y="360000"/>
+            <a:ext cx="3852000" cy="515880"/>
           </a:xfrm>
           <a:prstGeom prst="rect">
             <a:avLst/>
@@ -4755,13 +4013,13 @@
               </a:lnSpc>
             </a:pPr>
             <a:r>
-              <a:rPr lang="es-AR">
+              <a:rPr b="1" lang="es-AR" sz="2800">
                 <a:solidFill>
                   <a:srgbClr val="000000"/>
                 </a:solidFill>
-                <a:latin typeface="Calibri"/>
+                <a:latin typeface="Arial"/>
               </a:rPr>
-              <a:t>Motor paso a paso calibración</a:t>
+              <a:t>Montaje del sistema:</a:t>
             </a:r>
             <a:endParaRPr/>
           </a:p>
@@ -4769,14 +4027,42 @@
       </p:sp>
       <p:sp>
         <p:nvSpPr>
-          <p:cNvPr id="116" name="CustomShape 2"/>
-          <p:cNvSpPr/>
-          <p:nvPr/>
-        </p:nvSpPr>
-        <p:spPr>
-          <a:xfrm>
-            <a:off x="678600" y="1453320"/>
-            <a:ext cx="1728000" cy="1007640"/>
+          <p:cNvPr id="90" name="CustomShape 2"/>
+          <p:cNvSpPr/>
+          <p:nvPr/>
+        </p:nvSpPr>
+        <p:spPr>
+          <a:xfrm rot="5400000">
+            <a:off x="1244160" y="849240"/>
+            <a:ext cx="359280" cy="1439280"/>
+          </a:xfrm>
+          <a:prstGeom prst="can">
+            <a:avLst>
+              <a:gd name="adj" fmla="val 25000"/>
+            </a:avLst>
+          </a:prstGeom>
+          <a:solidFill>
+            <a:srgbClr val="595959"/>
+          </a:solidFill>
+          <a:ln w="25560">
+            <a:solidFill>
+              <a:srgbClr val="000000"/>
+            </a:solidFill>
+            <a:round/>
+            <a:headEnd len="med" type="triangle" w="med"/>
+          </a:ln>
+        </p:spPr>
+      </p:sp>
+      <p:sp>
+        <p:nvSpPr>
+          <p:cNvPr id="91" name="CustomShape 3"/>
+          <p:cNvSpPr/>
+          <p:nvPr/>
+        </p:nvSpPr>
+        <p:spPr>
+          <a:xfrm>
+            <a:off x="1423440" y="1965960"/>
+            <a:ext cx="1727640" cy="1007280"/>
           </a:xfrm>
           <a:prstGeom prst="can">
             <a:avLst>
@@ -4791,23 +4077,24 @@
               <a:srgbClr val="000000"/>
             </a:solidFill>
             <a:round/>
-          </a:ln>
-        </p:spPr>
-      </p:sp>
-      <p:sp>
-        <p:nvSpPr>
-          <p:cNvPr id="117" name="CustomShape 3"/>
-          <p:cNvSpPr/>
-          <p:nvPr/>
-        </p:nvSpPr>
-        <p:spPr>
-          <a:xfrm>
-            <a:off x="1470600" y="1412640"/>
-            <a:ext cx="143640" cy="287640"/>
-          </a:xfrm>
-          <a:prstGeom prst="can">
+            <a:headEnd len="med" type="triangle" w="med"/>
+          </a:ln>
+        </p:spPr>
+      </p:sp>
+      <p:sp>
+        <p:nvSpPr>
+          <p:cNvPr id="92" name="CustomShape 4"/>
+          <p:cNvSpPr/>
+          <p:nvPr/>
+        </p:nvSpPr>
+        <p:spPr>
+          <a:xfrm>
+            <a:off x="1951200" y="1887840"/>
+            <a:ext cx="6120000" cy="359280"/>
+          </a:xfrm>
+          <a:prstGeom prst="cube">
             <a:avLst>
-              <a:gd name="adj" fmla="val 25000"/>
+              <a:gd name="adj" fmla="val 50039"/>
             </a:avLst>
           </a:prstGeom>
           <a:solidFill>
@@ -4818,88 +4105,238 @@
               <a:srgbClr val="000000"/>
             </a:solidFill>
             <a:round/>
-          </a:ln>
-        </p:spPr>
-      </p:sp>
-      <p:sp>
-        <p:nvSpPr>
-          <p:cNvPr id="118" name="CustomShape 4"/>
-          <p:cNvSpPr/>
-          <p:nvPr/>
-        </p:nvSpPr>
-        <p:spPr>
-          <a:xfrm>
-            <a:off x="1290600" y="1109160"/>
-            <a:ext cx="503640" cy="431640"/>
-          </a:xfrm>
-          <a:prstGeom prst="can">
+            <a:headEnd len="med" type="triangle" w="med"/>
+          </a:ln>
+        </p:spPr>
+      </p:sp>
+      <p:sp>
+        <p:nvSpPr>
+          <p:cNvPr id="93" name="CustomShape 5"/>
+          <p:cNvSpPr/>
+          <p:nvPr/>
+        </p:nvSpPr>
+        <p:spPr>
+          <a:xfrm>
+            <a:off x="7399800" y="852840"/>
+            <a:ext cx="1043280" cy="1433520"/>
+          </a:xfrm>
+          <a:prstGeom prst="cube">
             <a:avLst>
-              <a:gd name="adj" fmla="val 25000"/>
+              <a:gd name="adj" fmla="val 43879"/>
             </a:avLst>
           </a:prstGeom>
+          <a:solidFill>
+            <a:srgbClr val="262626"/>
+          </a:solidFill>
           <a:ln w="25560">
             <a:solidFill>
               <a:srgbClr val="000000"/>
             </a:solidFill>
             <a:round/>
-          </a:ln>
-        </p:spPr>
-      </p:sp>
-      <p:sp>
-        <p:nvSpPr>
-          <p:cNvPr id="119" name="CustomShape 5"/>
-          <p:cNvSpPr/>
-          <p:nvPr/>
-        </p:nvSpPr>
-        <p:spPr>
-          <a:xfrm>
-            <a:off x="4088880" y="2461320"/>
-            <a:ext cx="3291120" cy="638280"/>
-          </a:xfrm>
-          <a:prstGeom prst="rect">
-            <a:avLst/>
-          </a:prstGeom>
-          <a:noFill/>
-          <a:ln>
-            <a:noFill/>
-          </a:ln>
-        </p:spPr>
-        <p:txBody>
-          <a:bodyPr lIns="90000" rIns="90000" tIns="45000" bIns="45000"/>
-          <a:p>
-            <a:pPr>
-              <a:lnSpc>
-                <a:spcPct val="100000"/>
-              </a:lnSpc>
-            </a:pPr>
-            <a:r>
-              <a:rPr lang="es-AR">
-                <a:solidFill>
-                  <a:srgbClr val="000000"/>
-                </a:solidFill>
-                <a:latin typeface="Calibri"/>
-              </a:rPr>
-              <a:t>Bla bla, papelito, angulos, cosas</a:t>
-            </a:r>
-            <a:endParaRPr/>
-          </a:p>
-        </p:txBody>
-      </p:sp>
-      <p:sp>
-        <p:nvSpPr>
-          <p:cNvPr id="120" name="CustomShape 6"/>
-          <p:cNvSpPr/>
-          <p:nvPr/>
-        </p:nvSpPr>
-        <p:spPr>
-          <a:xfrm>
-            <a:off x="316800" y="5811480"/>
-            <a:ext cx="2916720" cy="879840"/>
+            <a:headEnd len="med" type="triangle" w="med"/>
+          </a:ln>
+        </p:spPr>
+      </p:sp>
+      <p:sp>
+        <p:nvSpPr>
+          <p:cNvPr id="94" name="Line 6"/>
+          <p:cNvSpPr/>
+          <p:nvPr/>
+        </p:nvSpPr>
+        <p:spPr>
+          <a:xfrm>
+            <a:off x="2143080" y="1569600"/>
+            <a:ext cx="5256720" cy="0"/>
+          </a:xfrm>
+          <a:prstGeom prst="line">
+            <a:avLst/>
+          </a:prstGeom>
+          <a:ln w="44280">
+            <a:solidFill>
+              <a:srgbClr val="ff0000"/>
+            </a:solidFill>
+            <a:round/>
+            <a:headEnd len="med" type="triangle" w="med"/>
+          </a:ln>
+        </p:spPr>
+      </p:sp>
+      <p:sp>
+        <p:nvSpPr>
+          <p:cNvPr id="95" name="CustomShape 7"/>
+          <p:cNvSpPr/>
+          <p:nvPr/>
+        </p:nvSpPr>
+        <p:spPr>
+          <a:xfrm>
+            <a:off x="5322240" y="3939120"/>
+            <a:ext cx="1001880" cy="1871640"/>
           </a:xfrm>
           <a:prstGeom prst="cube">
             <a:avLst>
-              <a:gd name="adj" fmla="val 83534"/>
+              <a:gd name="adj" fmla="val 37418"/>
             </a:avLst>
+          </a:prstGeom>
+          <a:solidFill>
+            <a:srgbClr val="bfbfbf"/>
+          </a:solidFill>
+          <a:ln w="25560">
+            <a:solidFill>
+              <a:srgbClr val="000000"/>
+            </a:solidFill>
+            <a:round/>
+            <a:headEnd len="med" type="triangle" w="med"/>
+          </a:ln>
+        </p:spPr>
+      </p:sp>
+      <p:sp>
+        <p:nvSpPr>
+          <p:cNvPr id="96" name="CustomShape 8"/>
+          <p:cNvSpPr/>
+          <p:nvPr/>
+        </p:nvSpPr>
+        <p:spPr>
+          <a:xfrm>
+            <a:off x="5322240" y="6050880"/>
+            <a:ext cx="2303640" cy="581760"/>
+          </a:xfrm>
+          <a:prstGeom prst="cube">
+            <a:avLst>
+              <a:gd name="adj" fmla="val 93001"/>
+            </a:avLst>
+          </a:prstGeom>
+          <a:solidFill>
+            <a:srgbClr val="bfbfbf"/>
+          </a:solidFill>
+          <a:ln w="25560">
+            <a:solidFill>
+              <a:srgbClr val="000000"/>
+            </a:solidFill>
+            <a:round/>
+            <a:headEnd len="med" type="triangle" w="med"/>
+          </a:ln>
+        </p:spPr>
+      </p:sp>
+      <p:sp>
+        <p:nvSpPr>
+          <p:cNvPr id="97" name="CustomShape 9"/>
+          <p:cNvSpPr/>
+          <p:nvPr/>
+        </p:nvSpPr>
+        <p:spPr>
+          <a:xfrm>
+            <a:off x="7048800" y="4178520"/>
+            <a:ext cx="1775160" cy="1557000"/>
+          </a:xfrm>
+          <a:prstGeom prst="cube">
+            <a:avLst>
+              <a:gd name="adj" fmla="val 15731"/>
+            </a:avLst>
+          </a:prstGeom>
+          <a:solidFill>
+            <a:srgbClr val="d9d9d9"/>
+          </a:solidFill>
+          <a:ln w="25560">
+            <a:solidFill>
+              <a:srgbClr val="000000"/>
+            </a:solidFill>
+            <a:round/>
+            <a:headEnd len="med" type="triangle" w="med"/>
+          </a:ln>
+        </p:spPr>
+      </p:sp>
+      <p:sp>
+        <p:nvSpPr>
+          <p:cNvPr id="98" name="CustomShape 10"/>
+          <p:cNvSpPr/>
+          <p:nvPr/>
+        </p:nvSpPr>
+        <p:spPr>
+          <a:xfrm>
+            <a:off x="7051320" y="4406400"/>
+            <a:ext cx="1581120" cy="1322280"/>
+          </a:xfrm>
+          <a:prstGeom prst="bevel">
+            <a:avLst>
+              <a:gd name="adj" fmla="val 12500"/>
+            </a:avLst>
+          </a:prstGeom>
+          <a:solidFill>
+            <a:srgbClr val="d9d9d9"/>
+          </a:solidFill>
+          <a:ln w="25560">
+            <a:solidFill>
+              <a:srgbClr val="000000"/>
+            </a:solidFill>
+            <a:round/>
+            <a:headEnd len="med" type="triangle" w="med"/>
+          </a:ln>
+        </p:spPr>
+      </p:sp>
+      <p:sp>
+        <p:nvSpPr>
+          <p:cNvPr id="99" name="CustomShape 11"/>
+          <p:cNvSpPr/>
+          <p:nvPr/>
+        </p:nvSpPr>
+        <p:spPr>
+          <a:xfrm>
+            <a:off x="7252560" y="4590720"/>
+            <a:ext cx="1163520" cy="953640"/>
+          </a:xfrm>
+          <a:prstGeom prst="rect">
+            <a:avLst/>
+          </a:prstGeom>
+          <a:solidFill>
+            <a:srgbClr val="000000"/>
+          </a:solidFill>
+          <a:ln w="25560">
+            <a:solidFill>
+              <a:srgbClr val="000000"/>
+            </a:solidFill>
+            <a:round/>
+            <a:headEnd len="med" type="triangle" w="med"/>
+          </a:ln>
+        </p:spPr>
+      </p:sp>
+      <p:sp>
+        <p:nvSpPr>
+          <p:cNvPr id="100" name="CustomShape 12"/>
+          <p:cNvSpPr/>
+          <p:nvPr/>
+        </p:nvSpPr>
+        <p:spPr>
+          <a:xfrm>
+            <a:off x="5468760" y="6095160"/>
+            <a:ext cx="1989360" cy="459360"/>
+          </a:xfrm>
+          <a:prstGeom prst="cube">
+            <a:avLst>
+              <a:gd name="adj" fmla="val 100000"/>
+            </a:avLst>
+          </a:prstGeom>
+          <a:noFill/>
+          <a:ln w="25560">
+            <a:solidFill>
+              <a:srgbClr val="000000"/>
+            </a:solidFill>
+            <a:round/>
+            <a:headEnd len="med" type="triangle" w="med"/>
+          </a:ln>
+        </p:spPr>
+      </p:sp>
+      <p:sp>
+        <p:nvSpPr>
+          <p:cNvPr id="101" name="CustomShape 13"/>
+          <p:cNvSpPr/>
+          <p:nvPr/>
+        </p:nvSpPr>
+        <p:spPr>
+          <a:xfrm>
+            <a:off x="5468760" y="4566240"/>
+            <a:ext cx="293040" cy="277200"/>
+          </a:xfrm>
+          <a:prstGeom prst="ellipse">
+            <a:avLst/>
           </a:prstGeom>
           <a:solidFill>
             <a:srgbClr val="4f81bd"/>
@@ -4909,19 +4346,130 @@
               <a:srgbClr val="3a5f8b"/>
             </a:solidFill>
             <a:round/>
-          </a:ln>
-        </p:spPr>
-      </p:sp>
-      <p:sp>
-        <p:nvSpPr>
-          <p:cNvPr id="121" name="CustomShape 7"/>
+            <a:headEnd len="med" type="triangle" w="med"/>
+          </a:ln>
+        </p:spPr>
+      </p:sp>
+      <p:sp>
+        <p:nvSpPr>
+          <p:cNvPr id="102" name="CustomShape 14"/>
+          <p:cNvSpPr/>
+          <p:nvPr/>
+        </p:nvSpPr>
+        <p:spPr>
+          <a:xfrm>
+            <a:off x="5468760" y="5084280"/>
+            <a:ext cx="293040" cy="286560"/>
+          </a:xfrm>
+          <a:prstGeom prst="smileyFace">
+            <a:avLst>
+              <a:gd name="adj" fmla="val 4653"/>
+            </a:avLst>
+          </a:prstGeom>
+          <a:solidFill>
+            <a:srgbClr val="4f81bd"/>
+          </a:solidFill>
+          <a:ln w="25560">
+            <a:solidFill>
+              <a:srgbClr val="3a5f8b"/>
+            </a:solidFill>
+            <a:round/>
+            <a:headEnd len="med" type="triangle" w="med"/>
+          </a:ln>
+        </p:spPr>
+      </p:sp>
+      <p:sp>
+        <p:nvSpPr>
+          <p:cNvPr id="103" name="CustomShape 15"/>
+          <p:cNvSpPr/>
+          <p:nvPr/>
+        </p:nvSpPr>
+        <p:spPr>
+          <a:xfrm rot="5400000">
+            <a:off x="7133400" y="5341320"/>
+            <a:ext cx="320760" cy="1096560"/>
+          </a:xfrm>
+          <a:prstGeom prst="curvedConnector3">
+            <a:avLst>
+              <a:gd name="adj1" fmla="val 50000"/>
+            </a:avLst>
+          </a:prstGeom>
+          <a:noFill/>
+          <a:ln w="25560">
+            <a:solidFill>
+              <a:srgbClr val="000000"/>
+            </a:solidFill>
+            <a:round/>
+            <a:headEnd len="med" type="triangle" w="med"/>
+          </a:ln>
+        </p:spPr>
+      </p:sp>
+      <p:sp>
+        <p:nvSpPr>
+          <p:cNvPr id="104" name="CustomShape 16"/>
+          <p:cNvSpPr/>
+          <p:nvPr/>
+        </p:nvSpPr>
+        <p:spPr>
+          <a:xfrm flipH="1" flipV="1">
+            <a:off x="6324120" y="4687200"/>
+            <a:ext cx="2499120" cy="146160"/>
+          </a:xfrm>
+          <a:prstGeom prst="curvedConnector5">
+            <a:avLst>
+              <a:gd name="adj1" fmla="val -9145"/>
+              <a:gd name="adj2" fmla="val -768425"/>
+              <a:gd name="adj3" fmla="val 85520"/>
+            </a:avLst>
+          </a:prstGeom>
+          <a:noFill/>
+          <a:ln w="25560">
+            <a:solidFill>
+              <a:srgbClr val="000000"/>
+            </a:solidFill>
+            <a:round/>
+            <a:headEnd len="med" type="triangle" w="med"/>
+          </a:ln>
+        </p:spPr>
+      </p:sp>
+      <p:sp>
+        <p:nvSpPr>
+          <p:cNvPr id="105" name="CustomShape 17"/>
+          <p:cNvSpPr/>
+          <p:nvPr/>
+        </p:nvSpPr>
+        <p:spPr>
+          <a:xfrm>
+            <a:off x="316800" y="5811480"/>
+            <a:ext cx="2916360" cy="879480"/>
+          </a:xfrm>
+          <a:prstGeom prst="cube">
+            <a:avLst>
+              <a:gd name="adj" fmla="val 83534"/>
+            </a:avLst>
+          </a:prstGeom>
+          <a:solidFill>
+            <a:srgbClr val="4f81bd"/>
+          </a:solidFill>
+          <a:ln w="25560">
+            <a:solidFill>
+              <a:srgbClr val="3a5f8b"/>
+            </a:solidFill>
+            <a:round/>
+            <a:headEnd len="med" type="triangle" w="med"/>
+          </a:ln>
+        </p:spPr>
+      </p:sp>
+      <p:sp>
+        <p:nvSpPr>
+          <p:cNvPr id="106" name="CustomShape 18"/>
           <p:cNvSpPr/>
           <p:nvPr/>
         </p:nvSpPr>
         <p:spPr>
           <a:xfrm>
             <a:off x="1119960" y="5571360"/>
-            <a:ext cx="1944360" cy="324360"/>
+            <a:ext cx="1944000" cy="324000"/>
           </a:xfrm>
           <a:prstGeom prst="cube">
             <a:avLst>
@@ -4936,19 +4484,20 @@
               <a:srgbClr val="000000"/>
             </a:solidFill>
             <a:round/>
-          </a:ln>
-        </p:spPr>
-      </p:sp>
-      <p:sp>
-        <p:nvSpPr>
-          <p:cNvPr id="122" name="CustomShape 8"/>
+            <a:headEnd len="med" type="triangle" w="med"/>
+          </a:ln>
+        </p:spPr>
+      </p:sp>
+      <p:sp>
+        <p:nvSpPr>
+          <p:cNvPr id="107" name="CustomShape 19"/>
           <p:cNvSpPr/>
           <p:nvPr/>
         </p:nvSpPr>
         <p:spPr>
           <a:xfrm>
             <a:off x="1222560" y="5926680"/>
-            <a:ext cx="816840" cy="324360"/>
+            <a:ext cx="816480" cy="324000"/>
           </a:xfrm>
           <a:prstGeom prst="cube">
             <a:avLst>
@@ -4963,19 +4512,20 @@
               <a:srgbClr val="000000"/>
             </a:solidFill>
             <a:round/>
-          </a:ln>
-        </p:spPr>
-      </p:sp>
-      <p:sp>
-        <p:nvSpPr>
-          <p:cNvPr id="123" name="CustomShape 9"/>
+            <a:headEnd len="med" type="triangle" w="med"/>
+          </a:ln>
+        </p:spPr>
+      </p:sp>
+      <p:sp>
+        <p:nvSpPr>
+          <p:cNvPr id="108" name="CustomShape 20"/>
           <p:cNvSpPr/>
           <p:nvPr/>
         </p:nvSpPr>
         <p:spPr>
           <a:xfrm>
             <a:off x="443520" y="6166800"/>
-            <a:ext cx="1009440" cy="324360"/>
+            <a:ext cx="1009080" cy="324000"/>
           </a:xfrm>
           <a:prstGeom prst="cube">
             <a:avLst>
@@ -4990,19 +4540,20 @@
               <a:srgbClr val="000000"/>
             </a:solidFill>
             <a:round/>
-          </a:ln>
-        </p:spPr>
-      </p:sp>
-      <p:sp>
-        <p:nvSpPr>
-          <p:cNvPr id="124" name="CustomShape 10"/>
+            <a:headEnd len="med" type="triangle" w="med"/>
+          </a:ln>
+        </p:spPr>
+      </p:sp>
+      <p:sp>
+        <p:nvSpPr>
+          <p:cNvPr id="109" name="CustomShape 21"/>
           <p:cNvSpPr/>
           <p:nvPr/>
         </p:nvSpPr>
         <p:spPr>
           <a:xfrm>
             <a:off x="1542600" y="6166800"/>
-            <a:ext cx="816840" cy="324360"/>
+            <a:ext cx="816480" cy="324000"/>
           </a:xfrm>
           <a:prstGeom prst="cube">
             <a:avLst>
@@ -5017,19 +4568,20 @@
               <a:srgbClr val="000000"/>
             </a:solidFill>
             <a:round/>
-          </a:ln>
-        </p:spPr>
-      </p:sp>
-      <p:sp>
-        <p:nvSpPr>
-          <p:cNvPr id="125" name="CustomShape 11"/>
+            <a:headEnd len="med" type="triangle" w="med"/>
+          </a:ln>
+        </p:spPr>
+      </p:sp>
+      <p:sp>
+        <p:nvSpPr>
+          <p:cNvPr id="110" name="CustomShape 22"/>
           <p:cNvSpPr/>
           <p:nvPr/>
         </p:nvSpPr>
         <p:spPr>
           <a:xfrm>
             <a:off x="2446200" y="5748120"/>
-            <a:ext cx="503640" cy="383400"/>
+            <a:ext cx="503280" cy="383040"/>
           </a:xfrm>
           <a:prstGeom prst="cube">
             <a:avLst>
@@ -5044,19 +4596,20 @@
               <a:srgbClr val="000000"/>
             </a:solidFill>
             <a:round/>
-          </a:ln>
-        </p:spPr>
-      </p:sp>
-      <p:sp>
-        <p:nvSpPr>
-          <p:cNvPr id="126" name="CustomShape 12"/>
-          <p:cNvSpPr/>
-          <p:nvPr/>
-        </p:nvSpPr>
-        <p:spPr>
-          <a:xfrm>
-            <a:off x="1354680" y="3281040"/>
-            <a:ext cx="1475280" cy="1656720"/>
+            <a:headEnd len="med" type="triangle" w="med"/>
+          </a:ln>
+        </p:spPr>
+      </p:sp>
+      <p:sp>
+        <p:nvSpPr>
+          <p:cNvPr id="111" name="CustomShape 23"/>
+          <p:cNvSpPr/>
+          <p:nvPr/>
+        </p:nvSpPr>
+        <p:spPr>
+          <a:xfrm>
+            <a:off x="3064680" y="3538440"/>
+            <a:ext cx="1474920" cy="801000"/>
           </a:xfrm>
           <a:prstGeom prst="rect">
             <a:avLst/>
@@ -5069,6 +4622,53 @@
               <a:srgbClr val="3a5f8b"/>
             </a:solidFill>
             <a:round/>
+            <a:headEnd len="med" type="triangle" w="med"/>
+          </a:ln>
+        </p:spPr>
+        <p:txBody>
+          <a:bodyPr lIns="90000" rIns="90000" tIns="45000" bIns="45000" anchor="ctr"/>
+          <a:p>
+            <a:pPr algn="ctr">
+              <a:lnSpc>
+                <a:spcPct val="100000"/>
+              </a:lnSpc>
+            </a:pPr>
+            <a:r>
+              <a:rPr lang="es-AR">
+                <a:solidFill>
+                  <a:srgbClr val="ffffff"/>
+                </a:solidFill>
+                <a:latin typeface="Calibri"/>
+              </a:rPr>
+              <a:t>Filtro pasa bajos</a:t>
+            </a:r>
+            <a:endParaRPr/>
+          </a:p>
+        </p:txBody>
+      </p:sp>
+      <p:sp>
+        <p:nvSpPr>
+          <p:cNvPr id="112" name="CustomShape 24"/>
+          <p:cNvSpPr/>
+          <p:nvPr/>
+        </p:nvSpPr>
+        <p:spPr>
+          <a:xfrm>
+            <a:off x="1354680" y="3281040"/>
+            <a:ext cx="1474920" cy="1656360"/>
+          </a:xfrm>
+          <a:prstGeom prst="rect">
+            <a:avLst/>
+          </a:prstGeom>
+          <a:solidFill>
+            <a:srgbClr val="4f81bd"/>
+          </a:solidFill>
+          <a:ln w="25560">
+            <a:solidFill>
+              <a:srgbClr val="3a5f8b"/>
+            </a:solidFill>
+            <a:round/>
+            <a:headEnd len="med" type="triangle" w="med"/>
           </a:ln>
         </p:spPr>
         <p:txBody>
@@ -5094,19 +4694,46 @@
       </p:sp>
       <p:sp>
         <p:nvSpPr>
-          <p:cNvPr id="127" name="CustomShape 13"/>
+          <p:cNvPr id="113" name="CustomShape 25"/>
           <p:cNvSpPr/>
           <p:nvPr/>
         </p:nvSpPr>
         <p:spPr>
           <a:xfrm flipH="1" flipV="1" rot="10800000">
-            <a:off x="678960" y="1957680"/>
-            <a:ext cx="1413360" cy="1323360"/>
+            <a:off x="703440" y="1569960"/>
+            <a:ext cx="650520" cy="4000680"/>
           </a:xfrm>
           <a:prstGeom prst="curvedConnector4">
             <a:avLst>
-              <a:gd name="adj1" fmla="val -16171"/>
-              <a:gd name="adj2" fmla="val 69041"/>
+              <a:gd name="adj1" fmla="val -35098"/>
+              <a:gd name="adj2" fmla="val 87879"/>
+            </a:avLst>
+          </a:prstGeom>
+          <a:noFill/>
+          <a:ln w="38160">
+            <a:solidFill>
+              <a:srgbClr val="953735"/>
+            </a:solidFill>
+            <a:round/>
+            <a:headEnd len="med" type="triangle" w="med"/>
+          </a:ln>
+        </p:spPr>
+      </p:sp>
+      <p:sp>
+        <p:nvSpPr>
+          <p:cNvPr id="114" name="CustomShape 26"/>
+          <p:cNvSpPr/>
+          <p:nvPr/>
+        </p:nvSpPr>
+        <p:spPr>
+          <a:xfrm flipH="1" flipV="1" rot="10800000">
+            <a:off x="1423080" y="2469960"/>
+            <a:ext cx="668520" cy="810360"/>
+          </a:xfrm>
+          <a:prstGeom prst="curvedConnector4">
+            <a:avLst>
+              <a:gd name="adj1" fmla="val -34167"/>
+              <a:gd name="adj2" fmla="val 81075"/>
             </a:avLst>
           </a:prstGeom>
           <a:noFill/>
@@ -5115,19 +4742,20 @@
               <a:srgbClr val="00b0f0"/>
             </a:solidFill>
             <a:round/>
-          </a:ln>
-        </p:spPr>
-      </p:sp>
-      <p:sp>
-        <p:nvSpPr>
-          <p:cNvPr id="128" name="CustomShape 14"/>
+            <a:headEnd len="med" type="triangle" w="med"/>
+          </a:ln>
+        </p:spPr>
+      </p:sp>
+      <p:sp>
+        <p:nvSpPr>
+          <p:cNvPr id="115" name="CustomShape 27"/>
           <p:cNvSpPr/>
           <p:nvPr/>
         </p:nvSpPr>
         <p:spPr>
           <a:xfrm rot="5400000">
-            <a:off x="1630440" y="5082840"/>
-            <a:ext cx="606960" cy="316800"/>
+            <a:off x="1630800" y="5082840"/>
+            <a:ext cx="606600" cy="316440"/>
           </a:xfrm>
           <a:prstGeom prst="curvedConnector3">
             <a:avLst>
@@ -5140,6 +4768,57 @@
               <a:srgbClr val="00b0f0"/>
             </a:solidFill>
             <a:round/>
+            <a:headEnd len="med" type="triangle" w="med"/>
+          </a:ln>
+        </p:spPr>
+      </p:sp>
+      <p:sp>
+        <p:nvSpPr>
+          <p:cNvPr id="116" name="CustomShape 28"/>
+          <p:cNvSpPr/>
+          <p:nvPr/>
+        </p:nvSpPr>
+        <p:spPr>
+          <a:xfrm flipV="1" rot="10800000">
+            <a:off x="3803400" y="2286720"/>
+            <a:ext cx="3823200" cy="1251000"/>
+          </a:xfrm>
+          <a:prstGeom prst="curvedConnector2">
+            <a:avLst/>
+          </a:prstGeom>
+          <a:noFill/>
+          <a:ln w="44280">
+            <a:solidFill>
+              <a:srgbClr val="00b050"/>
+            </a:solidFill>
+            <a:round/>
+            <a:headEnd len="med" type="triangle" w="med"/>
+          </a:ln>
+        </p:spPr>
+      </p:sp>
+      <p:sp>
+        <p:nvSpPr>
+          <p:cNvPr id="117" name="CustomShape 29"/>
+          <p:cNvSpPr/>
+          <p:nvPr/>
+        </p:nvSpPr>
+        <p:spPr>
+          <a:xfrm rot="5400000">
+            <a:off x="1916280" y="4343760"/>
+            <a:ext cx="1890000" cy="1882440"/>
+          </a:xfrm>
+          <a:prstGeom prst="curvedConnector3">
+            <a:avLst>
+              <a:gd name="adj1" fmla="val 50000"/>
+            </a:avLst>
+          </a:prstGeom>
+          <a:noFill/>
+          <a:ln w="44280">
+            <a:solidFill>
+              <a:srgbClr val="00b050"/>
+            </a:solidFill>
+            <a:round/>
+            <a:headEnd len="med" type="triangle" w="med"/>
           </a:ln>
         </p:spPr>
       </p:sp>
@@ -5194,14 +4873,14 @@
       </p:grpSpPr>
       <p:sp>
         <p:nvSpPr>
-          <p:cNvPr id="129" name="CustomShape 1"/>
+          <p:cNvPr id="118" name="CustomShape 1"/>
           <p:cNvSpPr/>
           <p:nvPr/>
         </p:nvSpPr>
         <p:spPr>
           <a:xfrm>
             <a:off x="683640" y="332640"/>
-            <a:ext cx="6696360" cy="364680"/>
+            <a:ext cx="6696000" cy="364320"/>
           </a:xfrm>
           <a:prstGeom prst="rect">
             <a:avLst/>
@@ -5226,7 +4905,7 @@
                 </a:solidFill>
                 <a:latin typeface="Calibri"/>
               </a:rPr>
-              <a:t>Ciclo PID - calibración</a:t>
+              <a:t>Motor paso a paso calibración</a:t>
             </a:r>
             <a:endParaRPr/>
           </a:p>
@@ -5234,45 +4913,168 @@
       </p:sp>
       <p:sp>
         <p:nvSpPr>
-          <p:cNvPr id="130" name="CustomShape 2"/>
-          <p:cNvSpPr/>
-          <p:nvPr/>
-        </p:nvSpPr>
-        <p:spPr>
-          <a:xfrm rot="5400000">
-            <a:off x="1243800" y="849600"/>
-            <a:ext cx="359640" cy="1439640"/>
+          <p:cNvPr id="119" name="CustomShape 2"/>
+          <p:cNvSpPr/>
+          <p:nvPr/>
+        </p:nvSpPr>
+        <p:spPr>
+          <a:xfrm>
+            <a:off x="678600" y="1453320"/>
+            <a:ext cx="1727640" cy="1007280"/>
           </a:xfrm>
           <a:prstGeom prst="can">
             <a:avLst>
-              <a:gd name="adj" fmla="val 25000"/>
+              <a:gd name="adj" fmla="val 50000"/>
             </a:avLst>
           </a:prstGeom>
           <a:solidFill>
-            <a:srgbClr val="595959"/>
+            <a:srgbClr val="bfbfbf"/>
           </a:solidFill>
           <a:ln w="25560">
             <a:solidFill>
               <a:srgbClr val="000000"/>
             </a:solidFill>
             <a:round/>
-          </a:ln>
-        </p:spPr>
-      </p:sp>
-      <p:sp>
-        <p:nvSpPr>
-          <p:cNvPr id="131" name="CustomShape 3"/>
-          <p:cNvSpPr/>
-          <p:nvPr/>
-        </p:nvSpPr>
-        <p:spPr>
-          <a:xfrm>
-            <a:off x="7399800" y="852840"/>
-            <a:ext cx="1043640" cy="1433880"/>
+            <a:headEnd len="med" type="triangle" w="med"/>
+          </a:ln>
+        </p:spPr>
+      </p:sp>
+      <p:sp>
+        <p:nvSpPr>
+          <p:cNvPr id="120" name="CustomShape 3"/>
+          <p:cNvSpPr/>
+          <p:nvPr/>
+        </p:nvSpPr>
+        <p:spPr>
+          <a:xfrm>
+            <a:off x="1470600" y="1412640"/>
+            <a:ext cx="143280" cy="287280"/>
+          </a:xfrm>
+          <a:prstGeom prst="can">
+            <a:avLst>
+              <a:gd name="adj" fmla="val 25000"/>
+            </a:avLst>
+          </a:prstGeom>
+          <a:solidFill>
+            <a:srgbClr val="bfbfbf"/>
+          </a:solidFill>
+          <a:ln w="25560">
+            <a:solidFill>
+              <a:srgbClr val="000000"/>
+            </a:solidFill>
+            <a:round/>
+            <a:headEnd len="med" type="triangle" w="med"/>
+          </a:ln>
+        </p:spPr>
+      </p:sp>
+      <p:sp>
+        <p:nvSpPr>
+          <p:cNvPr id="121" name="CustomShape 4"/>
+          <p:cNvSpPr/>
+          <p:nvPr/>
+        </p:nvSpPr>
+        <p:spPr>
+          <a:xfrm>
+            <a:off x="1290600" y="1109160"/>
+            <a:ext cx="503280" cy="431280"/>
+          </a:xfrm>
+          <a:prstGeom prst="can">
+            <a:avLst>
+              <a:gd name="adj" fmla="val 25000"/>
+            </a:avLst>
+          </a:prstGeom>
+          <a:noFill/>
+          <a:ln w="25560">
+            <a:solidFill>
+              <a:srgbClr val="000000"/>
+            </a:solidFill>
+            <a:round/>
+            <a:headEnd len="med" type="triangle" w="med"/>
+          </a:ln>
+        </p:spPr>
+      </p:sp>
+      <p:sp>
+        <p:nvSpPr>
+          <p:cNvPr id="122" name="CustomShape 5"/>
+          <p:cNvSpPr/>
+          <p:nvPr/>
+        </p:nvSpPr>
+        <p:spPr>
+          <a:xfrm>
+            <a:off x="4088880" y="2461320"/>
+            <a:ext cx="3290760" cy="637920"/>
+          </a:xfrm>
+          <a:prstGeom prst="rect">
+            <a:avLst/>
+          </a:prstGeom>
+          <a:noFill/>
+          <a:ln>
+            <a:noFill/>
+          </a:ln>
+        </p:spPr>
+        <p:txBody>
+          <a:bodyPr lIns="90000" rIns="90000" tIns="45000" bIns="45000"/>
+          <a:p>
+            <a:pPr>
+              <a:lnSpc>
+                <a:spcPct val="100000"/>
+              </a:lnSpc>
+            </a:pPr>
+            <a:r>
+              <a:rPr lang="es-AR">
+                <a:solidFill>
+                  <a:srgbClr val="000000"/>
+                </a:solidFill>
+                <a:latin typeface="Calibri"/>
+              </a:rPr>
+              <a:t>Bla bla, papelito, angulos, cosas</a:t>
+            </a:r>
+            <a:endParaRPr/>
+          </a:p>
+        </p:txBody>
+      </p:sp>
+      <p:sp>
+        <p:nvSpPr>
+          <p:cNvPr id="123" name="CustomShape 6"/>
+          <p:cNvSpPr/>
+          <p:nvPr/>
+        </p:nvSpPr>
+        <p:spPr>
+          <a:xfrm>
+            <a:off x="316800" y="5811480"/>
+            <a:ext cx="2916360" cy="879480"/>
           </a:xfrm>
           <a:prstGeom prst="cube">
             <a:avLst>
-              <a:gd name="adj" fmla="val 43879"/>
+              <a:gd name="adj" fmla="val 83534"/>
+            </a:avLst>
+          </a:prstGeom>
+          <a:solidFill>
+            <a:srgbClr val="4f81bd"/>
+          </a:solidFill>
+          <a:ln w="25560">
+            <a:solidFill>
+              <a:srgbClr val="3a5f8b"/>
+            </a:solidFill>
+            <a:round/>
+            <a:headEnd len="med" type="triangle" w="med"/>
+          </a:ln>
+        </p:spPr>
+      </p:sp>
+      <p:sp>
+        <p:nvSpPr>
+          <p:cNvPr id="124" name="CustomShape 7"/>
+          <p:cNvSpPr/>
+          <p:nvPr/>
+        </p:nvSpPr>
+        <p:spPr>
+          <a:xfrm>
+            <a:off x="1119960" y="5571360"/>
+            <a:ext cx="1944000" cy="324000"/>
+          </a:xfrm>
+          <a:prstGeom prst="cube">
+            <a:avLst>
+              <a:gd name="adj" fmla="val 19629"/>
             </a:avLst>
           </a:prstGeom>
           <a:solidFill>
@@ -5283,200 +5085,134 @@
               <a:srgbClr val="000000"/>
             </a:solidFill>
             <a:round/>
-          </a:ln>
-        </p:spPr>
-      </p:sp>
-      <p:sp>
-        <p:nvSpPr>
-          <p:cNvPr id="132" name="Line 4"/>
-          <p:cNvSpPr/>
-          <p:nvPr/>
-        </p:nvSpPr>
-        <p:spPr>
-          <a:xfrm>
-            <a:off x="2143080" y="1569600"/>
-            <a:ext cx="5256720" cy="0"/>
-          </a:xfrm>
-          <a:prstGeom prst="line">
-            <a:avLst/>
-          </a:prstGeom>
-          <a:ln w="44280">
-            <a:solidFill>
-              <a:srgbClr val="ff0000"/>
-            </a:solidFill>
-            <a:round/>
-          </a:ln>
-        </p:spPr>
-      </p:sp>
-      <p:sp>
-        <p:nvSpPr>
-          <p:cNvPr id="133" name="CustomShape 5"/>
-          <p:cNvSpPr/>
-          <p:nvPr/>
-        </p:nvSpPr>
-        <p:spPr>
-          <a:xfrm>
-            <a:off x="5322240" y="3939120"/>
-            <a:ext cx="1002240" cy="1872000"/>
+            <a:headEnd len="med" type="triangle" w="med"/>
+          </a:ln>
+        </p:spPr>
+      </p:sp>
+      <p:sp>
+        <p:nvSpPr>
+          <p:cNvPr id="125" name="CustomShape 8"/>
+          <p:cNvSpPr/>
+          <p:nvPr/>
+        </p:nvSpPr>
+        <p:spPr>
+          <a:xfrm>
+            <a:off x="1222560" y="5926680"/>
+            <a:ext cx="816480" cy="324000"/>
           </a:xfrm>
           <a:prstGeom prst="cube">
             <a:avLst>
-              <a:gd name="adj" fmla="val 37418"/>
+              <a:gd name="adj" fmla="val 88982"/>
             </a:avLst>
           </a:prstGeom>
           <a:solidFill>
-            <a:srgbClr val="bfbfbf"/>
+            <a:srgbClr val="404040"/>
           </a:solidFill>
           <a:ln w="25560">
             <a:solidFill>
               <a:srgbClr val="000000"/>
             </a:solidFill>
             <a:round/>
-          </a:ln>
-        </p:spPr>
-      </p:sp>
-      <p:sp>
-        <p:nvSpPr>
-          <p:cNvPr id="134" name="CustomShape 6"/>
-          <p:cNvSpPr/>
-          <p:nvPr/>
-        </p:nvSpPr>
-        <p:spPr>
-          <a:xfrm>
-            <a:off x="5322240" y="6050880"/>
-            <a:ext cx="2304000" cy="582120"/>
+            <a:headEnd len="med" type="triangle" w="med"/>
+          </a:ln>
+        </p:spPr>
+      </p:sp>
+      <p:sp>
+        <p:nvSpPr>
+          <p:cNvPr id="126" name="CustomShape 9"/>
+          <p:cNvSpPr/>
+          <p:nvPr/>
+        </p:nvSpPr>
+        <p:spPr>
+          <a:xfrm>
+            <a:off x="443520" y="6166800"/>
+            <a:ext cx="1009080" cy="324000"/>
           </a:xfrm>
           <a:prstGeom prst="cube">
             <a:avLst>
-              <a:gd name="adj" fmla="val 93001"/>
+              <a:gd name="adj" fmla="val 19629"/>
             </a:avLst>
           </a:prstGeom>
           <a:solidFill>
-            <a:srgbClr val="bfbfbf"/>
+            <a:srgbClr val="262626"/>
           </a:solidFill>
           <a:ln w="25560">
             <a:solidFill>
               <a:srgbClr val="000000"/>
             </a:solidFill>
             <a:round/>
-          </a:ln>
-        </p:spPr>
-      </p:sp>
-      <p:sp>
-        <p:nvSpPr>
-          <p:cNvPr id="135" name="CustomShape 7"/>
-          <p:cNvSpPr/>
-          <p:nvPr/>
-        </p:nvSpPr>
-        <p:spPr>
-          <a:xfrm>
-            <a:off x="7048800" y="4178520"/>
-            <a:ext cx="1775520" cy="1557360"/>
+            <a:headEnd len="med" type="triangle" w="med"/>
+          </a:ln>
+        </p:spPr>
+      </p:sp>
+      <p:sp>
+        <p:nvSpPr>
+          <p:cNvPr id="127" name="CustomShape 10"/>
+          <p:cNvSpPr/>
+          <p:nvPr/>
+        </p:nvSpPr>
+        <p:spPr>
+          <a:xfrm>
+            <a:off x="1542600" y="6166800"/>
+            <a:ext cx="816480" cy="324000"/>
           </a:xfrm>
           <a:prstGeom prst="cube">
             <a:avLst>
-              <a:gd name="adj" fmla="val 15731"/>
+              <a:gd name="adj" fmla="val 19629"/>
             </a:avLst>
           </a:prstGeom>
           <a:solidFill>
-            <a:srgbClr val="d9d9d9"/>
+            <a:srgbClr val="262626"/>
           </a:solidFill>
           <a:ln w="25560">
             <a:solidFill>
               <a:srgbClr val="000000"/>
             </a:solidFill>
             <a:round/>
-          </a:ln>
-        </p:spPr>
-      </p:sp>
-      <p:sp>
-        <p:nvSpPr>
-          <p:cNvPr id="136" name="CustomShape 8"/>
-          <p:cNvSpPr/>
-          <p:nvPr/>
-        </p:nvSpPr>
-        <p:spPr>
-          <a:xfrm>
-            <a:off x="7051320" y="4406400"/>
-            <a:ext cx="1581480" cy="1322640"/>
-          </a:xfrm>
-          <a:prstGeom prst="bevel">
+            <a:headEnd len="med" type="triangle" w="med"/>
+          </a:ln>
+        </p:spPr>
+      </p:sp>
+      <p:sp>
+        <p:nvSpPr>
+          <p:cNvPr id="128" name="CustomShape 11"/>
+          <p:cNvSpPr/>
+          <p:nvPr/>
+        </p:nvSpPr>
+        <p:spPr>
+          <a:xfrm>
+            <a:off x="2446200" y="5748120"/>
+            <a:ext cx="503280" cy="383040"/>
+          </a:xfrm>
+          <a:prstGeom prst="cube">
             <a:avLst>
-              <a:gd name="adj" fmla="val 12500"/>
+              <a:gd name="adj" fmla="val 47345"/>
             </a:avLst>
           </a:prstGeom>
           <a:solidFill>
-            <a:srgbClr val="d9d9d9"/>
+            <a:srgbClr val="808080"/>
           </a:solidFill>
-          <a:ln w="25560">
+          <a:ln w="6480">
             <a:solidFill>
               <a:srgbClr val="000000"/>
             </a:solidFill>
             <a:round/>
-          </a:ln>
-        </p:spPr>
-      </p:sp>
-      <p:sp>
-        <p:nvSpPr>
-          <p:cNvPr id="137" name="CustomShape 9"/>
-          <p:cNvSpPr/>
-          <p:nvPr/>
-        </p:nvSpPr>
-        <p:spPr>
-          <a:xfrm>
-            <a:off x="7252560" y="4590720"/>
-            <a:ext cx="1163880" cy="954000"/>
-          </a:xfrm>
-          <a:prstGeom prst="rect">
-            <a:avLst/>
-          </a:prstGeom>
-          <a:solidFill>
-            <a:srgbClr val="000000"/>
-          </a:solidFill>
-          <a:ln w="25560">
-            <a:solidFill>
-              <a:srgbClr val="000000"/>
-            </a:solidFill>
-            <a:round/>
-          </a:ln>
-        </p:spPr>
-      </p:sp>
-      <p:sp>
-        <p:nvSpPr>
-          <p:cNvPr id="138" name="CustomShape 10"/>
-          <p:cNvSpPr/>
-          <p:nvPr/>
-        </p:nvSpPr>
-        <p:spPr>
-          <a:xfrm>
-            <a:off x="5468760" y="6095160"/>
-            <a:ext cx="1989720" cy="459720"/>
-          </a:xfrm>
-          <a:prstGeom prst="cube">
-            <a:avLst>
-              <a:gd name="adj" fmla="val 100000"/>
-            </a:avLst>
-          </a:prstGeom>
-          <a:ln w="25560">
-            <a:solidFill>
-              <a:srgbClr val="000000"/>
-            </a:solidFill>
-            <a:round/>
-          </a:ln>
-        </p:spPr>
-      </p:sp>
-      <p:sp>
-        <p:nvSpPr>
-          <p:cNvPr id="139" name="CustomShape 11"/>
-          <p:cNvSpPr/>
-          <p:nvPr/>
-        </p:nvSpPr>
-        <p:spPr>
-          <a:xfrm>
-            <a:off x="5468760" y="4566240"/>
-            <a:ext cx="293400" cy="277560"/>
-          </a:xfrm>
-          <a:prstGeom prst="ellipse">
+            <a:headEnd len="med" type="triangle" w="med"/>
+          </a:ln>
+        </p:spPr>
+      </p:sp>
+      <p:sp>
+        <p:nvSpPr>
+          <p:cNvPr id="129" name="CustomShape 12"/>
+          <p:cNvSpPr/>
+          <p:nvPr/>
+        </p:nvSpPr>
+        <p:spPr>
+          <a:xfrm>
+            <a:off x="1354680" y="3281040"/>
+            <a:ext cx="1474920" cy="1656360"/>
+          </a:xfrm>
+          <a:prstGeom prst="rect">
             <a:avLst/>
           </a:prstGeom>
           <a:solidFill>
@@ -5487,272 +5223,7 @@
               <a:srgbClr val="3a5f8b"/>
             </a:solidFill>
             <a:round/>
-          </a:ln>
-        </p:spPr>
-      </p:sp>
-      <p:sp>
-        <p:nvSpPr>
-          <p:cNvPr id="140" name="CustomShape 12"/>
-          <p:cNvSpPr/>
-          <p:nvPr/>
-        </p:nvSpPr>
-        <p:spPr>
-          <a:xfrm>
-            <a:off x="5468760" y="5084280"/>
-            <a:ext cx="293400" cy="286920"/>
-          </a:xfrm>
-          <a:prstGeom prst="smileyFace">
-            <a:avLst>
-              <a:gd name="adj" fmla="val 4653"/>
-            </a:avLst>
-          </a:prstGeom>
-          <a:solidFill>
-            <a:srgbClr val="4f81bd"/>
-          </a:solidFill>
-          <a:ln w="25560">
-            <a:solidFill>
-              <a:srgbClr val="3a5f8b"/>
-            </a:solidFill>
-            <a:round/>
-          </a:ln>
-        </p:spPr>
-      </p:sp>
-      <p:sp>
-        <p:nvSpPr>
-          <p:cNvPr id="141" name="CustomShape 13"/>
-          <p:cNvSpPr/>
-          <p:nvPr/>
-        </p:nvSpPr>
-        <p:spPr>
-          <a:xfrm rot="5400000">
-            <a:off x="7133040" y="5341320"/>
-            <a:ext cx="321120" cy="1096920"/>
-          </a:xfrm>
-          <a:prstGeom prst="curvedConnector3">
-            <a:avLst>
-              <a:gd name="adj1" fmla="val 50000"/>
-            </a:avLst>
-          </a:prstGeom>
-          <a:noFill/>
-          <a:ln w="25560">
-            <a:solidFill>
-              <a:srgbClr val="000000"/>
-            </a:solidFill>
-            <a:round/>
-          </a:ln>
-        </p:spPr>
-      </p:sp>
-      <p:sp>
-        <p:nvSpPr>
-          <p:cNvPr id="142" name="CustomShape 14"/>
-          <p:cNvSpPr/>
-          <p:nvPr/>
-        </p:nvSpPr>
-        <p:spPr>
-          <a:xfrm flipH="1" flipV="1">
-            <a:off x="6324120" y="4687200"/>
-            <a:ext cx="2499480" cy="146520"/>
-          </a:xfrm>
-          <a:prstGeom prst="curvedConnector5">
-            <a:avLst>
-              <a:gd name="adj1" fmla="val -9145"/>
-              <a:gd name="adj2" fmla="val -768425"/>
-              <a:gd name="adj3" fmla="val 85520"/>
-            </a:avLst>
-          </a:prstGeom>
-          <a:noFill/>
-          <a:ln w="25560">
-            <a:solidFill>
-              <a:srgbClr val="000000"/>
-            </a:solidFill>
-            <a:round/>
-          </a:ln>
-        </p:spPr>
-      </p:sp>
-      <p:sp>
-        <p:nvSpPr>
-          <p:cNvPr id="143" name="CustomShape 15"/>
-          <p:cNvSpPr/>
-          <p:nvPr/>
-        </p:nvSpPr>
-        <p:spPr>
-          <a:xfrm>
-            <a:off x="316800" y="5811480"/>
-            <a:ext cx="2916720" cy="879840"/>
-          </a:xfrm>
-          <a:prstGeom prst="cube">
-            <a:avLst>
-              <a:gd name="adj" fmla="val 83534"/>
-            </a:avLst>
-          </a:prstGeom>
-          <a:solidFill>
-            <a:srgbClr val="4f81bd"/>
-          </a:solidFill>
-          <a:ln w="25560">
-            <a:solidFill>
-              <a:srgbClr val="3a5f8b"/>
-            </a:solidFill>
-            <a:round/>
-          </a:ln>
-        </p:spPr>
-      </p:sp>
-      <p:sp>
-        <p:nvSpPr>
-          <p:cNvPr id="144" name="CustomShape 16"/>
-          <p:cNvSpPr/>
-          <p:nvPr/>
-        </p:nvSpPr>
-        <p:spPr>
-          <a:xfrm>
-            <a:off x="1119960" y="5571360"/>
-            <a:ext cx="1944360" cy="324360"/>
-          </a:xfrm>
-          <a:prstGeom prst="cube">
-            <a:avLst>
-              <a:gd name="adj" fmla="val 19629"/>
-            </a:avLst>
-          </a:prstGeom>
-          <a:solidFill>
-            <a:srgbClr val="262626"/>
-          </a:solidFill>
-          <a:ln w="25560">
-            <a:solidFill>
-              <a:srgbClr val="000000"/>
-            </a:solidFill>
-            <a:round/>
-          </a:ln>
-        </p:spPr>
-      </p:sp>
-      <p:sp>
-        <p:nvSpPr>
-          <p:cNvPr id="145" name="CustomShape 17"/>
-          <p:cNvSpPr/>
-          <p:nvPr/>
-        </p:nvSpPr>
-        <p:spPr>
-          <a:xfrm>
-            <a:off x="1222560" y="5926680"/>
-            <a:ext cx="816840" cy="324360"/>
-          </a:xfrm>
-          <a:prstGeom prst="cube">
-            <a:avLst>
-              <a:gd name="adj" fmla="val 88982"/>
-            </a:avLst>
-          </a:prstGeom>
-          <a:solidFill>
-            <a:srgbClr val="404040"/>
-          </a:solidFill>
-          <a:ln w="25560">
-            <a:solidFill>
-              <a:srgbClr val="000000"/>
-            </a:solidFill>
-            <a:round/>
-          </a:ln>
-        </p:spPr>
-      </p:sp>
-      <p:sp>
-        <p:nvSpPr>
-          <p:cNvPr id="146" name="CustomShape 18"/>
-          <p:cNvSpPr/>
-          <p:nvPr/>
-        </p:nvSpPr>
-        <p:spPr>
-          <a:xfrm>
-            <a:off x="443520" y="6166800"/>
-            <a:ext cx="1009440" cy="324360"/>
-          </a:xfrm>
-          <a:prstGeom prst="cube">
-            <a:avLst>
-              <a:gd name="adj" fmla="val 19629"/>
-            </a:avLst>
-          </a:prstGeom>
-          <a:solidFill>
-            <a:srgbClr val="262626"/>
-          </a:solidFill>
-          <a:ln w="25560">
-            <a:solidFill>
-              <a:srgbClr val="000000"/>
-            </a:solidFill>
-            <a:round/>
-          </a:ln>
-        </p:spPr>
-      </p:sp>
-      <p:sp>
-        <p:nvSpPr>
-          <p:cNvPr id="147" name="CustomShape 19"/>
-          <p:cNvSpPr/>
-          <p:nvPr/>
-        </p:nvSpPr>
-        <p:spPr>
-          <a:xfrm>
-            <a:off x="1542600" y="6166800"/>
-            <a:ext cx="816840" cy="324360"/>
-          </a:xfrm>
-          <a:prstGeom prst="cube">
-            <a:avLst>
-              <a:gd name="adj" fmla="val 19629"/>
-            </a:avLst>
-          </a:prstGeom>
-          <a:solidFill>
-            <a:srgbClr val="262626"/>
-          </a:solidFill>
-          <a:ln w="25560">
-            <a:solidFill>
-              <a:srgbClr val="000000"/>
-            </a:solidFill>
-            <a:round/>
-          </a:ln>
-        </p:spPr>
-      </p:sp>
-      <p:sp>
-        <p:nvSpPr>
-          <p:cNvPr id="148" name="CustomShape 20"/>
-          <p:cNvSpPr/>
-          <p:nvPr/>
-        </p:nvSpPr>
-        <p:spPr>
-          <a:xfrm>
-            <a:off x="2446200" y="5748120"/>
-            <a:ext cx="503640" cy="383400"/>
-          </a:xfrm>
-          <a:prstGeom prst="cube">
-            <a:avLst>
-              <a:gd name="adj" fmla="val 47345"/>
-            </a:avLst>
-          </a:prstGeom>
-          <a:solidFill>
-            <a:srgbClr val="808080"/>
-          </a:solidFill>
-          <a:ln w="6480">
-            <a:solidFill>
-              <a:srgbClr val="000000"/>
-            </a:solidFill>
-            <a:round/>
-          </a:ln>
-        </p:spPr>
-      </p:sp>
-      <p:sp>
-        <p:nvSpPr>
-          <p:cNvPr id="149" name="CustomShape 21"/>
-          <p:cNvSpPr/>
-          <p:nvPr/>
-        </p:nvSpPr>
-        <p:spPr>
-          <a:xfrm>
-            <a:off x="3064680" y="3538440"/>
-            <a:ext cx="1475280" cy="801360"/>
-          </a:xfrm>
-          <a:prstGeom prst="rect">
-            <a:avLst/>
-          </a:prstGeom>
-          <a:solidFill>
-            <a:srgbClr val="4f81bd"/>
-          </a:solidFill>
-          <a:ln w="25560">
-            <a:solidFill>
-              <a:srgbClr val="3a5f8b"/>
-            </a:solidFill>
-            <a:round/>
+            <a:headEnd len="med" type="triangle" w="med"/>
           </a:ln>
         </p:spPr>
         <p:txBody>
@@ -5770,7 +5241,7 @@
                 </a:solidFill>
                 <a:latin typeface="Calibri"/>
               </a:rPr>
-              <a:t>Filtro pasa bajos</a:t>
+              <a:t>Control Motor (no me acuerdo como se llama el circuito)</a:t>
             </a:r>
             <a:endParaRPr/>
           </a:p>
@@ -5778,63 +5249,41 @@
       </p:sp>
       <p:sp>
         <p:nvSpPr>
-          <p:cNvPr id="150" name="CustomShape 22"/>
+          <p:cNvPr id="130" name="CustomShape 13"/>
           <p:cNvSpPr/>
           <p:nvPr/>
         </p:nvSpPr>
         <p:spPr>
           <a:xfrm flipH="1" flipV="1" rot="10800000">
-            <a:off x="703800" y="1570320"/>
-            <a:ext cx="650880" cy="4001040"/>
+            <a:off x="678600" y="1957320"/>
+            <a:ext cx="1413000" cy="1323000"/>
           </a:xfrm>
           <a:prstGeom prst="curvedConnector4">
             <a:avLst>
-              <a:gd name="adj1" fmla="val -35098"/>
-              <a:gd name="adj2" fmla="val 87879"/>
+              <a:gd name="adj1" fmla="val -16171"/>
+              <a:gd name="adj2" fmla="val 69041"/>
             </a:avLst>
           </a:prstGeom>
           <a:noFill/>
           <a:ln w="38160">
             <a:solidFill>
-              <a:srgbClr val="953735"/>
+              <a:srgbClr val="00b0f0"/>
             </a:solidFill>
             <a:round/>
-          </a:ln>
-        </p:spPr>
-      </p:sp>
-      <p:sp>
-        <p:nvSpPr>
-          <p:cNvPr id="151" name="CustomShape 23"/>
-          <p:cNvSpPr/>
-          <p:nvPr/>
-        </p:nvSpPr>
-        <p:spPr>
-          <a:xfrm flipV="1" rot="10800000">
-            <a:off x="3803040" y="2287080"/>
-            <a:ext cx="3823560" cy="1251360"/>
-          </a:xfrm>
-          <a:prstGeom prst="curvedConnector2">
-            <a:avLst/>
-          </a:prstGeom>
-          <a:noFill/>
-          <a:ln w="44280">
-            <a:solidFill>
-              <a:srgbClr val="00b050"/>
-            </a:solidFill>
-            <a:round/>
-          </a:ln>
-        </p:spPr>
-      </p:sp>
-      <p:sp>
-        <p:nvSpPr>
-          <p:cNvPr id="152" name="CustomShape 24"/>
+            <a:headEnd len="med" type="triangle" w="med"/>
+          </a:ln>
+        </p:spPr>
+      </p:sp>
+      <p:sp>
+        <p:nvSpPr>
+          <p:cNvPr id="131" name="CustomShape 14"/>
           <p:cNvSpPr/>
           <p:nvPr/>
         </p:nvSpPr>
         <p:spPr>
           <a:xfrm rot="5400000">
-            <a:off x="1915920" y="4343760"/>
-            <a:ext cx="1890360" cy="1882800"/>
+            <a:off x="1630800" y="5082840"/>
+            <a:ext cx="606600" cy="316440"/>
           </a:xfrm>
           <a:prstGeom prst="curvedConnector3">
             <a:avLst>
@@ -5842,133 +5291,14 @@
             </a:avLst>
           </a:prstGeom>
           <a:noFill/>
-          <a:ln w="44280">
+          <a:ln w="38160">
             <a:solidFill>
-              <a:srgbClr val="00b050"/>
+              <a:srgbClr val="00b0f0"/>
             </a:solidFill>
             <a:round/>
-          </a:ln>
-        </p:spPr>
-      </p:sp>
-      <p:sp>
-        <p:nvSpPr>
-          <p:cNvPr id="153" name="CustomShape 25"/>
-          <p:cNvSpPr/>
-          <p:nvPr/>
-        </p:nvSpPr>
-        <p:spPr>
-          <a:xfrm>
-            <a:off x="866520" y="1866240"/>
-            <a:ext cx="1581840" cy="364680"/>
-          </a:xfrm>
-          <a:prstGeom prst="rect">
-            <a:avLst/>
-          </a:prstGeom>
-          <a:noFill/>
-          <a:ln>
-            <a:noFill/>
-          </a:ln>
-        </p:spPr>
-        <p:txBody>
-          <a:bodyPr wrap="none" lIns="90000" rIns="90000" tIns="45000" bIns="45000"/>
-          <a:p>
-            <a:pPr>
-              <a:lnSpc>
-                <a:spcPct val="100000"/>
-              </a:lnSpc>
-            </a:pPr>
-            <a:r>
-              <a:rPr lang="es-AR">
-                <a:solidFill>
-                  <a:srgbClr val="000000"/>
-                </a:solidFill>
-                <a:latin typeface="Calibri"/>
-              </a:rPr>
-              <a:t>Salida-Láser</a:t>
-            </a:r>
-            <a:endParaRPr/>
-          </a:p>
-        </p:txBody>
-      </p:sp>
-      <p:sp>
-        <p:nvSpPr>
-          <p:cNvPr id="154" name="CustomShape 26"/>
-          <p:cNvSpPr/>
-          <p:nvPr/>
-        </p:nvSpPr>
-        <p:spPr>
-          <a:xfrm>
-            <a:off x="6802560" y="2530800"/>
-            <a:ext cx="2287440" cy="364680"/>
-          </a:xfrm>
-          <a:prstGeom prst="rect">
-            <a:avLst/>
-          </a:prstGeom>
-          <a:noFill/>
-          <a:ln>
-            <a:noFill/>
-          </a:ln>
-        </p:spPr>
-        <p:txBody>
-          <a:bodyPr wrap="none" lIns="90000" rIns="90000" tIns="45000" bIns="45000"/>
-          <a:p>
-            <a:pPr>
-              <a:lnSpc>
-                <a:spcPct val="100000"/>
-              </a:lnSpc>
-            </a:pPr>
-            <a:r>
-              <a:rPr lang="es-AR">
-                <a:solidFill>
-                  <a:srgbClr val="000000"/>
-                </a:solidFill>
-                <a:latin typeface="Calibri"/>
-              </a:rPr>
-              <a:t>Entrada-Fotodiódo</a:t>
-            </a:r>
-            <a:endParaRPr/>
-          </a:p>
-        </p:txBody>
-      </p:sp>
-      <p:sp>
-        <p:nvSpPr>
-          <p:cNvPr id="155" name="CustomShape 27"/>
-          <p:cNvSpPr/>
-          <p:nvPr/>
-        </p:nvSpPr>
-        <p:spPr>
-          <a:xfrm>
-            <a:off x="904680" y="4705200"/>
-            <a:ext cx="2662200" cy="364680"/>
-          </a:xfrm>
-          <a:prstGeom prst="rect">
-            <a:avLst/>
-          </a:prstGeom>
-          <a:noFill/>
-          <a:ln>
-            <a:noFill/>
-          </a:ln>
-        </p:spPr>
-        <p:txBody>
-          <a:bodyPr wrap="none" lIns="90000" rIns="90000" tIns="45000" bIns="45000"/>
-          <a:p>
-            <a:pPr>
-              <a:lnSpc>
-                <a:spcPct val="100000"/>
-              </a:lnSpc>
-            </a:pPr>
-            <a:r>
-              <a:rPr lang="es-AR">
-                <a:solidFill>
-                  <a:srgbClr val="000000"/>
-                </a:solidFill>
-                <a:latin typeface="Calibri"/>
-              </a:rPr>
-              <a:t>PID mediante arduino</a:t>
-            </a:r>
-            <a:endParaRPr/>
-          </a:p>
-        </p:txBody>
+            <a:headEnd len="med" type="triangle" w="med"/>
+          </a:ln>
+        </p:spPr>
       </p:sp>
     </p:spTree>
   </p:cSld>
@@ -6021,14 +5351,14 @@
       </p:grpSpPr>
       <p:sp>
         <p:nvSpPr>
-          <p:cNvPr id="156" name="CustomShape 1"/>
+          <p:cNvPr id="132" name="CustomShape 1"/>
           <p:cNvSpPr/>
           <p:nvPr/>
         </p:nvSpPr>
         <p:spPr>
           <a:xfrm>
             <a:off x="683640" y="332640"/>
-            <a:ext cx="6696360" cy="364680"/>
+            <a:ext cx="6696000" cy="364320"/>
           </a:xfrm>
           <a:prstGeom prst="rect">
             <a:avLst/>
@@ -6061,14 +5391,656 @@
       </p:sp>
       <p:sp>
         <p:nvSpPr>
-          <p:cNvPr id="157" name="CustomShape 2"/>
-          <p:cNvSpPr/>
-          <p:nvPr/>
-        </p:nvSpPr>
-        <p:spPr>
-          <a:xfrm>
-            <a:off x="323640" y="763920"/>
-            <a:ext cx="8352720" cy="2558520"/>
+          <p:cNvPr id="133" name="CustomShape 2"/>
+          <p:cNvSpPr/>
+          <p:nvPr/>
+        </p:nvSpPr>
+        <p:spPr>
+          <a:xfrm rot="5400000">
+            <a:off x="1244160" y="849240"/>
+            <a:ext cx="359280" cy="1439280"/>
+          </a:xfrm>
+          <a:prstGeom prst="can">
+            <a:avLst>
+              <a:gd name="adj" fmla="val 25000"/>
+            </a:avLst>
+          </a:prstGeom>
+          <a:solidFill>
+            <a:srgbClr val="595959"/>
+          </a:solidFill>
+          <a:ln w="25560">
+            <a:solidFill>
+              <a:srgbClr val="000000"/>
+            </a:solidFill>
+            <a:round/>
+            <a:headEnd len="med" type="triangle" w="med"/>
+          </a:ln>
+        </p:spPr>
+      </p:sp>
+      <p:sp>
+        <p:nvSpPr>
+          <p:cNvPr id="134" name="CustomShape 3"/>
+          <p:cNvSpPr/>
+          <p:nvPr/>
+        </p:nvSpPr>
+        <p:spPr>
+          <a:xfrm>
+            <a:off x="7399800" y="852840"/>
+            <a:ext cx="1043280" cy="1433520"/>
+          </a:xfrm>
+          <a:prstGeom prst="cube">
+            <a:avLst>
+              <a:gd name="adj" fmla="val 43879"/>
+            </a:avLst>
+          </a:prstGeom>
+          <a:solidFill>
+            <a:srgbClr val="262626"/>
+          </a:solidFill>
+          <a:ln w="25560">
+            <a:solidFill>
+              <a:srgbClr val="000000"/>
+            </a:solidFill>
+            <a:round/>
+            <a:headEnd len="med" type="triangle" w="med"/>
+          </a:ln>
+        </p:spPr>
+      </p:sp>
+      <p:sp>
+        <p:nvSpPr>
+          <p:cNvPr id="135" name="Line 4"/>
+          <p:cNvSpPr/>
+          <p:nvPr/>
+        </p:nvSpPr>
+        <p:spPr>
+          <a:xfrm>
+            <a:off x="2143080" y="1569600"/>
+            <a:ext cx="5256720" cy="0"/>
+          </a:xfrm>
+          <a:prstGeom prst="line">
+            <a:avLst/>
+          </a:prstGeom>
+          <a:ln w="44280">
+            <a:solidFill>
+              <a:srgbClr val="ff0000"/>
+            </a:solidFill>
+            <a:round/>
+            <a:headEnd len="med" type="triangle" w="med"/>
+          </a:ln>
+        </p:spPr>
+      </p:sp>
+      <p:sp>
+        <p:nvSpPr>
+          <p:cNvPr id="136" name="CustomShape 5"/>
+          <p:cNvSpPr/>
+          <p:nvPr/>
+        </p:nvSpPr>
+        <p:spPr>
+          <a:xfrm>
+            <a:off x="5322240" y="3939120"/>
+            <a:ext cx="1001880" cy="1871640"/>
+          </a:xfrm>
+          <a:prstGeom prst="cube">
+            <a:avLst>
+              <a:gd name="adj" fmla="val 37418"/>
+            </a:avLst>
+          </a:prstGeom>
+          <a:solidFill>
+            <a:srgbClr val="bfbfbf"/>
+          </a:solidFill>
+          <a:ln w="25560">
+            <a:solidFill>
+              <a:srgbClr val="000000"/>
+            </a:solidFill>
+            <a:round/>
+            <a:headEnd len="med" type="triangle" w="med"/>
+          </a:ln>
+        </p:spPr>
+      </p:sp>
+      <p:sp>
+        <p:nvSpPr>
+          <p:cNvPr id="137" name="CustomShape 6"/>
+          <p:cNvSpPr/>
+          <p:nvPr/>
+        </p:nvSpPr>
+        <p:spPr>
+          <a:xfrm>
+            <a:off x="5322240" y="6050880"/>
+            <a:ext cx="2303640" cy="581760"/>
+          </a:xfrm>
+          <a:prstGeom prst="cube">
+            <a:avLst>
+              <a:gd name="adj" fmla="val 93001"/>
+            </a:avLst>
+          </a:prstGeom>
+          <a:solidFill>
+            <a:srgbClr val="bfbfbf"/>
+          </a:solidFill>
+          <a:ln w="25560">
+            <a:solidFill>
+              <a:srgbClr val="000000"/>
+            </a:solidFill>
+            <a:round/>
+            <a:headEnd len="med" type="triangle" w="med"/>
+          </a:ln>
+        </p:spPr>
+      </p:sp>
+      <p:sp>
+        <p:nvSpPr>
+          <p:cNvPr id="138" name="CustomShape 7"/>
+          <p:cNvSpPr/>
+          <p:nvPr/>
+        </p:nvSpPr>
+        <p:spPr>
+          <a:xfrm>
+            <a:off x="7048800" y="4178520"/>
+            <a:ext cx="1775160" cy="1557000"/>
+          </a:xfrm>
+          <a:prstGeom prst="cube">
+            <a:avLst>
+              <a:gd name="adj" fmla="val 15731"/>
+            </a:avLst>
+          </a:prstGeom>
+          <a:solidFill>
+            <a:srgbClr val="d9d9d9"/>
+          </a:solidFill>
+          <a:ln w="25560">
+            <a:solidFill>
+              <a:srgbClr val="000000"/>
+            </a:solidFill>
+            <a:round/>
+            <a:headEnd len="med" type="triangle" w="med"/>
+          </a:ln>
+        </p:spPr>
+      </p:sp>
+      <p:sp>
+        <p:nvSpPr>
+          <p:cNvPr id="139" name="CustomShape 8"/>
+          <p:cNvSpPr/>
+          <p:nvPr/>
+        </p:nvSpPr>
+        <p:spPr>
+          <a:xfrm>
+            <a:off x="7051320" y="4406400"/>
+            <a:ext cx="1581120" cy="1322280"/>
+          </a:xfrm>
+          <a:prstGeom prst="bevel">
+            <a:avLst>
+              <a:gd name="adj" fmla="val 12500"/>
+            </a:avLst>
+          </a:prstGeom>
+          <a:solidFill>
+            <a:srgbClr val="d9d9d9"/>
+          </a:solidFill>
+          <a:ln w="25560">
+            <a:solidFill>
+              <a:srgbClr val="000000"/>
+            </a:solidFill>
+            <a:round/>
+            <a:headEnd len="med" type="triangle" w="med"/>
+          </a:ln>
+        </p:spPr>
+      </p:sp>
+      <p:sp>
+        <p:nvSpPr>
+          <p:cNvPr id="140" name="CustomShape 9"/>
+          <p:cNvSpPr/>
+          <p:nvPr/>
+        </p:nvSpPr>
+        <p:spPr>
+          <a:xfrm>
+            <a:off x="7252560" y="4590720"/>
+            <a:ext cx="1163520" cy="953640"/>
+          </a:xfrm>
+          <a:prstGeom prst="rect">
+            <a:avLst/>
+          </a:prstGeom>
+          <a:solidFill>
+            <a:srgbClr val="000000"/>
+          </a:solidFill>
+          <a:ln w="25560">
+            <a:solidFill>
+              <a:srgbClr val="000000"/>
+            </a:solidFill>
+            <a:round/>
+            <a:headEnd len="med" type="triangle" w="med"/>
+          </a:ln>
+        </p:spPr>
+      </p:sp>
+      <p:sp>
+        <p:nvSpPr>
+          <p:cNvPr id="141" name="CustomShape 10"/>
+          <p:cNvSpPr/>
+          <p:nvPr/>
+        </p:nvSpPr>
+        <p:spPr>
+          <a:xfrm>
+            <a:off x="5468760" y="6095160"/>
+            <a:ext cx="1989360" cy="459360"/>
+          </a:xfrm>
+          <a:prstGeom prst="cube">
+            <a:avLst>
+              <a:gd name="adj" fmla="val 100000"/>
+            </a:avLst>
+          </a:prstGeom>
+          <a:noFill/>
+          <a:ln w="25560">
+            <a:solidFill>
+              <a:srgbClr val="000000"/>
+            </a:solidFill>
+            <a:round/>
+            <a:headEnd len="med" type="triangle" w="med"/>
+          </a:ln>
+        </p:spPr>
+      </p:sp>
+      <p:sp>
+        <p:nvSpPr>
+          <p:cNvPr id="142" name="CustomShape 11"/>
+          <p:cNvSpPr/>
+          <p:nvPr/>
+        </p:nvSpPr>
+        <p:spPr>
+          <a:xfrm>
+            <a:off x="5468760" y="4566240"/>
+            <a:ext cx="293040" cy="277200"/>
+          </a:xfrm>
+          <a:prstGeom prst="ellipse">
+            <a:avLst/>
+          </a:prstGeom>
+          <a:solidFill>
+            <a:srgbClr val="4f81bd"/>
+          </a:solidFill>
+          <a:ln w="25560">
+            <a:solidFill>
+              <a:srgbClr val="3a5f8b"/>
+            </a:solidFill>
+            <a:round/>
+            <a:headEnd len="med" type="triangle" w="med"/>
+          </a:ln>
+        </p:spPr>
+      </p:sp>
+      <p:sp>
+        <p:nvSpPr>
+          <p:cNvPr id="143" name="CustomShape 12"/>
+          <p:cNvSpPr/>
+          <p:nvPr/>
+        </p:nvSpPr>
+        <p:spPr>
+          <a:xfrm>
+            <a:off x="5468760" y="5084280"/>
+            <a:ext cx="293040" cy="286560"/>
+          </a:xfrm>
+          <a:prstGeom prst="smileyFace">
+            <a:avLst>
+              <a:gd name="adj" fmla="val 4653"/>
+            </a:avLst>
+          </a:prstGeom>
+          <a:solidFill>
+            <a:srgbClr val="4f81bd"/>
+          </a:solidFill>
+          <a:ln w="25560">
+            <a:solidFill>
+              <a:srgbClr val="3a5f8b"/>
+            </a:solidFill>
+            <a:round/>
+            <a:headEnd len="med" type="triangle" w="med"/>
+          </a:ln>
+        </p:spPr>
+      </p:sp>
+      <p:sp>
+        <p:nvSpPr>
+          <p:cNvPr id="144" name="CustomShape 13"/>
+          <p:cNvSpPr/>
+          <p:nvPr/>
+        </p:nvSpPr>
+        <p:spPr>
+          <a:xfrm rot="5400000">
+            <a:off x="7133400" y="5341320"/>
+            <a:ext cx="320760" cy="1096560"/>
+          </a:xfrm>
+          <a:prstGeom prst="curvedConnector3">
+            <a:avLst>
+              <a:gd name="adj1" fmla="val 50000"/>
+            </a:avLst>
+          </a:prstGeom>
+          <a:noFill/>
+          <a:ln w="25560">
+            <a:solidFill>
+              <a:srgbClr val="000000"/>
+            </a:solidFill>
+            <a:round/>
+            <a:headEnd len="med" type="triangle" w="med"/>
+          </a:ln>
+        </p:spPr>
+      </p:sp>
+      <p:sp>
+        <p:nvSpPr>
+          <p:cNvPr id="145" name="CustomShape 14"/>
+          <p:cNvSpPr/>
+          <p:nvPr/>
+        </p:nvSpPr>
+        <p:spPr>
+          <a:xfrm flipH="1" flipV="1">
+            <a:off x="6324120" y="4687200"/>
+            <a:ext cx="2499120" cy="146160"/>
+          </a:xfrm>
+          <a:prstGeom prst="curvedConnector5">
+            <a:avLst>
+              <a:gd name="adj1" fmla="val -9145"/>
+              <a:gd name="adj2" fmla="val -768425"/>
+              <a:gd name="adj3" fmla="val 85520"/>
+            </a:avLst>
+          </a:prstGeom>
+          <a:noFill/>
+          <a:ln w="25560">
+            <a:solidFill>
+              <a:srgbClr val="000000"/>
+            </a:solidFill>
+            <a:round/>
+            <a:headEnd len="med" type="triangle" w="med"/>
+          </a:ln>
+        </p:spPr>
+      </p:sp>
+      <p:sp>
+        <p:nvSpPr>
+          <p:cNvPr id="146" name="CustomShape 15"/>
+          <p:cNvSpPr/>
+          <p:nvPr/>
+        </p:nvSpPr>
+        <p:spPr>
+          <a:xfrm>
+            <a:off x="316800" y="5811480"/>
+            <a:ext cx="2916360" cy="879480"/>
+          </a:xfrm>
+          <a:prstGeom prst="cube">
+            <a:avLst>
+              <a:gd name="adj" fmla="val 83534"/>
+            </a:avLst>
+          </a:prstGeom>
+          <a:solidFill>
+            <a:srgbClr val="4f81bd"/>
+          </a:solidFill>
+          <a:ln w="25560">
+            <a:solidFill>
+              <a:srgbClr val="3a5f8b"/>
+            </a:solidFill>
+            <a:round/>
+            <a:headEnd len="med" type="triangle" w="med"/>
+          </a:ln>
+        </p:spPr>
+      </p:sp>
+      <p:sp>
+        <p:nvSpPr>
+          <p:cNvPr id="147" name="CustomShape 16"/>
+          <p:cNvSpPr/>
+          <p:nvPr/>
+        </p:nvSpPr>
+        <p:spPr>
+          <a:xfrm>
+            <a:off x="1119960" y="5571360"/>
+            <a:ext cx="1944000" cy="324000"/>
+          </a:xfrm>
+          <a:prstGeom prst="cube">
+            <a:avLst>
+              <a:gd name="adj" fmla="val 19629"/>
+            </a:avLst>
+          </a:prstGeom>
+          <a:solidFill>
+            <a:srgbClr val="262626"/>
+          </a:solidFill>
+          <a:ln w="25560">
+            <a:solidFill>
+              <a:srgbClr val="000000"/>
+            </a:solidFill>
+            <a:round/>
+            <a:headEnd len="med" type="triangle" w="med"/>
+          </a:ln>
+        </p:spPr>
+      </p:sp>
+      <p:sp>
+        <p:nvSpPr>
+          <p:cNvPr id="148" name="CustomShape 17"/>
+          <p:cNvSpPr/>
+          <p:nvPr/>
+        </p:nvSpPr>
+        <p:spPr>
+          <a:xfrm>
+            <a:off x="1222560" y="5926680"/>
+            <a:ext cx="816480" cy="324000"/>
+          </a:xfrm>
+          <a:prstGeom prst="cube">
+            <a:avLst>
+              <a:gd name="adj" fmla="val 88982"/>
+            </a:avLst>
+          </a:prstGeom>
+          <a:solidFill>
+            <a:srgbClr val="404040"/>
+          </a:solidFill>
+          <a:ln w="25560">
+            <a:solidFill>
+              <a:srgbClr val="000000"/>
+            </a:solidFill>
+            <a:round/>
+            <a:headEnd len="med" type="triangle" w="med"/>
+          </a:ln>
+        </p:spPr>
+      </p:sp>
+      <p:sp>
+        <p:nvSpPr>
+          <p:cNvPr id="149" name="CustomShape 18"/>
+          <p:cNvSpPr/>
+          <p:nvPr/>
+        </p:nvSpPr>
+        <p:spPr>
+          <a:xfrm>
+            <a:off x="443520" y="6166800"/>
+            <a:ext cx="1009080" cy="324000"/>
+          </a:xfrm>
+          <a:prstGeom prst="cube">
+            <a:avLst>
+              <a:gd name="adj" fmla="val 19629"/>
+            </a:avLst>
+          </a:prstGeom>
+          <a:solidFill>
+            <a:srgbClr val="262626"/>
+          </a:solidFill>
+          <a:ln w="25560">
+            <a:solidFill>
+              <a:srgbClr val="000000"/>
+            </a:solidFill>
+            <a:round/>
+            <a:headEnd len="med" type="triangle" w="med"/>
+          </a:ln>
+        </p:spPr>
+      </p:sp>
+      <p:sp>
+        <p:nvSpPr>
+          <p:cNvPr id="150" name="CustomShape 19"/>
+          <p:cNvSpPr/>
+          <p:nvPr/>
+        </p:nvSpPr>
+        <p:spPr>
+          <a:xfrm>
+            <a:off x="1542600" y="6166800"/>
+            <a:ext cx="816480" cy="324000"/>
+          </a:xfrm>
+          <a:prstGeom prst="cube">
+            <a:avLst>
+              <a:gd name="adj" fmla="val 19629"/>
+            </a:avLst>
+          </a:prstGeom>
+          <a:solidFill>
+            <a:srgbClr val="262626"/>
+          </a:solidFill>
+          <a:ln w="25560">
+            <a:solidFill>
+              <a:srgbClr val="000000"/>
+            </a:solidFill>
+            <a:round/>
+            <a:headEnd len="med" type="triangle" w="med"/>
+          </a:ln>
+        </p:spPr>
+      </p:sp>
+      <p:sp>
+        <p:nvSpPr>
+          <p:cNvPr id="151" name="CustomShape 20"/>
+          <p:cNvSpPr/>
+          <p:nvPr/>
+        </p:nvSpPr>
+        <p:spPr>
+          <a:xfrm>
+            <a:off x="2446200" y="5748120"/>
+            <a:ext cx="503280" cy="383040"/>
+          </a:xfrm>
+          <a:prstGeom prst="cube">
+            <a:avLst>
+              <a:gd name="adj" fmla="val 47345"/>
+            </a:avLst>
+          </a:prstGeom>
+          <a:solidFill>
+            <a:srgbClr val="808080"/>
+          </a:solidFill>
+          <a:ln w="6480">
+            <a:solidFill>
+              <a:srgbClr val="000000"/>
+            </a:solidFill>
+            <a:round/>
+            <a:headEnd len="med" type="triangle" w="med"/>
+          </a:ln>
+        </p:spPr>
+      </p:sp>
+      <p:sp>
+        <p:nvSpPr>
+          <p:cNvPr id="152" name="CustomShape 21"/>
+          <p:cNvSpPr/>
+          <p:nvPr/>
+        </p:nvSpPr>
+        <p:spPr>
+          <a:xfrm>
+            <a:off x="3064680" y="3538440"/>
+            <a:ext cx="1474920" cy="801000"/>
+          </a:xfrm>
+          <a:prstGeom prst="rect">
+            <a:avLst/>
+          </a:prstGeom>
+          <a:solidFill>
+            <a:srgbClr val="4f81bd"/>
+          </a:solidFill>
+          <a:ln w="25560">
+            <a:solidFill>
+              <a:srgbClr val="3a5f8b"/>
+            </a:solidFill>
+            <a:round/>
+            <a:headEnd len="med" type="triangle" w="med"/>
+          </a:ln>
+        </p:spPr>
+        <p:txBody>
+          <a:bodyPr lIns="90000" rIns="90000" tIns="45000" bIns="45000" anchor="ctr"/>
+          <a:p>
+            <a:pPr algn="ctr">
+              <a:lnSpc>
+                <a:spcPct val="100000"/>
+              </a:lnSpc>
+            </a:pPr>
+            <a:r>
+              <a:rPr lang="es-AR">
+                <a:solidFill>
+                  <a:srgbClr val="ffffff"/>
+                </a:solidFill>
+                <a:latin typeface="Calibri"/>
+              </a:rPr>
+              <a:t>Filtro pasa bajos</a:t>
+            </a:r>
+            <a:endParaRPr/>
+          </a:p>
+        </p:txBody>
+      </p:sp>
+      <p:sp>
+        <p:nvSpPr>
+          <p:cNvPr id="153" name="CustomShape 22"/>
+          <p:cNvSpPr/>
+          <p:nvPr/>
+        </p:nvSpPr>
+        <p:spPr>
+          <a:xfrm flipH="1" flipV="1" rot="10800000">
+            <a:off x="703440" y="1569960"/>
+            <a:ext cx="650520" cy="4000680"/>
+          </a:xfrm>
+          <a:prstGeom prst="curvedConnector4">
+            <a:avLst>
+              <a:gd name="adj1" fmla="val -35098"/>
+              <a:gd name="adj2" fmla="val 87879"/>
+            </a:avLst>
+          </a:prstGeom>
+          <a:noFill/>
+          <a:ln w="38160">
+            <a:solidFill>
+              <a:srgbClr val="953735"/>
+            </a:solidFill>
+            <a:round/>
+            <a:headEnd len="med" type="triangle" w="med"/>
+          </a:ln>
+        </p:spPr>
+      </p:sp>
+      <p:sp>
+        <p:nvSpPr>
+          <p:cNvPr id="154" name="CustomShape 23"/>
+          <p:cNvSpPr/>
+          <p:nvPr/>
+        </p:nvSpPr>
+        <p:spPr>
+          <a:xfrm flipV="1" rot="10800000">
+            <a:off x="3803400" y="2286720"/>
+            <a:ext cx="3823200" cy="1251000"/>
+          </a:xfrm>
+          <a:prstGeom prst="curvedConnector2">
+            <a:avLst/>
+          </a:prstGeom>
+          <a:noFill/>
+          <a:ln w="44280">
+            <a:solidFill>
+              <a:srgbClr val="00b050"/>
+            </a:solidFill>
+            <a:round/>
+            <a:headEnd len="med" type="triangle" w="med"/>
+          </a:ln>
+        </p:spPr>
+      </p:sp>
+      <p:sp>
+        <p:nvSpPr>
+          <p:cNvPr id="155" name="CustomShape 24"/>
+          <p:cNvSpPr/>
+          <p:nvPr/>
+        </p:nvSpPr>
+        <p:spPr>
+          <a:xfrm rot="5400000">
+            <a:off x="1916280" y="4343760"/>
+            <a:ext cx="1890000" cy="1882440"/>
+          </a:xfrm>
+          <a:prstGeom prst="curvedConnector3">
+            <a:avLst>
+              <a:gd name="adj1" fmla="val 50000"/>
+            </a:avLst>
+          </a:prstGeom>
+          <a:noFill/>
+          <a:ln w="44280">
+            <a:solidFill>
+              <a:srgbClr val="00b050"/>
+            </a:solidFill>
+            <a:round/>
+            <a:headEnd len="med" type="triangle" w="med"/>
+          </a:ln>
+        </p:spPr>
+      </p:sp>
+      <p:sp>
+        <p:nvSpPr>
+          <p:cNvPr id="156" name="CustomShape 25"/>
+          <p:cNvSpPr/>
+          <p:nvPr/>
+        </p:nvSpPr>
+        <p:spPr>
+          <a:xfrm>
+            <a:off x="866520" y="1866240"/>
+            <a:ext cx="1581480" cy="364320"/>
           </a:xfrm>
           <a:prstGeom prst="rect">
             <a:avLst/>
@@ -6079,7 +6051,7 @@
           </a:ln>
         </p:spPr>
         <p:txBody>
-          <a:bodyPr lIns="90000" rIns="90000" tIns="45000" bIns="45000"/>
+          <a:bodyPr wrap="none" lIns="90000" rIns="90000" tIns="45000" bIns="45000"/>
           <a:p>
             <a:pPr>
               <a:lnSpc>
@@ -6093,18 +6065,33 @@
                 </a:solidFill>
                 <a:latin typeface="Calibri"/>
               </a:rPr>
-              <a:t>Esto es medio receta de cocina:</a:t>
+              <a:t>Salida-Láser</a:t>
             </a:r>
             <a:endParaRPr/>
           </a:p>
-          <a:p>
-            <a:pPr>
-              <a:lnSpc>
-                <a:spcPct val="100000"/>
-              </a:lnSpc>
-            </a:pPr>
-            <a:endParaRPr/>
-          </a:p>
+        </p:txBody>
+      </p:sp>
+      <p:sp>
+        <p:nvSpPr>
+          <p:cNvPr id="157" name="CustomShape 26"/>
+          <p:cNvSpPr/>
+          <p:nvPr/>
+        </p:nvSpPr>
+        <p:spPr>
+          <a:xfrm>
+            <a:off x="6802560" y="2530800"/>
+            <a:ext cx="2287080" cy="364320"/>
+          </a:xfrm>
+          <a:prstGeom prst="rect">
+            <a:avLst/>
+          </a:prstGeom>
+          <a:noFill/>
+          <a:ln>
+            <a:noFill/>
+          </a:ln>
+        </p:spPr>
+        <p:txBody>
+          <a:bodyPr wrap="none" lIns="90000" rIns="90000" tIns="45000" bIns="45000"/>
           <a:p>
             <a:pPr>
               <a:lnSpc>
@@ -6118,18 +6105,33 @@
                 </a:solidFill>
                 <a:latin typeface="Calibri"/>
               </a:rPr>
-              <a:t>Primero seteamos Ki=Kd=0. Con valores bajos de Kp se ve que el sistema estabiliza por debajo de una cota, después al aumentar la señal comenzara a oscilar, y nos quedamos ahi.</a:t>
+              <a:t>Entrada-Fotodiódo</a:t>
             </a:r>
             <a:endParaRPr/>
           </a:p>
-          <a:p>
-            <a:pPr>
-              <a:lnSpc>
-                <a:spcPct val="100000"/>
-              </a:lnSpc>
-            </a:pPr>
-            <a:endParaRPr/>
-          </a:p>
+        </p:txBody>
+      </p:sp>
+      <p:sp>
+        <p:nvSpPr>
+          <p:cNvPr id="158" name="CustomShape 27"/>
+          <p:cNvSpPr/>
+          <p:nvPr/>
+        </p:nvSpPr>
+        <p:spPr>
+          <a:xfrm>
+            <a:off x="904680" y="4705200"/>
+            <a:ext cx="2661840" cy="364320"/>
+          </a:xfrm>
+          <a:prstGeom prst="rect">
+            <a:avLst/>
+          </a:prstGeom>
+          <a:noFill/>
+          <a:ln>
+            <a:noFill/>
+          </a:ln>
+        </p:spPr>
+        <p:txBody>
+          <a:bodyPr wrap="none" lIns="90000" rIns="90000" tIns="45000" bIns="45000"/>
           <a:p>
             <a:pPr>
               <a:lnSpc>
@@ -6143,62 +6145,12 @@
                 </a:solidFill>
                 <a:latin typeface="Calibri"/>
               </a:rPr>
-              <a:t>Segundo, agregamos Ki, y se vió que si era muy grande, el sistema oscilaba estrepitosamente, y a medida que se bajaba el valor de este, la oscilación se detenía</a:t>
+              <a:t>PID mediante arduino</a:t>
             </a:r>
             <a:endParaRPr/>
           </a:p>
         </p:txBody>
       </p:sp>
-      <p:pic>
-        <p:nvPicPr>
-          <p:cNvPr id="158" name="" descr=""/>
-          <p:cNvPicPr/>
-          <p:nvPr/>
-        </p:nvPicPr>
-        <p:blipFill>
-          <a:blip r:embed="rId1"/>
-          <a:stretch>
-            <a:fillRect/>
-          </a:stretch>
-        </p:blipFill>
-        <p:spPr>
-          <a:xfrm>
-            <a:off x="317520" y="3429000"/>
-            <a:ext cx="3873600" cy="3022560"/>
-          </a:xfrm>
-          <a:prstGeom prst="rect">
-            <a:avLst/>
-          </a:prstGeom>
-          <a:ln>
-            <a:noFill/>
-          </a:ln>
-        </p:spPr>
-      </p:pic>
-      <p:pic>
-        <p:nvPicPr>
-          <p:cNvPr id="159" name="" descr=""/>
-          <p:cNvPicPr/>
-          <p:nvPr/>
-        </p:nvPicPr>
-        <p:blipFill>
-          <a:blip r:embed="rId2"/>
-          <a:stretch>
-            <a:fillRect/>
-          </a:stretch>
-        </p:blipFill>
-        <p:spPr>
-          <a:xfrm>
-            <a:off x="4572000" y="3492360"/>
-            <a:ext cx="3695760" cy="2870280"/>
-          </a:xfrm>
-          <a:prstGeom prst="rect">
-            <a:avLst/>
-          </a:prstGeom>
-          <a:ln>
-            <a:noFill/>
-          </a:ln>
-        </p:spPr>
-      </p:pic>
     </p:spTree>
   </p:cSld>
   <p:timing>
@@ -6250,14 +6202,14 @@
       </p:grpSpPr>
       <p:sp>
         <p:nvSpPr>
-          <p:cNvPr id="160" name="CustomShape 1"/>
+          <p:cNvPr id="159" name="CustomShape 1"/>
           <p:cNvSpPr/>
           <p:nvPr/>
         </p:nvSpPr>
         <p:spPr>
           <a:xfrm>
             <a:off x="683640" y="332640"/>
-            <a:ext cx="6696360" cy="364680"/>
+            <a:ext cx="6696000" cy="364320"/>
           </a:xfrm>
           <a:prstGeom prst="rect">
             <a:avLst/>
@@ -6290,14 +6242,14 @@
       </p:sp>
       <p:sp>
         <p:nvSpPr>
-          <p:cNvPr id="161" name="CustomShape 2"/>
-          <p:cNvSpPr/>
-          <p:nvPr/>
-        </p:nvSpPr>
-        <p:spPr>
-          <a:xfrm>
-            <a:off x="323640" y="836640"/>
-            <a:ext cx="7200360" cy="639000"/>
+          <p:cNvPr id="160" name="CustomShape 2"/>
+          <p:cNvSpPr/>
+          <p:nvPr/>
+        </p:nvSpPr>
+        <p:spPr>
+          <a:xfrm>
+            <a:off x="323640" y="763920"/>
+            <a:ext cx="8352360" cy="2558160"/>
           </a:xfrm>
           <a:prstGeom prst="rect">
             <a:avLst/>
@@ -6322,7 +6274,57 @@
                 </a:solidFill>
                 <a:latin typeface="Calibri"/>
               </a:rPr>
-              <a:t>Finalmente se subió el valor de Kd hasta obtener un valor en el que la señal estabilice de manera suave.</a:t>
+              <a:t>Esto es medio receta de cocina:</a:t>
+            </a:r>
+            <a:endParaRPr/>
+          </a:p>
+          <a:p>
+            <a:pPr>
+              <a:lnSpc>
+                <a:spcPct val="100000"/>
+              </a:lnSpc>
+            </a:pPr>
+            <a:endParaRPr/>
+          </a:p>
+          <a:p>
+            <a:pPr>
+              <a:lnSpc>
+                <a:spcPct val="100000"/>
+              </a:lnSpc>
+            </a:pPr>
+            <a:r>
+              <a:rPr lang="es-AR">
+                <a:solidFill>
+                  <a:srgbClr val="000000"/>
+                </a:solidFill>
+                <a:latin typeface="Calibri"/>
+              </a:rPr>
+              <a:t>Primero seteamos Ki=Kd=0. Con valores bajos de Kp se ve que el sistema estabiliza por debajo de una cota, después al aumentar la señal comenzara a oscilar, y nos quedamos ahi.</a:t>
+            </a:r>
+            <a:endParaRPr/>
+          </a:p>
+          <a:p>
+            <a:pPr>
+              <a:lnSpc>
+                <a:spcPct val="100000"/>
+              </a:lnSpc>
+            </a:pPr>
+            <a:endParaRPr/>
+          </a:p>
+          <a:p>
+            <a:pPr>
+              <a:lnSpc>
+                <a:spcPct val="100000"/>
+              </a:lnSpc>
+            </a:pPr>
+            <a:r>
+              <a:rPr lang="es-AR">
+                <a:solidFill>
+                  <a:srgbClr val="000000"/>
+                </a:solidFill>
+                <a:latin typeface="Calibri"/>
+              </a:rPr>
+              <a:t>Segundo, agregamos Ki, y se vió que si era muy grande, el sistema oscilaba estrepitosamente, y a medida que se bajaba el valor de este, la oscilación se detenía</a:t>
             </a:r>
             <a:endParaRPr/>
           </a:p>
@@ -6330,7 +6332,7 @@
       </p:sp>
       <p:pic>
         <p:nvPicPr>
-          <p:cNvPr id="162" name="" descr=""/>
+          <p:cNvPr id="161" name="" descr=""/>
           <p:cNvPicPr/>
           <p:nvPr/>
         </p:nvPicPr>
@@ -6342,8 +6344,33 @@
         </p:blipFill>
         <p:spPr>
           <a:xfrm>
-            <a:off x="279360" y="2489040"/>
-            <a:ext cx="5079960" cy="3949560"/>
+            <a:off x="317520" y="3429000"/>
+            <a:ext cx="3873240" cy="3022200"/>
+          </a:xfrm>
+          <a:prstGeom prst="rect">
+            <a:avLst/>
+          </a:prstGeom>
+          <a:ln>
+            <a:noFill/>
+          </a:ln>
+        </p:spPr>
+      </p:pic>
+      <p:pic>
+        <p:nvPicPr>
+          <p:cNvPr id="162" name="" descr=""/>
+          <p:cNvPicPr/>
+          <p:nvPr/>
+        </p:nvPicPr>
+        <p:blipFill>
+          <a:blip r:embed="rId2"/>
+          <a:stretch>
+            <a:fillRect/>
+          </a:stretch>
+        </p:blipFill>
+        <p:spPr>
+          <a:xfrm>
+            <a:off x="4572000" y="3492360"/>
+            <a:ext cx="3695400" cy="2869920"/>
           </a:xfrm>
           <a:prstGeom prst="rect">
             <a:avLst/>
@@ -6411,7 +6438,7 @@
         <p:spPr>
           <a:xfrm>
             <a:off x="683640" y="332640"/>
-            <a:ext cx="6696360" cy="1186920"/>
+            <a:ext cx="6696000" cy="364320"/>
           </a:xfrm>
           <a:prstGeom prst="rect">
             <a:avLst/>
@@ -6436,18 +6463,33 @@
                 </a:solidFill>
                 <a:latin typeface="Calibri"/>
               </a:rPr>
-              <a:t>Mediciones</a:t>
+              <a:t>Ciclo PID - calibración</a:t>
             </a:r>
             <a:endParaRPr/>
           </a:p>
-          <a:p>
-            <a:pPr>
-              <a:lnSpc>
-                <a:spcPct val="100000"/>
-              </a:lnSpc>
-            </a:pPr>
-            <a:endParaRPr/>
-          </a:p>
+        </p:txBody>
+      </p:sp>
+      <p:sp>
+        <p:nvSpPr>
+          <p:cNvPr id="164" name="CustomShape 2"/>
+          <p:cNvSpPr/>
+          <p:nvPr/>
+        </p:nvSpPr>
+        <p:spPr>
+          <a:xfrm>
+            <a:off x="323640" y="836640"/>
+            <a:ext cx="7200000" cy="638640"/>
+          </a:xfrm>
+          <a:prstGeom prst="rect">
+            <a:avLst/>
+          </a:prstGeom>
+          <a:noFill/>
+          <a:ln>
+            <a:noFill/>
+          </a:ln>
+        </p:spPr>
+        <p:txBody>
+          <a:bodyPr lIns="90000" rIns="90000" tIns="45000" bIns="45000"/>
           <a:p>
             <a:pPr>
               <a:lnSpc>
@@ -6461,12 +6503,37 @@
                 </a:solidFill>
                 <a:latin typeface="Calibri"/>
               </a:rPr>
-              <a:t>No se que nos va a dar, pero seguro que se ajusta con una gausiana</a:t>
+              <a:t>Finalmente se subió el valor de Kd hasta obtener un valor en el que la señal estabilice de manera suave.</a:t>
             </a:r>
             <a:endParaRPr/>
           </a:p>
         </p:txBody>
       </p:sp>
+      <p:pic>
+        <p:nvPicPr>
+          <p:cNvPr id="165" name="" descr=""/>
+          <p:cNvPicPr/>
+          <p:nvPr/>
+        </p:nvPicPr>
+        <p:blipFill>
+          <a:blip r:embed="rId1"/>
+          <a:stretch>
+            <a:fillRect/>
+          </a:stretch>
+        </p:blipFill>
+        <p:spPr>
+          <a:xfrm>
+            <a:off x="279360" y="2489040"/>
+            <a:ext cx="5079600" cy="3949200"/>
+          </a:xfrm>
+          <a:prstGeom prst="rect">
+            <a:avLst/>
+          </a:prstGeom>
+          <a:ln>
+            <a:noFill/>
+          </a:ln>
+        </p:spPr>
+      </p:pic>
     </p:spTree>
   </p:cSld>
   <p:timing>
